--- a/file/数论函数篇.pptx
+++ b/file/数论函数篇.pptx
@@ -23,7 +23,7 @@
     <p:sldId id="261" r:id="rId16"/>
     <p:sldId id="262" r:id="rId17"/>
     <p:sldId id="263" r:id="rId18"/>
-    <p:sldId id="264" r:id="rId19"/>
+    <p:sldId id="641" r:id="rId19"/>
     <p:sldId id="266" r:id="rId20"/>
     <p:sldId id="267" r:id="rId21"/>
     <p:sldId id="449" r:id="rId22"/>
@@ -69,15 +69,20 @@
     <p:sldId id="553" r:id="rId62"/>
     <p:sldId id="554" r:id="rId63"/>
     <p:sldId id="555" r:id="rId64"/>
-    <p:sldId id="292" r:id="rId65"/>
-    <p:sldId id="293" r:id="rId66"/>
-    <p:sldId id="294" r:id="rId67"/>
-    <p:sldId id="295" r:id="rId68"/>
-    <p:sldId id="296" r:id="rId69"/>
-    <p:sldId id="297" r:id="rId70"/>
-    <p:sldId id="298" r:id="rId71"/>
-    <p:sldId id="639" r:id="rId72"/>
-    <p:sldId id="557" r:id="rId73"/>
+    <p:sldId id="696" r:id="rId65"/>
+    <p:sldId id="698" r:id="rId66"/>
+    <p:sldId id="699" r:id="rId67"/>
+    <p:sldId id="700" r:id="rId68"/>
+    <p:sldId id="702" r:id="rId69"/>
+    <p:sldId id="292" r:id="rId70"/>
+    <p:sldId id="293" r:id="rId71"/>
+    <p:sldId id="294" r:id="rId72"/>
+    <p:sldId id="295" r:id="rId73"/>
+    <p:sldId id="296" r:id="rId74"/>
+    <p:sldId id="297" r:id="rId75"/>
+    <p:sldId id="298" r:id="rId76"/>
+    <p:sldId id="639" r:id="rId77"/>
+    <p:sldId id="557" r:id="rId78"/>
   </p:sldIdLst>
   <p:sldSz cx="12192000" cy="6858000"/>
   <p:notesSz cx="7103745" cy="10234295"/>
@@ -4883,13 +4888,7 @@
               <a:rPr lang="zh-CN" altLang="en-US" smtClean="0">
                 <a:sym typeface="+mn-lt"/>
               </a:rPr>
-              <a:t>数论函数</a:t>
-            </a:r>
-            <a:r>
-              <a:rPr lang="zh-CN" altLang="en-US" smtClean="0">
-                <a:sym typeface="+mn-lt"/>
-              </a:rPr>
-              <a:t>篇</a:t>
+              <a:t>数论函数篇</a:t>
             </a:r>
             <a:endParaRPr lang="zh-CN" altLang="en-US" smtClean="0">
               <a:sym typeface="+mn-lt"/>
@@ -6646,39 +6645,66 @@
           <a:bodyPr/>
           <a:p>
             <a:r>
-              <a:rPr lang="zh-CN" altLang="en-US" sz="4000"/>
+              <a:rPr lang="zh-CN" altLang="en-US">
+                <a:sym typeface="+mn-ea"/>
+              </a:rPr>
               <a:t>常见的狄利克雷卷积</a:t>
             </a:r>
-            <a:endParaRPr lang="zh-CN" altLang="en-US" sz="4000"/>
+            <a:endParaRPr lang="zh-CN" altLang="en-US"/>
+          </a:p>
+        </p:txBody>
+      </p:sp>
+      <p:sp>
+        <p:nvSpPr>
+          <p:cNvPr id="3" name="内容占位符 2"/>
+          <p:cNvSpPr>
+            <a:spLocks noGrp="1"/>
+          </p:cNvSpPr>
+          <p:nvPr>
+            <p:ph idx="1"/>
+          </p:nvPr>
+        </p:nvSpPr>
+        <p:spPr/>
+        <p:txBody>
+          <a:bodyPr/>
+          <a:p>
+            <a:r>
+              <a:rPr lang="zh-CN" altLang="en-US">
+                <a:sym typeface="+mn-ea"/>
+              </a:rPr>
+              <a:t>常见的狄利克雷卷积：</a:t>
+            </a:r>
+            <a:endParaRPr lang="zh-CN" altLang="en-US"/>
+          </a:p>
+          <a:p>
+            <a:endParaRPr lang="zh-CN" altLang="en-US"/>
           </a:p>
         </p:txBody>
       </p:sp>
       <p:graphicFrame>
         <p:nvGraphicFramePr>
-          <p:cNvPr id="4" name="内容占位符 3">
+          <p:cNvPr id="4" name="对象 3">
             <a:hlinkClick r:id="" action="ppaction://ole?verb="/>
           </p:cNvPr>
           <p:cNvGraphicFramePr>
             <a:graphicFrameLocks noChangeAspect="1"/>
           </p:cNvGraphicFramePr>
-          <p:nvPr>
-            <p:ph idx="1"/>
-          </p:nvPr>
+          <p:nvPr/>
         </p:nvGraphicFramePr>
         <p:xfrm>
-          <a:off x="1379220" y="1715135"/>
-          <a:ext cx="1450975" cy="2719705"/>
+          <a:off x="1161415" y="2369185"/>
+          <a:ext cx="3856355" cy="3763010"/>
         </p:xfrm>
         <a:graphic>
           <a:graphicData uri="http://schemas.openxmlformats.org/presentationml/2006/ole">
             <mc:AlternateContent xmlns:mc="http://schemas.openxmlformats.org/markup-compatibility/2006">
               <mc:Choice xmlns:v="urn:schemas-microsoft-com:vml" Requires="v">
-                <p:oleObj spid="_x0000_s4097" name="" r:id="rId1" imgW="596900" imgH="1117600" progId="Equation.KSEE3">
+                <p:oleObj spid="_x0000_s4097" name="" r:id="rId1" imgW="1981200" imgH="1930400" progId="Equation.KSEE3">
                   <p:embed/>
                 </p:oleObj>
               </mc:Choice>
               <mc:Fallback>
-                <p:oleObj name="" r:id="rId1" imgW="596900" imgH="1117600" progId="Equation.KSEE3">
+                <p:oleObj name="" r:id="rId1" imgW="1981200" imgH="1930400" progId="Equation.KSEE3">
                   <p:embed/>
                   <p:pic>
                     <p:nvPicPr>
@@ -6696,8 +6722,8 @@
                     </p:blipFill>
                     <p:spPr>
                       <a:xfrm>
-                        <a:off x="1379220" y="1715135"/>
-                        <a:ext cx="1450975" cy="2719705"/>
+                        <a:off x="1161415" y="2369185"/>
+                        <a:ext cx="3856355" cy="3763010"/>
                       </a:xfrm>
                       <a:prstGeom prst="rect">
                         <a:avLst/>
@@ -7732,9 +7758,6 @@
             </a:r>
             <a:endParaRPr lang="zh-CN" altLang="en-US"/>
           </a:p>
-          <a:p>
-            <a:endParaRPr lang="zh-CN" altLang="en-US"/>
-          </a:p>
         </p:txBody>
       </p:sp>
     </p:spTree>
@@ -8416,6 +8439,45 @@
               </a:rPr>
               <a:t>莫比乌斯反演大概是我见过的最精妙的数学了</a:t>
             </a:r>
+            <a:endParaRPr lang="zh-CN" altLang="en-US" sz="2400">
+              <a:sym typeface="+mn-ea"/>
+            </a:endParaRPr>
+          </a:p>
+          <a:p>
+            <a:endParaRPr lang="zh-CN" altLang="en-US" sz="2400"/>
+          </a:p>
+          <a:p>
+            <a:endParaRPr lang="zh-CN" altLang="en-US" sz="2400"/>
+          </a:p>
+          <a:p>
+            <a:endParaRPr lang="zh-CN" altLang="en-US" sz="2400"/>
+          </a:p>
+          <a:p>
+            <a:endParaRPr lang="zh-CN" altLang="en-US" sz="2400"/>
+          </a:p>
+          <a:p>
+            <a:r>
+              <a:rPr lang="en-US" altLang="zh-CN" sz="2400"/>
+              <a:t>PoPoQQQ</a:t>
+            </a:r>
+            <a:r>
+              <a:rPr lang="zh-CN" altLang="en-US" sz="2400"/>
+              <a:t>的代数反演侧重于函数的构造，无端增加了思维负担，丧失了数论的简约性与流畅性</a:t>
+            </a:r>
+            <a:endParaRPr lang="zh-CN" altLang="en-US" sz="2400"/>
+          </a:p>
+          <a:p>
+            <a:r>
+              <a:rPr lang="zh-CN" altLang="en-US" sz="2400"/>
+              <a:t>而偏序角度的反演则是重新定义了新的代数结构，脱离了初等数学的范畴</a:t>
+            </a:r>
+            <a:endParaRPr lang="zh-CN" altLang="en-US" sz="2400"/>
+          </a:p>
+          <a:p>
+            <a:r>
+              <a:rPr lang="zh-CN" altLang="en-US" sz="2400"/>
+              <a:t>我们期望的推式子的过程应该是行云流水一气呵成</a:t>
+            </a:r>
             <a:endParaRPr lang="zh-CN" altLang="en-US" sz="2400"/>
           </a:p>
         </p:txBody>
@@ -8431,7 +8493,7 @@
           <p:nvPr/>
         </p:nvGraphicFramePr>
         <p:xfrm>
-          <a:off x="1103630" y="2932430"/>
+          <a:off x="1103630" y="2351405"/>
           <a:ext cx="5979160" cy="1488440"/>
         </p:xfrm>
         <a:graphic>
@@ -8461,7 +8523,7 @@
                     </p:blipFill>
                     <p:spPr>
                       <a:xfrm>
-                        <a:off x="1103630" y="2932430"/>
+                        <a:off x="1103630" y="2351405"/>
                         <a:ext cx="5979160" cy="1488440"/>
                       </a:xfrm>
                       <a:prstGeom prst="rect">
@@ -8491,7 +8553,7 @@
         </p:blipFill>
         <p:spPr>
           <a:xfrm>
-            <a:off x="7611110" y="2686050"/>
+            <a:off x="7699375" y="1825625"/>
             <a:ext cx="3370580" cy="2067560"/>
           </a:xfrm>
           <a:prstGeom prst="rect">
@@ -8996,7 +9058,7 @@
           <p:nvPr/>
         </p:nvGraphicFramePr>
         <p:xfrm>
-          <a:off x="2567940" y="2734310"/>
+          <a:off x="2567940" y="2743835"/>
           <a:ext cx="2932430" cy="442595"/>
         </p:xfrm>
         <a:graphic>
@@ -9026,7 +9088,7 @@
                     </p:blipFill>
                     <p:spPr>
                       <a:xfrm>
-                        <a:off x="2567940" y="2734310"/>
+                        <a:off x="2567940" y="2743835"/>
                         <a:ext cx="2932430" cy="442595"/>
                       </a:xfrm>
                       <a:prstGeom prst="rect">
@@ -9984,13 +10046,7 @@
               <a:rPr lang="zh-CN" altLang="en-US">
                 <a:sym typeface="+mn-ea"/>
               </a:rPr>
-              <a:t>代码实现</a:t>
-            </a:r>
-            <a:r>
-              <a:rPr lang="zh-CN" altLang="en-US">
-                <a:sym typeface="+mn-ea"/>
-              </a:rPr>
-              <a:t>：</a:t>
+              <a:t>代码实现：</a:t>
             </a:r>
             <a:endParaRPr lang="zh-CN" altLang="en-US"/>
           </a:p>
@@ -14827,11 +14883,11 @@
           <a:p>
             <a:r>
               <a:rPr lang="zh-CN" altLang="en-US" sz="2400"/>
-              <a:t>只需要把所有的</a:t>
+              <a:t>只需要把所有的 </a:t>
             </a:r>
             <a:r>
               <a:rPr lang="en-US" altLang="zh-CN" sz="2400"/>
-              <a:t>2</a:t>
+              <a:t>2 </a:t>
             </a:r>
             <a:r>
               <a:rPr lang="zh-CN" altLang="en-US" sz="2400"/>
@@ -14839,7 +14895,7 @@
             </a:r>
             <a:r>
               <a:rPr lang="en-US" altLang="zh-CN" sz="2400"/>
-              <a:t>3</a:t>
+              <a:t>3 </a:t>
             </a:r>
             <a:r>
               <a:rPr lang="zh-CN" altLang="en-US" sz="2400"/>
@@ -16832,7 +16888,7 @@
           <p:nvPr/>
         </p:nvGraphicFramePr>
         <p:xfrm>
-          <a:off x="1766570" y="4470400"/>
+          <a:off x="1814195" y="4470400"/>
           <a:ext cx="245110" cy="622300"/>
         </p:xfrm>
         <a:graphic>
@@ -16853,14 +16909,16 @@
                       <p:nvPr/>
                     </p:nvPicPr>
                     <p:blipFill>
-                      <a:blip r:embed="rId2"/>
+                      <a:blip r:embed="rId2">
+                        <a:lum bright="100000"/>
+                      </a:blip>
                       <a:stretch>
                         <a:fillRect/>
                       </a:stretch>
                     </p:blipFill>
                     <p:spPr>
                       <a:xfrm>
-                        <a:off x="1766570" y="4470400"/>
+                        <a:off x="1814195" y="4470400"/>
                         <a:ext cx="245110" cy="622300"/>
                       </a:xfrm>
                       <a:prstGeom prst="rect">
@@ -19116,10 +19174,14 @@
           <a:bodyPr/>
           <a:p>
             <a:r>
-              <a:rPr lang="zh-CN" altLang="zh-CN" sz="4000"/>
-              <a:t>杜教筛</a:t>
-            </a:r>
-            <a:endParaRPr lang="zh-CN" altLang="zh-CN" sz="4000"/>
+              <a:rPr lang="en-US" altLang="zh-CN"/>
+              <a:t>AOJ#166  </a:t>
+            </a:r>
+            <a:r>
+              <a:rPr lang="zh-CN" altLang="en-US"/>
+              <a:t>等比数列计数</a:t>
+            </a:r>
+            <a:endParaRPr lang="zh-CN" altLang="en-US"/>
           </a:p>
         </p:txBody>
       </p:sp>
@@ -19138,58 +19200,34 @@
           <a:bodyPr/>
           <a:p>
             <a:r>
-              <a:rPr lang="zh-CN" altLang="en-US" sz="2400"/>
-              <a:t>假设现在有一个数论函数       </a:t>
-            </a:r>
-            <a:r>
-              <a:rPr lang="zh-CN" altLang="zh-CN" sz="2400"/>
-              <a:t>，我们要求它的前缀和</a:t>
-            </a:r>
-            <a:endParaRPr lang="zh-CN" altLang="zh-CN" sz="2400"/>
-          </a:p>
-          <a:p>
-            <a:r>
-              <a:rPr lang="zh-CN" altLang="zh-CN" sz="2400"/>
-              <a:t>如果我们能构造另一个数论函数      ，且</a:t>
-            </a:r>
-            <a:r>
-              <a:rPr lang="en-US" altLang="zh-CN" sz="2400"/>
-              <a:t>	    </a:t>
-            </a:r>
-            <a:r>
-              <a:rPr lang="zh-CN" altLang="en-US" sz="2400"/>
-              <a:t>的前缀和容易计算</a:t>
-            </a:r>
-            <a:endParaRPr lang="zh-CN" altLang="en-US" sz="2400"/>
-          </a:p>
-          <a:p>
-            <a:r>
-              <a:rPr lang="zh-CN" altLang="en-US" sz="2400"/>
-              <a:t>那么我们有如下变换：</a:t>
-            </a:r>
-            <a:endParaRPr lang="zh-CN" altLang="en-US" sz="2400"/>
-          </a:p>
-          <a:p>
-            <a:endParaRPr lang="zh-CN" altLang="en-US" sz="2400"/>
-          </a:p>
-          <a:p>
-            <a:endParaRPr lang="zh-CN" altLang="en-US" sz="2400"/>
-          </a:p>
-          <a:p>
-            <a:endParaRPr lang="zh-CN" altLang="en-US" sz="2400"/>
-          </a:p>
-          <a:p>
-            <a:endParaRPr lang="zh-CN" altLang="en-US" sz="2400"/>
-          </a:p>
-          <a:p>
-            <a:endParaRPr lang="zh-CN" altLang="en-US" sz="2400"/>
-          </a:p>
-          <a:p>
-            <a:r>
-              <a:rPr lang="zh-CN" altLang="en-US" sz="2400"/>
-              <a:t>此时有</a:t>
-            </a:r>
-            <a:endParaRPr lang="zh-CN" altLang="en-US" sz="2400"/>
+              <a:rPr lang="zh-CN" altLang="en-US"/>
+              <a:t>请从       中选三个整数，可以重复，组成一个等比数列</a:t>
+            </a:r>
+            <a:endParaRPr lang="zh-CN" altLang="en-US"/>
+          </a:p>
+          <a:p>
+            <a:r>
+              <a:rPr lang="zh-CN" altLang="en-US"/>
+              <a:t>求这样的等比数列个数</a:t>
+            </a:r>
+            <a:endParaRPr lang="zh-CN" altLang="en-US"/>
+          </a:p>
+          <a:p>
+            <a:r>
+              <a:rPr lang="zh-CN" altLang="en-US"/>
+              <a:t>两个等比数列不同当且仅当其中的任意一位不同</a:t>
+            </a:r>
+            <a:endParaRPr lang="zh-CN" altLang="en-US"/>
+          </a:p>
+          <a:p>
+            <a:endParaRPr lang="zh-CN" altLang="en-US"/>
+          </a:p>
+          <a:p>
+            <a:r>
+              <a:rPr lang="zh-CN" altLang="en-US"/>
+              <a:t>数据范围：</a:t>
+            </a:r>
+            <a:endParaRPr lang="zh-CN" altLang="en-US"/>
           </a:p>
         </p:txBody>
       </p:sp>
@@ -19204,23 +19242,23 @@
           <p:nvPr/>
         </p:nvGraphicFramePr>
         <p:xfrm>
-          <a:off x="4467860" y="1826260"/>
-          <a:ext cx="662940" cy="393700"/>
+          <a:off x="1796415" y="1852295"/>
+          <a:ext cx="588645" cy="377825"/>
         </p:xfrm>
         <a:graphic>
           <a:graphicData uri="http://schemas.openxmlformats.org/presentationml/2006/ole">
             <mc:AlternateContent xmlns:mc="http://schemas.openxmlformats.org/markup-compatibility/2006">
               <mc:Choice xmlns:v="urn:schemas-microsoft-com:vml" Requires="v">
-                <p:oleObj spid="_x0000_s2049" name="" r:id="rId1" imgW="342900" imgH="203200" progId="Equation.KSEE3">
+                <p:oleObj spid="_x0000_s1025" name="" r:id="rId1" imgW="316865" imgH="203200" progId="Equation.KSEE3">
                   <p:embed/>
                 </p:oleObj>
               </mc:Choice>
               <mc:Fallback>
-                <p:oleObj name="" r:id="rId1" imgW="342900" imgH="203200" progId="Equation.KSEE3">
+                <p:oleObj name="" r:id="rId1" imgW="316865" imgH="203200" progId="Equation.KSEE3">
                   <p:embed/>
                   <p:pic>
                     <p:nvPicPr>
-                      <p:cNvPr id="0" name="图片 2048"/>
+                      <p:cNvPr id="0" name="图片 1024"/>
                       <p:cNvPicPr/>
                       <p:nvPr/>
                     </p:nvPicPr>
@@ -19234,8 +19272,8 @@
                     </p:blipFill>
                     <p:spPr>
                       <a:xfrm>
-                        <a:off x="4467860" y="1826260"/>
-                        <a:ext cx="662940" cy="393700"/>
+                        <a:off x="1796415" y="1852295"/>
+                        <a:ext cx="588645" cy="377825"/>
                       </a:xfrm>
                       <a:prstGeom prst="rect">
                         <a:avLst/>
@@ -19259,23 +19297,23 @@
           <p:nvPr/>
         </p:nvGraphicFramePr>
         <p:xfrm>
-          <a:off x="8164830" y="1826260"/>
-          <a:ext cx="664210" cy="393700"/>
+          <a:off x="2628900" y="3617595"/>
+          <a:ext cx="984885" cy="403860"/>
         </p:xfrm>
         <a:graphic>
           <a:graphicData uri="http://schemas.openxmlformats.org/presentationml/2006/ole">
             <mc:AlternateContent xmlns:mc="http://schemas.openxmlformats.org/markup-compatibility/2006">
               <mc:Choice xmlns:v="urn:schemas-microsoft-com:vml" Requires="v">
-                <p:oleObj spid="_x0000_s2050" name="" r:id="rId3" imgW="342900" imgH="203200" progId="Equation.KSEE3">
+                <p:oleObj spid="_x0000_s6" name="" r:id="rId3" imgW="495300" imgH="203200" progId="Equation.KSEE3">
                   <p:embed/>
                 </p:oleObj>
               </mc:Choice>
               <mc:Fallback>
-                <p:oleObj name="" r:id="rId3" imgW="342900" imgH="203200" progId="Equation.KSEE3">
+                <p:oleObj name="" r:id="rId3" imgW="495300" imgH="203200" progId="Equation.KSEE3">
                   <p:embed/>
                   <p:pic>
                     <p:nvPicPr>
-                      <p:cNvPr id="0" name="图片 2049"/>
+                      <p:cNvPr id="0" name="图片 1024"/>
                       <p:cNvPicPr/>
                       <p:nvPr/>
                     </p:nvPicPr>
@@ -19289,228 +19327,8 @@
                     </p:blipFill>
                     <p:spPr>
                       <a:xfrm>
-                        <a:off x="8164830" y="1826260"/>
-                        <a:ext cx="664210" cy="393700"/>
-                      </a:xfrm>
-                      <a:prstGeom prst="rect">
-                        <a:avLst/>
-                      </a:prstGeom>
-                    </p:spPr>
-                  </p:pic>
-                </p:oleObj>
-              </mc:Fallback>
-            </mc:AlternateContent>
-          </a:graphicData>
-        </a:graphic>
-      </p:graphicFrame>
-      <p:graphicFrame>
-        <p:nvGraphicFramePr>
-          <p:cNvPr id="6" name="对象 5">
-            <a:hlinkClick r:id="" action="ppaction://ole?verb="/>
-          </p:cNvPr>
-          <p:cNvGraphicFramePr>
-            <a:graphicFrameLocks noChangeAspect="1"/>
-          </p:cNvGraphicFramePr>
-          <p:nvPr/>
-        </p:nvGraphicFramePr>
-        <p:xfrm>
-          <a:off x="5380355" y="2278380"/>
-          <a:ext cx="622300" cy="382905"/>
-        </p:xfrm>
-        <a:graphic>
-          <a:graphicData uri="http://schemas.openxmlformats.org/presentationml/2006/ole">
-            <mc:AlternateContent xmlns:mc="http://schemas.openxmlformats.org/markup-compatibility/2006">
-              <mc:Choice xmlns:v="urn:schemas-microsoft-com:vml" Requires="v">
-                <p:oleObj spid="_x0000_s2051" name="" r:id="rId5" imgW="330200" imgH="203200" progId="Equation.KSEE3">
-                  <p:embed/>
-                </p:oleObj>
-              </mc:Choice>
-              <mc:Fallback>
-                <p:oleObj name="" r:id="rId5" imgW="330200" imgH="203200" progId="Equation.KSEE3">
-                  <p:embed/>
-                  <p:pic>
-                    <p:nvPicPr>
-                      <p:cNvPr id="0" name="图片 2050"/>
-                      <p:cNvPicPr/>
-                      <p:nvPr/>
-                    </p:nvPicPr>
-                    <p:blipFill>
-                      <a:blip r:embed="rId6">
-                        <a:lum bright="100000"/>
-                      </a:blip>
-                      <a:stretch>
-                        <a:fillRect/>
-                      </a:stretch>
-                    </p:blipFill>
-                    <p:spPr>
-                      <a:xfrm>
-                        <a:off x="5380355" y="2278380"/>
-                        <a:ext cx="622300" cy="382905"/>
-                      </a:xfrm>
-                      <a:prstGeom prst="rect">
-                        <a:avLst/>
-                      </a:prstGeom>
-                    </p:spPr>
-                  </p:pic>
-                </p:oleObj>
-              </mc:Fallback>
-            </mc:AlternateContent>
-          </a:graphicData>
-        </a:graphic>
-      </p:graphicFrame>
-      <p:graphicFrame>
-        <p:nvGraphicFramePr>
-          <p:cNvPr id="7" name="对象 6">
-            <a:hlinkClick r:id="" action="ppaction://ole?verb="/>
-          </p:cNvPr>
-          <p:cNvGraphicFramePr>
-            <a:graphicFrameLocks noChangeAspect="1"/>
-          </p:cNvGraphicFramePr>
-          <p:nvPr/>
-        </p:nvGraphicFramePr>
-        <p:xfrm>
-          <a:off x="6544945" y="2308860"/>
-          <a:ext cx="1101090" cy="374650"/>
-        </p:xfrm>
-        <a:graphic>
-          <a:graphicData uri="http://schemas.openxmlformats.org/presentationml/2006/ole">
-            <mc:AlternateContent xmlns:mc="http://schemas.openxmlformats.org/markup-compatibility/2006">
-              <mc:Choice xmlns:v="urn:schemas-microsoft-com:vml" Requires="v">
-                <p:oleObj spid="_x0000_s2052" name="" r:id="rId7" imgW="596900" imgH="203200" progId="Equation.KSEE3">
-                  <p:embed/>
-                </p:oleObj>
-              </mc:Choice>
-              <mc:Fallback>
-                <p:oleObj name="" r:id="rId7" imgW="596900" imgH="203200" progId="Equation.KSEE3">
-                  <p:embed/>
-                  <p:pic>
-                    <p:nvPicPr>
-                      <p:cNvPr id="0" name="图片 2051"/>
-                      <p:cNvPicPr/>
-                      <p:nvPr/>
-                    </p:nvPicPr>
-                    <p:blipFill>
-                      <a:blip r:embed="rId8">
-                        <a:lum bright="100000"/>
-                      </a:blip>
-                      <a:stretch>
-                        <a:fillRect/>
-                      </a:stretch>
-                    </p:blipFill>
-                    <p:spPr>
-                      <a:xfrm>
-                        <a:off x="6544945" y="2308860"/>
-                        <a:ext cx="1101090" cy="374650"/>
-                      </a:xfrm>
-                      <a:prstGeom prst="rect">
-                        <a:avLst/>
-                      </a:prstGeom>
-                    </p:spPr>
-                  </p:pic>
-                </p:oleObj>
-              </mc:Fallback>
-            </mc:AlternateContent>
-          </a:graphicData>
-        </a:graphic>
-      </p:graphicFrame>
-      <p:graphicFrame>
-        <p:nvGraphicFramePr>
-          <p:cNvPr id="8" name="对象 7">
-            <a:hlinkClick r:id="" action="ppaction://ole?verb="/>
-          </p:cNvPr>
-          <p:cNvGraphicFramePr>
-            <a:graphicFrameLocks noChangeAspect="1"/>
-          </p:cNvGraphicFramePr>
-          <p:nvPr/>
-        </p:nvGraphicFramePr>
-        <p:xfrm>
-          <a:off x="1658620" y="2805113"/>
-          <a:ext cx="7996555" cy="2179320"/>
-        </p:xfrm>
-        <a:graphic>
-          <a:graphicData uri="http://schemas.openxmlformats.org/presentationml/2006/ole">
-            <mc:AlternateContent xmlns:mc="http://schemas.openxmlformats.org/markup-compatibility/2006">
-              <mc:Choice xmlns:v="urn:schemas-microsoft-com:vml" Requires="v">
-                <p:oleObj spid="_x0000_s2053" name="" r:id="rId9" imgW="3822700" imgH="1041400" progId="Equation.KSEE3">
-                  <p:embed/>
-                </p:oleObj>
-              </mc:Choice>
-              <mc:Fallback>
-                <p:oleObj name="" r:id="rId9" imgW="3822700" imgH="1041400" progId="Equation.KSEE3">
-                  <p:embed/>
-                  <p:pic>
-                    <p:nvPicPr>
-                      <p:cNvPr id="0" name="图片 2052"/>
-                      <p:cNvPicPr/>
-                      <p:nvPr/>
-                    </p:nvPicPr>
-                    <p:blipFill>
-                      <a:blip r:embed="rId10">
-                        <a:lum bright="100000"/>
-                      </a:blip>
-                      <a:stretch>
-                        <a:fillRect/>
-                      </a:stretch>
-                    </p:blipFill>
-                    <p:spPr>
-                      <a:xfrm>
-                        <a:off x="1658620" y="2805113"/>
-                        <a:ext cx="7996555" cy="2179320"/>
-                      </a:xfrm>
-                      <a:prstGeom prst="rect">
-                        <a:avLst/>
-                      </a:prstGeom>
-                    </p:spPr>
-                  </p:pic>
-                </p:oleObj>
-              </mc:Fallback>
-            </mc:AlternateContent>
-          </a:graphicData>
-        </a:graphic>
-      </p:graphicFrame>
-      <p:graphicFrame>
-        <p:nvGraphicFramePr>
-          <p:cNvPr id="10" name="对象 9">
-            <a:hlinkClick r:id="" action="ppaction://ole?verb="/>
-          </p:cNvPr>
-          <p:cNvGraphicFramePr>
-            <a:graphicFrameLocks noChangeAspect="1"/>
-          </p:cNvGraphicFramePr>
-          <p:nvPr/>
-        </p:nvGraphicFramePr>
-        <p:xfrm>
-          <a:off x="2072640" y="5227003"/>
-          <a:ext cx="4702175" cy="904240"/>
-        </p:xfrm>
-        <a:graphic>
-          <a:graphicData uri="http://schemas.openxmlformats.org/presentationml/2006/ole">
-            <mc:AlternateContent xmlns:mc="http://schemas.openxmlformats.org/markup-compatibility/2006">
-              <mc:Choice xmlns:v="urn:schemas-microsoft-com:vml" Requires="v">
-                <p:oleObj spid="_x0000_s9" name="" r:id="rId11" imgW="2247900" imgH="431800" progId="Equation.KSEE3">
-                  <p:embed/>
-                </p:oleObj>
-              </mc:Choice>
-              <mc:Fallback>
-                <p:oleObj name="" r:id="rId11" imgW="2247900" imgH="431800" progId="Equation.KSEE3">
-                  <p:embed/>
-                  <p:pic>
-                    <p:nvPicPr>
-                      <p:cNvPr id="0" name="图片 2052"/>
-                      <p:cNvPicPr/>
-                      <p:nvPr/>
-                    </p:nvPicPr>
-                    <p:blipFill>
-                      <a:blip r:embed="rId12">
-                        <a:lum bright="100000"/>
-                      </a:blip>
-                      <a:stretch>
-                        <a:fillRect/>
-                      </a:stretch>
-                    </p:blipFill>
-                    <p:spPr>
-                      <a:xfrm>
-                        <a:off x="2072640" y="5227003"/>
-                        <a:ext cx="4702175" cy="904240"/>
+                        <a:off x="2628900" y="3617595"/>
+                        <a:ext cx="984885" cy="403860"/>
                       </a:xfrm>
                       <a:prstGeom prst="rect">
                         <a:avLst/>
@@ -19525,7 +19343,7 @@
       </p:graphicFrame>
     </p:spTree>
     <p:custDataLst>
-      <p:tags r:id="rId13"/>
+      <p:tags r:id="rId5"/>
     </p:custDataLst>
   </p:cSld>
   <p:clrMapOvr>
@@ -19559,14 +19377,18 @@
           <a:bodyPr/>
           <a:p>
             <a:r>
-              <a:rPr lang="zh-CN" altLang="zh-CN" sz="4000">
+              <a:rPr lang="en-US" altLang="zh-CN">
                 <a:sym typeface="+mn-ea"/>
               </a:rPr>
-              <a:t>杜教筛</a:t>
-            </a:r>
-            <a:endParaRPr lang="zh-CN" altLang="zh-CN" sz="4000">
-              <a:sym typeface="+mn-ea"/>
-            </a:endParaRPr>
+              <a:t>AOJ#166  </a:t>
+            </a:r>
+            <a:r>
+              <a:rPr lang="zh-CN" altLang="en-US">
+                <a:sym typeface="+mn-ea"/>
+              </a:rPr>
+              <a:t>等比数列计数</a:t>
+            </a:r>
+            <a:endParaRPr lang="zh-CN" altLang="en-US"/>
           </a:p>
         </p:txBody>
       </p:sp>
@@ -19585,84 +19407,53 @@
           <a:bodyPr/>
           <a:p>
             <a:r>
-              <a:rPr lang="zh-CN" altLang="en-US" sz="2400"/>
-              <a:t>这样的话我们就可以采用记忆化搜索的方法</a:t>
-            </a:r>
-            <a:endParaRPr lang="zh-CN" altLang="en-US" sz="2400"/>
-          </a:p>
-          <a:p>
-            <a:endParaRPr lang="zh-CN" altLang="en-US" sz="2400"/>
-          </a:p>
-          <a:p>
-            <a:r>
-              <a:rPr lang="zh-CN" altLang="en-US" sz="2400"/>
-              <a:t>对于每一个     的数值分块计算，一层层递归下去即可，直到当前值已经存在</a:t>
-            </a:r>
-            <a:endParaRPr lang="zh-CN" altLang="en-US" sz="2400"/>
-          </a:p>
-          <a:p>
-            <a:endParaRPr lang="zh-CN" altLang="en-US" sz="2400"/>
-          </a:p>
-          <a:p>
-            <a:r>
-              <a:rPr lang="zh-CN" altLang="en-US" sz="2400"/>
-              <a:t>如何存储已经算过的值？</a:t>
-            </a:r>
-            <a:endParaRPr lang="zh-CN" altLang="en-US" sz="2400"/>
-          </a:p>
-          <a:p>
-            <a:pPr lvl="1"/>
-            <a:r>
-              <a:rPr lang="en-US" altLang="zh-CN" sz="2055"/>
-              <a:t>map</a:t>
-            </a:r>
-            <a:r>
-              <a:rPr lang="zh-CN" altLang="en-US" sz="2055"/>
-              <a:t>大法好</a:t>
-            </a:r>
-            <a:endParaRPr lang="zh-CN" altLang="en-US" sz="2055"/>
-          </a:p>
-          <a:p>
-            <a:pPr lvl="1"/>
-            <a:r>
-              <a:rPr lang="zh-CN" altLang="en-US" sz="2000"/>
-              <a:t>存到</a:t>
-            </a:r>
-            <a:r>
-              <a:rPr lang="en-US" altLang="zh-CN" sz="2000"/>
-              <a:t>n/i</a:t>
-            </a:r>
-            <a:r>
-              <a:rPr lang="zh-CN" altLang="zh-CN" sz="2000"/>
-              <a:t>的位置</a:t>
-            </a:r>
-            <a:endParaRPr lang="zh-CN" altLang="zh-CN" sz="2000"/>
-          </a:p>
-          <a:p>
-            <a:pPr lvl="0"/>
-            <a:endParaRPr lang="zh-CN" altLang="zh-CN" sz="2330"/>
-          </a:p>
-          <a:p>
-            <a:pPr lvl="0"/>
-            <a:r>
-              <a:rPr lang="zh-CN" altLang="zh-CN" sz="2330"/>
-              <a:t>预处理出</a:t>
-            </a:r>
-            <a:r>
-              <a:rPr lang="en-US" altLang="zh-CN" sz="2330"/>
-              <a:t>	,</a:t>
-            </a:r>
-            <a:r>
-              <a:rPr lang="zh-CN" altLang="zh-CN" sz="2330"/>
-              <a:t>时间复杂度可达到</a:t>
-            </a:r>
-            <a:endParaRPr lang="zh-CN" altLang="zh-CN" sz="2330"/>
+              <a:rPr lang="zh-CN" altLang="en-US"/>
+              <a:t>我们要求的是</a:t>
+            </a:r>
+            <a:endParaRPr lang="zh-CN" altLang="en-US"/>
+          </a:p>
+          <a:p>
+            <a:endParaRPr lang="zh-CN" altLang="en-US"/>
+          </a:p>
+          <a:p>
+            <a:r>
+              <a:rPr lang="zh-CN" altLang="en-US"/>
+              <a:t>设                     ，那么显然</a:t>
+            </a:r>
+            <a:endParaRPr lang="zh-CN" altLang="en-US"/>
+          </a:p>
+          <a:p>
+            <a:endParaRPr lang="zh-CN" altLang="en-US"/>
+          </a:p>
+          <a:p>
+            <a:r>
+              <a:rPr lang="zh-CN" altLang="en-US"/>
+              <a:t>我们枚举   </a:t>
+            </a:r>
+            <a:r>
+              <a:rPr lang="en-US" altLang="zh-CN"/>
+              <a:t> </a:t>
+            </a:r>
+            <a:r>
+              <a:rPr lang="zh-CN" altLang="en-US"/>
+              <a:t>的话，只需要统计                内互质数对的数量就行了</a:t>
+            </a:r>
+            <a:endParaRPr lang="zh-CN" altLang="en-US"/>
+          </a:p>
+          <a:p>
+            <a:endParaRPr lang="zh-CN" altLang="en-US"/>
+          </a:p>
+          <a:p>
+            <a:pPr marL="0" indent="0">
+              <a:buNone/>
+            </a:pPr>
+            <a:endParaRPr lang="zh-CN" altLang="en-US"/>
           </a:p>
         </p:txBody>
       </p:sp>
       <p:graphicFrame>
         <p:nvGraphicFramePr>
-          <p:cNvPr id="10" name="对象 9">
+          <p:cNvPr id="4" name="对象 3">
             <a:hlinkClick r:id="" action="ppaction://ole?verb="/>
           </p:cNvPr>
           <p:cNvGraphicFramePr>
@@ -19671,23 +19462,23 @@
           <p:nvPr/>
         </p:nvGraphicFramePr>
         <p:xfrm>
-          <a:off x="2600960" y="2505393"/>
-          <a:ext cx="611505" cy="904240"/>
+          <a:off x="3037205" y="1640205"/>
+          <a:ext cx="3051175" cy="843915"/>
         </p:xfrm>
         <a:graphic>
           <a:graphicData uri="http://schemas.openxmlformats.org/presentationml/2006/ole">
             <mc:AlternateContent xmlns:mc="http://schemas.openxmlformats.org/markup-compatibility/2006">
               <mc:Choice xmlns:v="urn:schemas-microsoft-com:vml" Requires="v">
-                <p:oleObj spid="_x0000_s2053" name="" r:id="rId1" imgW="292100" imgH="431800" progId="Equation.KSEE3">
+                <p:oleObj spid="_x0000_s2049" name="" r:id="rId1" imgW="1562100" imgH="431800" progId="Equation.KSEE3">
                   <p:embed/>
                 </p:oleObj>
               </mc:Choice>
               <mc:Fallback>
-                <p:oleObj name="" r:id="rId1" imgW="292100" imgH="431800" progId="Equation.KSEE3">
+                <p:oleObj name="" r:id="rId1" imgW="1562100" imgH="431800" progId="Equation.KSEE3">
                   <p:embed/>
                   <p:pic>
                     <p:nvPicPr>
-                      <p:cNvPr id="0" name="图片 2052"/>
+                      <p:cNvPr id="0" name="图片 2048"/>
                       <p:cNvPicPr/>
                       <p:nvPr/>
                     </p:nvPicPr>
@@ -19701,63 +19492,8 @@
                     </p:blipFill>
                     <p:spPr>
                       <a:xfrm>
-                        <a:off x="2600960" y="2505393"/>
-                        <a:ext cx="611505" cy="904240"/>
-                      </a:xfrm>
-                      <a:prstGeom prst="rect">
-                        <a:avLst/>
-                      </a:prstGeom>
-                    </p:spPr>
-                  </p:pic>
-                </p:oleObj>
-              </mc:Fallback>
-            </mc:AlternateContent>
-          </a:graphicData>
-        </a:graphic>
-      </p:graphicFrame>
-      <p:graphicFrame>
-        <p:nvGraphicFramePr>
-          <p:cNvPr id="4" name="对象 3">
-            <a:hlinkClick r:id="" action="ppaction://ole?verb="/>
-          </p:cNvPr>
-          <p:cNvGraphicFramePr>
-            <a:graphicFrameLocks noChangeAspect="1"/>
-          </p:cNvGraphicFramePr>
-          <p:nvPr/>
-        </p:nvGraphicFramePr>
-        <p:xfrm>
-          <a:off x="2335530" y="5359400"/>
-          <a:ext cx="368935" cy="590550"/>
-        </p:xfrm>
-        <a:graphic>
-          <a:graphicData uri="http://schemas.openxmlformats.org/presentationml/2006/ole">
-            <mc:AlternateContent xmlns:mc="http://schemas.openxmlformats.org/markup-compatibility/2006">
-              <mc:Choice xmlns:v="urn:schemas-microsoft-com:vml" Requires="v">
-                <p:oleObj spid="_x0000_s3073" name="" r:id="rId3" imgW="190500" imgH="304800" progId="Equation.KSEE3">
-                  <p:embed/>
-                </p:oleObj>
-              </mc:Choice>
-              <mc:Fallback>
-                <p:oleObj name="" r:id="rId3" imgW="190500" imgH="304800" progId="Equation.KSEE3">
-                  <p:embed/>
-                  <p:pic>
-                    <p:nvPicPr>
-                      <p:cNvPr id="0" name="图片 3072"/>
-                      <p:cNvPicPr/>
-                      <p:nvPr/>
-                    </p:nvPicPr>
-                    <p:blipFill>
-                      <a:blip r:embed="rId4">
-                        <a:lum bright="100000"/>
-                      </a:blip>
-                      <a:stretch>
-                        <a:fillRect/>
-                      </a:stretch>
-                    </p:blipFill>
-                    <p:spPr>
-                      <a:xfrm>
-                        <a:off x="2335530" y="5359400"/>
-                        <a:ext cx="368935" cy="590550"/>
+                        <a:off x="3037205" y="1640205"/>
+                        <a:ext cx="3051175" cy="843915"/>
                       </a:xfrm>
                       <a:prstGeom prst="rect">
                         <a:avLst/>
@@ -19781,23 +19517,78 @@
           <p:nvPr/>
         </p:nvGraphicFramePr>
         <p:xfrm>
-          <a:off x="5201285" y="5311775"/>
-          <a:ext cx="858520" cy="676910"/>
+          <a:off x="1468755" y="2736215"/>
+          <a:ext cx="1778635" cy="438150"/>
         </p:xfrm>
         <a:graphic>
           <a:graphicData uri="http://schemas.openxmlformats.org/presentationml/2006/ole">
             <mc:AlternateContent xmlns:mc="http://schemas.openxmlformats.org/markup-compatibility/2006">
               <mc:Choice xmlns:v="urn:schemas-microsoft-com:vml" Requires="v">
-                <p:oleObj spid="_x0000_s3074" name="" r:id="rId5" imgW="419100" imgH="330200" progId="Equation.KSEE3">
+                <p:oleObj spid="_x0000_s2050" name="" r:id="rId3" imgW="825500" imgH="203200" progId="Equation.KSEE3">
                   <p:embed/>
                 </p:oleObj>
               </mc:Choice>
               <mc:Fallback>
-                <p:oleObj name="" r:id="rId5" imgW="419100" imgH="330200" progId="Equation.KSEE3">
+                <p:oleObj name="" r:id="rId3" imgW="825500" imgH="203200" progId="Equation.KSEE3">
                   <p:embed/>
                   <p:pic>
                     <p:nvPicPr>
-                      <p:cNvPr id="0" name="图片 3073"/>
+                      <p:cNvPr id="0" name="图片 2049"/>
+                      <p:cNvPicPr/>
+                      <p:nvPr/>
+                    </p:nvPicPr>
+                    <p:blipFill>
+                      <a:blip r:embed="rId4">
+                        <a:lum bright="100000"/>
+                      </a:blip>
+                      <a:stretch>
+                        <a:fillRect/>
+                      </a:stretch>
+                    </p:blipFill>
+                    <p:spPr>
+                      <a:xfrm>
+                        <a:off x="1468755" y="2736215"/>
+                        <a:ext cx="1778635" cy="438150"/>
+                      </a:xfrm>
+                      <a:prstGeom prst="rect">
+                        <a:avLst/>
+                      </a:prstGeom>
+                    </p:spPr>
+                  </p:pic>
+                </p:oleObj>
+              </mc:Fallback>
+            </mc:AlternateContent>
+          </a:graphicData>
+        </a:graphic>
+      </p:graphicFrame>
+      <p:graphicFrame>
+        <p:nvGraphicFramePr>
+          <p:cNvPr id="6" name="对象 5">
+            <a:hlinkClick r:id="" action="ppaction://ole?verb="/>
+          </p:cNvPr>
+          <p:cNvGraphicFramePr>
+            <a:graphicFrameLocks noChangeAspect="1"/>
+          </p:cNvGraphicFramePr>
+          <p:nvPr/>
+        </p:nvGraphicFramePr>
+        <p:xfrm>
+          <a:off x="4839970" y="2566035"/>
+          <a:ext cx="4378960" cy="803910"/>
+        </p:xfrm>
+        <a:graphic>
+          <a:graphicData uri="http://schemas.openxmlformats.org/presentationml/2006/ole">
+            <mc:AlternateContent xmlns:mc="http://schemas.openxmlformats.org/markup-compatibility/2006">
+              <mc:Choice xmlns:v="urn:schemas-microsoft-com:vml" Requires="v">
+                <p:oleObj spid="_x0000_s7" name="" r:id="rId5" imgW="2145665" imgH="393700" progId="Equation.KSEE3">
+                  <p:embed/>
+                </p:oleObj>
+              </mc:Choice>
+              <mc:Fallback>
+                <p:oleObj name="" r:id="rId5" imgW="2145665" imgH="393700" progId="Equation.KSEE3">
+                  <p:embed/>
+                  <p:pic>
+                    <p:nvPicPr>
+                      <p:cNvPr id="0" name="图片 2049"/>
                       <p:cNvPicPr/>
                       <p:nvPr/>
                     </p:nvPicPr>
@@ -19811,8 +19602,118 @@
                     </p:blipFill>
                     <p:spPr>
                       <a:xfrm>
-                        <a:off x="5201285" y="5311775"/>
-                        <a:ext cx="858520" cy="676910"/>
+                        <a:off x="4839970" y="2566035"/>
+                        <a:ext cx="4378960" cy="803910"/>
+                      </a:xfrm>
+                      <a:prstGeom prst="rect">
+                        <a:avLst/>
+                      </a:prstGeom>
+                    </p:spPr>
+                  </p:pic>
+                </p:oleObj>
+              </mc:Fallback>
+            </mc:AlternateContent>
+          </a:graphicData>
+        </a:graphic>
+      </p:graphicFrame>
+      <p:graphicFrame>
+        <p:nvGraphicFramePr>
+          <p:cNvPr id="8" name="对象 7">
+            <a:hlinkClick r:id="" action="ppaction://ole?verb="/>
+          </p:cNvPr>
+          <p:cNvGraphicFramePr>
+            <a:graphicFrameLocks noChangeAspect="1"/>
+          </p:cNvGraphicFramePr>
+          <p:nvPr/>
+        </p:nvGraphicFramePr>
+        <p:xfrm>
+          <a:off x="2392680" y="3662680"/>
+          <a:ext cx="301625" cy="382270"/>
+        </p:xfrm>
+        <a:graphic>
+          <a:graphicData uri="http://schemas.openxmlformats.org/presentationml/2006/ole">
+            <mc:AlternateContent xmlns:mc="http://schemas.openxmlformats.org/markup-compatibility/2006">
+              <mc:Choice xmlns:v="urn:schemas-microsoft-com:vml" Requires="v">
+                <p:oleObj spid="_x0000_s9" name="" r:id="rId7" imgW="139700" imgH="177165" progId="Equation.KSEE3">
+                  <p:embed/>
+                </p:oleObj>
+              </mc:Choice>
+              <mc:Fallback>
+                <p:oleObj name="" r:id="rId7" imgW="139700" imgH="177165" progId="Equation.KSEE3">
+                  <p:embed/>
+                  <p:pic>
+                    <p:nvPicPr>
+                      <p:cNvPr id="0" name="图片 2049"/>
+                      <p:cNvPicPr/>
+                      <p:nvPr/>
+                    </p:nvPicPr>
+                    <p:blipFill>
+                      <a:blip r:embed="rId8">
+                        <a:lum bright="100000"/>
+                      </a:blip>
+                      <a:stretch>
+                        <a:fillRect/>
+                      </a:stretch>
+                    </p:blipFill>
+                    <p:spPr>
+                      <a:xfrm>
+                        <a:off x="2392680" y="3662680"/>
+                        <a:ext cx="301625" cy="382270"/>
+                      </a:xfrm>
+                      <a:prstGeom prst="rect">
+                        <a:avLst/>
+                      </a:prstGeom>
+                    </p:spPr>
+                  </p:pic>
+                </p:oleObj>
+              </mc:Fallback>
+            </mc:AlternateContent>
+          </a:graphicData>
+        </a:graphic>
+      </p:graphicFrame>
+      <p:graphicFrame>
+        <p:nvGraphicFramePr>
+          <p:cNvPr id="10" name="对象 9">
+            <a:hlinkClick r:id="" action="ppaction://ole?verb="/>
+          </p:cNvPr>
+          <p:cNvGraphicFramePr>
+            <a:graphicFrameLocks noChangeAspect="1"/>
+          </p:cNvGraphicFramePr>
+          <p:nvPr/>
+        </p:nvGraphicFramePr>
+        <p:xfrm>
+          <a:off x="5168583" y="3333115"/>
+          <a:ext cx="1289050" cy="1041400"/>
+        </p:xfrm>
+        <a:graphic>
+          <a:graphicData uri="http://schemas.openxmlformats.org/presentationml/2006/ole">
+            <mc:AlternateContent xmlns:mc="http://schemas.openxmlformats.org/markup-compatibility/2006">
+              <mc:Choice xmlns:v="urn:schemas-microsoft-com:vml" Requires="v">
+                <p:oleObj spid="_x0000_s11" name="" r:id="rId9" imgW="596900" imgH="482600" progId="Equation.KSEE3">
+                  <p:embed/>
+                </p:oleObj>
+              </mc:Choice>
+              <mc:Fallback>
+                <p:oleObj name="" r:id="rId9" imgW="596900" imgH="482600" progId="Equation.KSEE3">
+                  <p:embed/>
+                  <p:pic>
+                    <p:nvPicPr>
+                      <p:cNvPr id="0" name="图片 2049"/>
+                      <p:cNvPicPr/>
+                      <p:nvPr/>
+                    </p:nvPicPr>
+                    <p:blipFill>
+                      <a:blip r:embed="rId10">
+                        <a:lum bright="100000"/>
+                      </a:blip>
+                      <a:stretch>
+                        <a:fillRect/>
+                      </a:stretch>
+                    </p:blipFill>
+                    <p:spPr>
+                      <a:xfrm>
+                        <a:off x="5168583" y="3333115"/>
+                        <a:ext cx="1289050" cy="1041400"/>
                       </a:xfrm>
                       <a:prstGeom prst="rect">
                         <a:avLst/>
@@ -19827,7 +19728,7 @@
       </p:graphicFrame>
     </p:spTree>
     <p:custDataLst>
-      <p:tags r:id="rId7"/>
+      <p:tags r:id="rId11"/>
     </p:custDataLst>
   </p:cSld>
   <p:clrMapOvr>
@@ -19861,10 +19762,18 @@
           <a:bodyPr/>
           <a:p>
             <a:r>
-              <a:rPr lang="zh-CN" altLang="zh-CN" sz="4000"/>
-              <a:t>时间复杂度分析</a:t>
-            </a:r>
-            <a:endParaRPr lang="zh-CN" altLang="zh-CN" sz="4000"/>
+              <a:rPr lang="en-US" altLang="zh-CN">
+                <a:sym typeface="+mn-ea"/>
+              </a:rPr>
+              <a:t>AOJ#166  </a:t>
+            </a:r>
+            <a:r>
+              <a:rPr lang="zh-CN" altLang="en-US">
+                <a:sym typeface="+mn-ea"/>
+              </a:rPr>
+              <a:t>等比数列计数</a:t>
+            </a:r>
+            <a:endParaRPr lang="zh-CN" altLang="en-US"/>
           </a:p>
         </p:txBody>
       </p:sp>
@@ -19882,102 +19791,46 @@
         <p:txBody>
           <a:bodyPr/>
           <a:p>
-            <a:r>
-              <a:rPr lang="zh-CN" altLang="en-US" sz="2400"/>
-              <a:t>设计算</a:t>
-            </a:r>
-            <a:r>
-              <a:rPr lang="en-US" altLang="zh-CN" sz="2400"/>
-              <a:t>F(n)</a:t>
-            </a:r>
-            <a:r>
-              <a:rPr lang="zh-CN" altLang="zh-CN" sz="2400"/>
-              <a:t>的时间消耗为</a:t>
-            </a:r>
-            <a:r>
-              <a:rPr lang="en-US" altLang="zh-CN" sz="2400"/>
-              <a:t>T(n)</a:t>
-            </a:r>
-            <a:r>
-              <a:rPr lang="zh-CN" altLang="zh-CN" sz="2400"/>
-              <a:t>，则</a:t>
-            </a:r>
-            <a:endParaRPr lang="zh-CN" altLang="zh-CN" sz="2400"/>
-          </a:p>
-          <a:p>
-            <a:endParaRPr lang="zh-CN" altLang="zh-CN" sz="2400"/>
-          </a:p>
-          <a:p>
-            <a:r>
-              <a:rPr lang="zh-CN" altLang="zh-CN" sz="2400"/>
-              <a:t>计算</a:t>
-            </a:r>
-            <a:r>
-              <a:rPr lang="en-US" altLang="zh-CN" sz="2400"/>
-              <a:t>F(i)</a:t>
-            </a:r>
-            <a:r>
-              <a:rPr lang="zh-CN" altLang="zh-CN" sz="2400"/>
-              <a:t>时如果调用的</a:t>
-            </a:r>
-            <a:r>
-              <a:rPr lang="en-US" altLang="zh-CN" sz="2400"/>
-              <a:t>F(j)</a:t>
-            </a:r>
-            <a:r>
-              <a:rPr lang="zh-CN" altLang="zh-CN" sz="2400"/>
-              <a:t>，那么计算</a:t>
-            </a:r>
-            <a:r>
-              <a:rPr lang="en-US" altLang="zh-CN" sz="2400"/>
-              <a:t>F(n)</a:t>
-            </a:r>
-            <a:r>
-              <a:rPr lang="zh-CN" altLang="zh-CN" sz="2400"/>
-              <a:t>时也调用了</a:t>
-            </a:r>
-            <a:r>
-              <a:rPr lang="en-US" altLang="zh-CN" sz="2400"/>
-              <a:t>F(j)</a:t>
-            </a:r>
-            <a:r>
-              <a:rPr lang="zh-CN" altLang="zh-CN" sz="2400"/>
-              <a:t>，把这个过程记忆化，即每个</a:t>
-            </a:r>
-            <a:r>
-              <a:rPr lang="en-US" altLang="zh-CN" sz="2400"/>
-              <a:t>F(j)</a:t>
-            </a:r>
-            <a:r>
-              <a:rPr lang="zh-CN" altLang="zh-CN" sz="2400"/>
-              <a:t>只有第一次被调用时才被计算，那么递归式只用展开一层</a:t>
-            </a:r>
-            <a:endParaRPr lang="zh-CN" altLang="zh-CN" sz="2400"/>
-          </a:p>
-          <a:p>
-            <a:endParaRPr lang="zh-CN" altLang="zh-CN" sz="2400"/>
-          </a:p>
-          <a:p>
-            <a:endParaRPr lang="zh-CN" altLang="zh-CN" sz="2400"/>
-          </a:p>
-          <a:p>
-            <a:endParaRPr lang="zh-CN" altLang="zh-CN" sz="2400"/>
-          </a:p>
-          <a:p>
-            <a:r>
-              <a:rPr lang="zh-CN" altLang="zh-CN" sz="2400"/>
-              <a:t>如果预处理了前      ，那么复杂度为</a:t>
-            </a:r>
-            <a:endParaRPr lang="zh-CN" altLang="zh-CN" sz="2400"/>
-          </a:p>
-          <a:p>
-            <a:endParaRPr lang="zh-CN" altLang="zh-CN" sz="2400"/>
+            <a:endParaRPr lang="zh-CN" altLang="en-US"/>
+          </a:p>
+          <a:p>
+            <a:r>
+              <a:rPr lang="zh-CN" altLang="en-US"/>
+              <a:t>故</a:t>
+            </a:r>
+            <a:endParaRPr lang="zh-CN" altLang="en-US"/>
+          </a:p>
+          <a:p>
+            <a:endParaRPr lang="zh-CN" altLang="en-US"/>
+          </a:p>
+          <a:p>
+            <a:r>
+              <a:rPr lang="zh-CN" altLang="en-US"/>
+              <a:t>只需要套用仪仗队那道题的做法：</a:t>
+            </a:r>
+            <a:endParaRPr lang="zh-CN" altLang="en-US"/>
+          </a:p>
+          <a:p>
+            <a:endParaRPr lang="zh-CN" altLang="en-US"/>
+          </a:p>
+          <a:p>
+            <a:r>
+              <a:rPr lang="zh-CN" altLang="en-US"/>
+              <a:t>接下来我们重点讨论下底分块右端点的确定</a:t>
+            </a:r>
+            <a:endParaRPr lang="zh-CN" altLang="en-US"/>
+          </a:p>
+          <a:p>
+            <a:endParaRPr lang="zh-CN" altLang="en-US"/>
+          </a:p>
+          <a:p>
+            <a:endParaRPr lang="zh-CN" altLang="en-US"/>
           </a:p>
         </p:txBody>
       </p:sp>
       <p:graphicFrame>
         <p:nvGraphicFramePr>
-          <p:cNvPr id="5" name="对象 4">
+          <p:cNvPr id="11" name="对象 10">
             <a:hlinkClick r:id="" action="ppaction://ole?verb="/>
           </p:cNvPr>
           <p:cNvGraphicFramePr>
@@ -19986,23 +19839,23 @@
           <p:nvPr/>
         </p:nvGraphicFramePr>
         <p:xfrm>
-          <a:off x="5666105" y="1560195"/>
-          <a:ext cx="4655185" cy="936625"/>
+          <a:off x="1461453" y="1694815"/>
+          <a:ext cx="4250690" cy="1315720"/>
         </p:xfrm>
         <a:graphic>
           <a:graphicData uri="http://schemas.openxmlformats.org/presentationml/2006/ole">
             <mc:AlternateContent xmlns:mc="http://schemas.openxmlformats.org/markup-compatibility/2006">
               <mc:Choice xmlns:v="urn:schemas-microsoft-com:vml" Requires="v">
-                <p:oleObj spid="_x0000_s4097" name="" r:id="rId1" imgW="2209800" imgH="444500" progId="Equation.KSEE3">
+                <p:oleObj spid="_x0000_s12" name="" r:id="rId1" imgW="1968500" imgH="609600" progId="Equation.KSEE3">
                   <p:embed/>
                 </p:oleObj>
               </mc:Choice>
               <mc:Fallback>
-                <p:oleObj name="" r:id="rId1" imgW="2209800" imgH="444500" progId="Equation.KSEE3">
+                <p:oleObj name="" r:id="rId1" imgW="1968500" imgH="609600" progId="Equation.KSEE3">
                   <p:embed/>
                   <p:pic>
                     <p:nvPicPr>
-                      <p:cNvPr id="0" name="图片 4096"/>
+                      <p:cNvPr id="0" name="图片 2049"/>
                       <p:cNvPicPr/>
                       <p:nvPr/>
                     </p:nvPicPr>
@@ -20016,8 +19869,8 @@
                     </p:blipFill>
                     <p:spPr>
                       <a:xfrm>
-                        <a:off x="5666105" y="1560195"/>
-                        <a:ext cx="4655185" cy="936625"/>
+                        <a:off x="1461453" y="1694815"/>
+                        <a:ext cx="4250690" cy="1315720"/>
                       </a:xfrm>
                       <a:prstGeom prst="rect">
                         <a:avLst/>
@@ -20032,7 +19885,7 @@
       </p:graphicFrame>
       <p:graphicFrame>
         <p:nvGraphicFramePr>
-          <p:cNvPr id="6" name="对象 5">
+          <p:cNvPr id="4" name="对象 3">
             <a:hlinkClick r:id="" action="ppaction://ole?verb="/>
           </p:cNvPr>
           <p:cNvGraphicFramePr>
@@ -20041,23 +19894,23 @@
           <p:nvPr/>
         </p:nvGraphicFramePr>
         <p:xfrm>
-          <a:off x="1127443" y="3517583"/>
-          <a:ext cx="10462260" cy="1018540"/>
+          <a:off x="5568316" y="2579370"/>
+          <a:ext cx="3099435" cy="1289050"/>
         </p:xfrm>
         <a:graphic>
           <a:graphicData uri="http://schemas.openxmlformats.org/presentationml/2006/ole">
             <mc:AlternateContent xmlns:mc="http://schemas.openxmlformats.org/markup-compatibility/2006">
               <mc:Choice xmlns:v="urn:schemas-microsoft-com:vml" Requires="v">
-                <p:oleObj spid="_x0000_s7" name="" r:id="rId3" imgW="4965700" imgH="482600" progId="Equation.KSEE3">
+                <p:oleObj spid="_x0000_s5" name="" r:id="rId3" imgW="1435100" imgH="596900" progId="Equation.KSEE3">
                   <p:embed/>
                 </p:oleObj>
               </mc:Choice>
               <mc:Fallback>
-                <p:oleObj name="" r:id="rId3" imgW="4965700" imgH="482600" progId="Equation.KSEE3">
+                <p:oleObj name="" r:id="rId3" imgW="1435100" imgH="596900" progId="Equation.KSEE3">
                   <p:embed/>
                   <p:pic>
                     <p:nvPicPr>
-                      <p:cNvPr id="0" name="图片 4096"/>
+                      <p:cNvPr id="0" name="图片 2049"/>
                       <p:cNvPicPr/>
                       <p:nvPr/>
                     </p:nvPicPr>
@@ -20071,118 +19924,8 @@
                     </p:blipFill>
                     <p:spPr>
                       <a:xfrm>
-                        <a:off x="1127443" y="3517583"/>
-                        <a:ext cx="10462260" cy="1018540"/>
-                      </a:xfrm>
-                      <a:prstGeom prst="rect">
-                        <a:avLst/>
-                      </a:prstGeom>
-                    </p:spPr>
-                  </p:pic>
-                </p:oleObj>
-              </mc:Fallback>
-            </mc:AlternateContent>
-          </a:graphicData>
-        </a:graphic>
-      </p:graphicFrame>
-      <p:graphicFrame>
-        <p:nvGraphicFramePr>
-          <p:cNvPr id="8" name="对象 7">
-            <a:hlinkClick r:id="" action="ppaction://ole?verb="/>
-          </p:cNvPr>
-          <p:cNvGraphicFramePr>
-            <a:graphicFrameLocks noChangeAspect="1"/>
-          </p:cNvGraphicFramePr>
-          <p:nvPr/>
-        </p:nvGraphicFramePr>
-        <p:xfrm>
-          <a:off x="3295650" y="4672330"/>
-          <a:ext cx="368935" cy="590550"/>
-        </p:xfrm>
-        <a:graphic>
-          <a:graphicData uri="http://schemas.openxmlformats.org/presentationml/2006/ole">
-            <mc:AlternateContent xmlns:mc="http://schemas.openxmlformats.org/markup-compatibility/2006">
-              <mc:Choice xmlns:v="urn:schemas-microsoft-com:vml" Requires="v">
-                <p:oleObj spid="_x0000_s3073" name="" r:id="rId5" imgW="190500" imgH="304800" progId="Equation.KSEE3">
-                  <p:embed/>
-                </p:oleObj>
-              </mc:Choice>
-              <mc:Fallback>
-                <p:oleObj name="" r:id="rId5" imgW="190500" imgH="304800" progId="Equation.KSEE3">
-                  <p:embed/>
-                  <p:pic>
-                    <p:nvPicPr>
-                      <p:cNvPr id="0" name="图片 3072"/>
-                      <p:cNvPicPr/>
-                      <p:nvPr/>
-                    </p:nvPicPr>
-                    <p:blipFill>
-                      <a:blip r:embed="rId6">
-                        <a:lum bright="100000"/>
-                      </a:blip>
-                      <a:stretch>
-                        <a:fillRect/>
-                      </a:stretch>
-                    </p:blipFill>
-                    <p:spPr>
-                      <a:xfrm>
-                        <a:off x="3295650" y="4672330"/>
-                        <a:ext cx="368935" cy="590550"/>
-                      </a:xfrm>
-                      <a:prstGeom prst="rect">
-                        <a:avLst/>
-                      </a:prstGeom>
-                    </p:spPr>
-                  </p:pic>
-                </p:oleObj>
-              </mc:Fallback>
-            </mc:AlternateContent>
-          </a:graphicData>
-        </a:graphic>
-      </p:graphicFrame>
-      <p:graphicFrame>
-        <p:nvGraphicFramePr>
-          <p:cNvPr id="9" name="对象 8">
-            <a:hlinkClick r:id="" action="ppaction://ole?verb="/>
-          </p:cNvPr>
-          <p:cNvGraphicFramePr>
-            <a:graphicFrameLocks noChangeAspect="1"/>
-          </p:cNvGraphicFramePr>
-          <p:nvPr/>
-        </p:nvGraphicFramePr>
-        <p:xfrm>
-          <a:off x="5930266" y="4575493"/>
-          <a:ext cx="3104515" cy="1018540"/>
-        </p:xfrm>
-        <a:graphic>
-          <a:graphicData uri="http://schemas.openxmlformats.org/presentationml/2006/ole">
-            <mc:AlternateContent xmlns:mc="http://schemas.openxmlformats.org/markup-compatibility/2006">
-              <mc:Choice xmlns:v="urn:schemas-microsoft-com:vml" Requires="v">
-                <p:oleObj spid="_x0000_s10" name="" r:id="rId7" imgW="1473200" imgH="482600" progId="Equation.KSEE3">
-                  <p:embed/>
-                </p:oleObj>
-              </mc:Choice>
-              <mc:Fallback>
-                <p:oleObj name="" r:id="rId7" imgW="1473200" imgH="482600" progId="Equation.KSEE3">
-                  <p:embed/>
-                  <p:pic>
-                    <p:nvPicPr>
-                      <p:cNvPr id="0" name="图片 4096"/>
-                      <p:cNvPicPr/>
-                      <p:nvPr/>
-                    </p:nvPicPr>
-                    <p:blipFill>
-                      <a:blip r:embed="rId8">
-                        <a:lum bright="100000"/>
-                      </a:blip>
-                      <a:stretch>
-                        <a:fillRect/>
-                      </a:stretch>
-                    </p:blipFill>
-                    <p:spPr>
-                      <a:xfrm>
-                        <a:off x="5930266" y="4575493"/>
-                        <a:ext cx="3104515" cy="1018540"/>
+                        <a:off x="5568316" y="2579370"/>
+                        <a:ext cx="3099435" cy="1289050"/>
                       </a:xfrm>
                       <a:prstGeom prst="rect">
                         <a:avLst/>
@@ -20197,7 +19940,7 @@
       </p:graphicFrame>
     </p:spTree>
     <p:custDataLst>
-      <p:tags r:id="rId9"/>
+      <p:tags r:id="rId5"/>
     </p:custDataLst>
   </p:cSld>
   <p:clrMapOvr>
@@ -20231,10 +19974,18 @@
           <a:bodyPr/>
           <a:p>
             <a:r>
-              <a:rPr lang="zh-CN" altLang="en-US" sz="4000"/>
-              <a:t>欧拉函数之和</a:t>
-            </a:r>
-            <a:endParaRPr lang="zh-CN" altLang="en-US" sz="4000"/>
+              <a:rPr lang="en-US" altLang="zh-CN">
+                <a:sym typeface="+mn-ea"/>
+              </a:rPr>
+              <a:t>AOJ#166  </a:t>
+            </a:r>
+            <a:r>
+              <a:rPr lang="zh-CN" altLang="en-US">
+                <a:sym typeface="+mn-ea"/>
+              </a:rPr>
+              <a:t>等比数列计数</a:t>
+            </a:r>
+            <a:endParaRPr lang="zh-CN" altLang="en-US"/>
           </a:p>
         </p:txBody>
       </p:sp>
@@ -20253,40 +20004,52 @@
           <a:bodyPr/>
           <a:p>
             <a:r>
-              <a:rPr lang="zh-CN" altLang="zh-CN" sz="2400"/>
-              <a:t>求</a:t>
-            </a:r>
-            <a:endParaRPr lang="zh-CN" altLang="zh-CN" sz="2400"/>
-          </a:p>
-          <a:p>
-            <a:endParaRPr lang="zh-CN" altLang="zh-CN" sz="2400"/>
-          </a:p>
-          <a:p>
-            <a:r>
-              <a:rPr lang="zh-CN" altLang="zh-CN" sz="2400"/>
-              <a:t>我们熟知               ，故构造</a:t>
-            </a:r>
-            <a:r>
-              <a:rPr lang="en-US" altLang="zh-CN" sz="2400"/>
-              <a:t>	       </a:t>
-            </a:r>
-            <a:endParaRPr lang="en-US" altLang="zh-CN" sz="2400"/>
-          </a:p>
-          <a:p>
-            <a:endParaRPr lang="zh-CN" altLang="zh-CN" sz="2400"/>
-          </a:p>
-          <a:p>
-            <a:r>
-              <a:rPr lang="zh-CN" altLang="zh-CN" sz="2400"/>
-              <a:t>那么其前缀和就是</a:t>
-            </a:r>
-            <a:endParaRPr lang="zh-CN" altLang="zh-CN" sz="2400"/>
-          </a:p>
-          <a:p>
-            <a:endParaRPr lang="zh-CN" altLang="zh-CN" sz="2400"/>
-          </a:p>
-          <a:p>
-            <a:endParaRPr lang="zh-CN" altLang="zh-CN" sz="2400"/>
+              <a:rPr lang="zh-CN" altLang="en-US"/>
+              <a:t>我们注意到        的取值不会超过      个，而               的值就更少了</a:t>
+            </a:r>
+            <a:endParaRPr lang="zh-CN" altLang="en-US"/>
+          </a:p>
+          <a:p>
+            <a:endParaRPr lang="zh-CN" altLang="en-US"/>
+          </a:p>
+          <a:p>
+            <a:r>
+              <a:rPr lang="zh-CN" altLang="en-US"/>
+              <a:t>设                    ，则</a:t>
+            </a:r>
+            <a:endParaRPr lang="zh-CN" altLang="en-US"/>
+          </a:p>
+          <a:p>
+            <a:endParaRPr lang="zh-CN" altLang="en-US"/>
+          </a:p>
+          <a:p>
+            <a:r>
+              <a:rPr lang="zh-CN" altLang="en-US"/>
+              <a:t>则                          ，</a:t>
+            </a:r>
+            <a:endParaRPr lang="zh-CN" altLang="en-US"/>
+          </a:p>
+          <a:p>
+            <a:endParaRPr lang="zh-CN" altLang="en-US"/>
+          </a:p>
+          <a:p>
+            <a:r>
+              <a:rPr lang="zh-CN" altLang="en-US"/>
+              <a:t>则</a:t>
+            </a:r>
+            <a:endParaRPr lang="zh-CN" altLang="en-US"/>
+          </a:p>
+          <a:p>
+            <a:endParaRPr lang="zh-CN" altLang="en-US"/>
+          </a:p>
+          <a:p>
+            <a:endParaRPr lang="zh-CN" altLang="en-US"/>
+          </a:p>
+          <a:p>
+            <a:endParaRPr lang="zh-CN" altLang="en-US"/>
+          </a:p>
+          <a:p>
+            <a:endParaRPr lang="zh-CN" altLang="en-US"/>
           </a:p>
         </p:txBody>
       </p:sp>
@@ -20301,23 +20064,23 @@
           <p:nvPr/>
         </p:nvGraphicFramePr>
         <p:xfrm>
-          <a:off x="1407795" y="1562735"/>
-          <a:ext cx="1991360" cy="915035"/>
+          <a:off x="2729866" y="1530350"/>
+          <a:ext cx="631825" cy="933450"/>
         </p:xfrm>
         <a:graphic>
           <a:graphicData uri="http://schemas.openxmlformats.org/presentationml/2006/ole">
             <mc:AlternateContent xmlns:mc="http://schemas.openxmlformats.org/markup-compatibility/2006">
               <mc:Choice xmlns:v="urn:schemas-microsoft-com:vml" Requires="v">
-                <p:oleObj spid="_x0000_s5121" name="" r:id="rId1" imgW="939800" imgH="431800" progId="Equation.KSEE3">
+                <p:oleObj spid="_x0000_s5" name="" r:id="rId1" imgW="292100" imgH="431800" progId="Equation.KSEE3">
                   <p:embed/>
                 </p:oleObj>
               </mc:Choice>
               <mc:Fallback>
-                <p:oleObj name="" r:id="rId1" imgW="939800" imgH="431800" progId="Equation.KSEE3">
+                <p:oleObj name="" r:id="rId1" imgW="292100" imgH="431800" progId="Equation.KSEE3">
                   <p:embed/>
                   <p:pic>
                     <p:nvPicPr>
-                      <p:cNvPr id="0" name="图片 5120"/>
+                      <p:cNvPr id="0" name="图片 2049"/>
                       <p:cNvPicPr/>
                       <p:nvPr/>
                     </p:nvPicPr>
@@ -20331,63 +20094,8 @@
                     </p:blipFill>
                     <p:spPr>
                       <a:xfrm>
-                        <a:off x="1407795" y="1562735"/>
-                        <a:ext cx="1991360" cy="915035"/>
-                      </a:xfrm>
-                      <a:prstGeom prst="rect">
-                        <a:avLst/>
-                      </a:prstGeom>
-                    </p:spPr>
-                  </p:pic>
-                </p:oleObj>
-              </mc:Fallback>
-            </mc:AlternateContent>
-          </a:graphicData>
-        </a:graphic>
-      </p:graphicFrame>
-      <p:graphicFrame>
-        <p:nvGraphicFramePr>
-          <p:cNvPr id="5" name="对象 4">
-            <a:hlinkClick r:id="" action="ppaction://ole?verb="/>
-          </p:cNvPr>
-          <p:cNvGraphicFramePr>
-            <a:graphicFrameLocks noChangeAspect="1"/>
-          </p:cNvGraphicFramePr>
-          <p:nvPr/>
-        </p:nvGraphicFramePr>
-        <p:xfrm>
-          <a:off x="2358390" y="2715895"/>
-          <a:ext cx="1324610" cy="471170"/>
-        </p:xfrm>
-        <a:graphic>
-          <a:graphicData uri="http://schemas.openxmlformats.org/presentationml/2006/ole">
-            <mc:AlternateContent xmlns:mc="http://schemas.openxmlformats.org/markup-compatibility/2006">
-              <mc:Choice xmlns:v="urn:schemas-microsoft-com:vml" Requires="v">
-                <p:oleObj spid="_x0000_s5122" name="" r:id="rId3" imgW="571500" imgH="203200" progId="Equation.KSEE3">
-                  <p:embed/>
-                </p:oleObj>
-              </mc:Choice>
-              <mc:Fallback>
-                <p:oleObj name="" r:id="rId3" imgW="571500" imgH="203200" progId="Equation.KSEE3">
-                  <p:embed/>
-                  <p:pic>
-                    <p:nvPicPr>
-                      <p:cNvPr id="0" name="图片 5121"/>
-                      <p:cNvPicPr/>
-                      <p:nvPr/>
-                    </p:nvPicPr>
-                    <p:blipFill>
-                      <a:blip r:embed="rId4">
-                        <a:lum bright="100000"/>
-                      </a:blip>
-                      <a:stretch>
-                        <a:fillRect/>
-                      </a:stretch>
-                    </p:blipFill>
-                    <p:spPr>
-                      <a:xfrm>
-                        <a:off x="2358390" y="2715895"/>
-                        <a:ext cx="1324610" cy="471170"/>
+                        <a:off x="2729866" y="1530350"/>
+                        <a:ext cx="631825" cy="933450"/>
                       </a:xfrm>
                       <a:prstGeom prst="rect">
                         <a:avLst/>
@@ -20411,23 +20119,78 @@
           <p:nvPr/>
         </p:nvGraphicFramePr>
         <p:xfrm>
-          <a:off x="4844415" y="2737485"/>
-          <a:ext cx="1156335" cy="430530"/>
+          <a:off x="5452429" y="1778318"/>
+          <a:ext cx="521970" cy="494665"/>
         </p:xfrm>
         <a:graphic>
           <a:graphicData uri="http://schemas.openxmlformats.org/presentationml/2006/ole">
             <mc:AlternateContent xmlns:mc="http://schemas.openxmlformats.org/markup-compatibility/2006">
               <mc:Choice xmlns:v="urn:schemas-microsoft-com:vml" Requires="v">
-                <p:oleObj spid="_x0000_s5123" name="" r:id="rId5" imgW="545465" imgH="203200" progId="Equation.KSEE3">
+                <p:oleObj spid="_x0000_s7" name="" r:id="rId3" imgW="241300" imgH="228600" progId="Equation.KSEE3">
                   <p:embed/>
                 </p:oleObj>
               </mc:Choice>
               <mc:Fallback>
-                <p:oleObj name="" r:id="rId5" imgW="545465" imgH="203200" progId="Equation.KSEE3">
+                <p:oleObj name="" r:id="rId3" imgW="241300" imgH="228600" progId="Equation.KSEE3">
                   <p:embed/>
                   <p:pic>
                     <p:nvPicPr>
-                      <p:cNvPr id="0" name="图片 5122"/>
+                      <p:cNvPr id="0" name="图片 2049"/>
+                      <p:cNvPicPr/>
+                      <p:nvPr/>
+                    </p:nvPicPr>
+                    <p:blipFill>
+                      <a:blip r:embed="rId4">
+                        <a:lum bright="100000"/>
+                      </a:blip>
+                      <a:stretch>
+                        <a:fillRect/>
+                      </a:stretch>
+                    </p:blipFill>
+                    <p:spPr>
+                      <a:xfrm>
+                        <a:off x="5452429" y="1778318"/>
+                        <a:ext cx="521970" cy="494665"/>
+                      </a:xfrm>
+                      <a:prstGeom prst="rect">
+                        <a:avLst/>
+                      </a:prstGeom>
+                    </p:spPr>
+                  </p:pic>
+                </p:oleObj>
+              </mc:Fallback>
+            </mc:AlternateContent>
+          </a:graphicData>
+        </a:graphic>
+      </p:graphicFrame>
+      <p:graphicFrame>
+        <p:nvGraphicFramePr>
+          <p:cNvPr id="10" name="对象 9">
+            <a:hlinkClick r:id="" action="ppaction://ole?verb="/>
+          </p:cNvPr>
+          <p:cNvGraphicFramePr>
+            <a:graphicFrameLocks noChangeAspect="1"/>
+          </p:cNvGraphicFramePr>
+          <p:nvPr/>
+        </p:nvGraphicFramePr>
+        <p:xfrm>
+          <a:off x="6952299" y="1439545"/>
+          <a:ext cx="1181100" cy="1153160"/>
+        </p:xfrm>
+        <a:graphic>
+          <a:graphicData uri="http://schemas.openxmlformats.org/presentationml/2006/ole">
+            <mc:AlternateContent xmlns:mc="http://schemas.openxmlformats.org/markup-compatibility/2006">
+              <mc:Choice xmlns:v="urn:schemas-microsoft-com:vml" Requires="v">
+                <p:oleObj spid="_x0000_s11" name="" r:id="rId5" imgW="545465" imgH="533400" progId="Equation.KSEE3">
+                  <p:embed/>
+                </p:oleObj>
+              </mc:Choice>
+              <mc:Fallback>
+                <p:oleObj name="" r:id="rId5" imgW="545465" imgH="533400" progId="Equation.KSEE3">
+                  <p:embed/>
+                  <p:pic>
+                    <p:nvPicPr>
+                      <p:cNvPr id="0" name="图片 2049"/>
                       <p:cNvPicPr/>
                       <p:nvPr/>
                     </p:nvPicPr>
@@ -20441,8 +20204,8 @@
                     </p:blipFill>
                     <p:spPr>
                       <a:xfrm>
-                        <a:off x="4844415" y="2737485"/>
-                        <a:ext cx="1156335" cy="430530"/>
+                        <a:off x="6952299" y="1439545"/>
+                        <a:ext cx="1181100" cy="1153160"/>
                       </a:xfrm>
                       <a:prstGeom prst="rect">
                         <a:avLst/>
@@ -20457,7 +20220,7 @@
       </p:graphicFrame>
       <p:graphicFrame>
         <p:nvGraphicFramePr>
-          <p:cNvPr id="7" name="对象 6">
+          <p:cNvPr id="12" name="对象 11">
             <a:hlinkClick r:id="" action="ppaction://ole?verb="/>
           </p:cNvPr>
           <p:cNvGraphicFramePr>
@@ -20466,23 +20229,23 @@
           <p:nvPr/>
         </p:nvGraphicFramePr>
         <p:xfrm>
-          <a:off x="3620770" y="3498215"/>
-          <a:ext cx="943610" cy="713740"/>
+          <a:off x="1468756" y="2383790"/>
+          <a:ext cx="1674495" cy="1153160"/>
         </p:xfrm>
         <a:graphic>
           <a:graphicData uri="http://schemas.openxmlformats.org/presentationml/2006/ole">
             <mc:AlternateContent xmlns:mc="http://schemas.openxmlformats.org/markup-compatibility/2006">
               <mc:Choice xmlns:v="urn:schemas-microsoft-com:vml" Requires="v">
-                <p:oleObj spid="_x0000_s5124" name="" r:id="rId7" imgW="520700" imgH="393700" progId="Equation.KSEE3">
+                <p:oleObj spid="_x0000_s13" name="" r:id="rId7" imgW="774065" imgH="533400" progId="Equation.KSEE3">
                   <p:embed/>
                 </p:oleObj>
               </mc:Choice>
               <mc:Fallback>
-                <p:oleObj name="" r:id="rId7" imgW="520700" imgH="393700" progId="Equation.KSEE3">
+                <p:oleObj name="" r:id="rId7" imgW="774065" imgH="533400" progId="Equation.KSEE3">
                   <p:embed/>
                   <p:pic>
                     <p:nvPicPr>
-                      <p:cNvPr id="0" name="图片 5123"/>
+                      <p:cNvPr id="0" name="图片 2049"/>
                       <p:cNvPicPr/>
                       <p:nvPr/>
                     </p:nvPicPr>
@@ -20496,8 +20259,228 @@
                     </p:blipFill>
                     <p:spPr>
                       <a:xfrm>
-                        <a:off x="3620770" y="3498215"/>
-                        <a:ext cx="943610" cy="713740"/>
+                        <a:off x="1468756" y="2383790"/>
+                        <a:ext cx="1674495" cy="1153160"/>
+                      </a:xfrm>
+                      <a:prstGeom prst="rect">
+                        <a:avLst/>
+                      </a:prstGeom>
+                    </p:spPr>
+                  </p:pic>
+                </p:oleObj>
+              </mc:Fallback>
+            </mc:AlternateContent>
+          </a:graphicData>
+        </a:graphic>
+      </p:graphicFrame>
+      <p:graphicFrame>
+        <p:nvGraphicFramePr>
+          <p:cNvPr id="14" name="对象 13">
+            <a:hlinkClick r:id="" action="ppaction://ole?verb="/>
+          </p:cNvPr>
+          <p:cNvGraphicFramePr>
+            <a:graphicFrameLocks noChangeAspect="1"/>
+          </p:cNvGraphicFramePr>
+          <p:nvPr/>
+        </p:nvGraphicFramePr>
+        <p:xfrm>
+          <a:off x="3737928" y="2428240"/>
+          <a:ext cx="3874770" cy="1043940"/>
+        </p:xfrm>
+        <a:graphic>
+          <a:graphicData uri="http://schemas.openxmlformats.org/presentationml/2006/ole">
+            <mc:AlternateContent xmlns:mc="http://schemas.openxmlformats.org/markup-compatibility/2006">
+              <mc:Choice xmlns:v="urn:schemas-microsoft-com:vml" Requires="v">
+                <p:oleObj spid="_x0000_s15" name="" r:id="rId9" imgW="1790700" imgH="482600" progId="Equation.KSEE3">
+                  <p:embed/>
+                </p:oleObj>
+              </mc:Choice>
+              <mc:Fallback>
+                <p:oleObj name="" r:id="rId9" imgW="1790700" imgH="482600" progId="Equation.KSEE3">
+                  <p:embed/>
+                  <p:pic>
+                    <p:nvPicPr>
+                      <p:cNvPr id="0" name="图片 2049"/>
+                      <p:cNvPicPr/>
+                      <p:nvPr/>
+                    </p:nvPicPr>
+                    <p:blipFill>
+                      <a:blip r:embed="rId10">
+                        <a:lum bright="100000"/>
+                      </a:blip>
+                      <a:stretch>
+                        <a:fillRect/>
+                      </a:stretch>
+                    </p:blipFill>
+                    <p:spPr>
+                      <a:xfrm>
+                        <a:off x="3737928" y="2428240"/>
+                        <a:ext cx="3874770" cy="1043940"/>
+                      </a:xfrm>
+                      <a:prstGeom prst="rect">
+                        <a:avLst/>
+                      </a:prstGeom>
+                    </p:spPr>
+                  </p:pic>
+                </p:oleObj>
+              </mc:Fallback>
+            </mc:AlternateContent>
+          </a:graphicData>
+        </a:graphic>
+      </p:graphicFrame>
+      <p:graphicFrame>
+        <p:nvGraphicFramePr>
+          <p:cNvPr id="16" name="对象 15">
+            <a:hlinkClick r:id="" action="ppaction://ole?verb="/>
+          </p:cNvPr>
+          <p:cNvGraphicFramePr>
+            <a:graphicFrameLocks noChangeAspect="1"/>
+          </p:cNvGraphicFramePr>
+          <p:nvPr/>
+        </p:nvGraphicFramePr>
+        <p:xfrm>
+          <a:off x="1538923" y="3434398"/>
+          <a:ext cx="1978660" cy="934085"/>
+        </p:xfrm>
+        <a:graphic>
+          <a:graphicData uri="http://schemas.openxmlformats.org/presentationml/2006/ole">
+            <mc:AlternateContent xmlns:mc="http://schemas.openxmlformats.org/markup-compatibility/2006">
+              <mc:Choice xmlns:v="urn:schemas-microsoft-com:vml" Requires="v">
+                <p:oleObj spid="_x0000_s17" name="" r:id="rId11" imgW="914400" imgH="431800" progId="Equation.KSEE3">
+                  <p:embed/>
+                </p:oleObj>
+              </mc:Choice>
+              <mc:Fallback>
+                <p:oleObj name="" r:id="rId11" imgW="914400" imgH="431800" progId="Equation.KSEE3">
+                  <p:embed/>
+                  <p:pic>
+                    <p:nvPicPr>
+                      <p:cNvPr id="0" name="图片 2049"/>
+                      <p:cNvPicPr/>
+                      <p:nvPr/>
+                    </p:nvPicPr>
+                    <p:blipFill>
+                      <a:blip r:embed="rId12">
+                        <a:lum bright="100000"/>
+                      </a:blip>
+                      <a:stretch>
+                        <a:fillRect/>
+                      </a:stretch>
+                    </p:blipFill>
+                    <p:spPr>
+                      <a:xfrm>
+                        <a:off x="1538923" y="3434398"/>
+                        <a:ext cx="1978660" cy="934085"/>
+                      </a:xfrm>
+                      <a:prstGeom prst="rect">
+                        <a:avLst/>
+                      </a:prstGeom>
+                    </p:spPr>
+                  </p:pic>
+                </p:oleObj>
+              </mc:Fallback>
+            </mc:AlternateContent>
+          </a:graphicData>
+        </a:graphic>
+      </p:graphicFrame>
+      <p:graphicFrame>
+        <p:nvGraphicFramePr>
+          <p:cNvPr id="18" name="对象 17">
+            <a:hlinkClick r:id="" action="ppaction://ole?verb="/>
+          </p:cNvPr>
+          <p:cNvGraphicFramePr>
+            <a:graphicFrameLocks noChangeAspect="1"/>
+          </p:cNvGraphicFramePr>
+          <p:nvPr/>
+        </p:nvGraphicFramePr>
+        <p:xfrm>
+          <a:off x="3837623" y="3416936"/>
+          <a:ext cx="4287520" cy="852170"/>
+        </p:xfrm>
+        <a:graphic>
+          <a:graphicData uri="http://schemas.openxmlformats.org/presentationml/2006/ole">
+            <mc:AlternateContent xmlns:mc="http://schemas.openxmlformats.org/markup-compatibility/2006">
+              <mc:Choice xmlns:v="urn:schemas-microsoft-com:vml" Requires="v">
+                <p:oleObj spid="_x0000_s19" name="" r:id="rId13" imgW="1981200" imgH="393700" progId="Equation.KSEE3">
+                  <p:embed/>
+                </p:oleObj>
+              </mc:Choice>
+              <mc:Fallback>
+                <p:oleObj name="" r:id="rId13" imgW="1981200" imgH="393700" progId="Equation.KSEE3">
+                  <p:embed/>
+                  <p:pic>
+                    <p:nvPicPr>
+                      <p:cNvPr id="0" name="图片 2049"/>
+                      <p:cNvPicPr/>
+                      <p:nvPr/>
+                    </p:nvPicPr>
+                    <p:blipFill>
+                      <a:blip r:embed="rId14">
+                        <a:lum bright="100000"/>
+                      </a:blip>
+                      <a:stretch>
+                        <a:fillRect/>
+                      </a:stretch>
+                    </p:blipFill>
+                    <p:spPr>
+                      <a:xfrm>
+                        <a:off x="3837623" y="3416936"/>
+                        <a:ext cx="4287520" cy="852170"/>
+                      </a:xfrm>
+                      <a:prstGeom prst="rect">
+                        <a:avLst/>
+                      </a:prstGeom>
+                    </p:spPr>
+                  </p:pic>
+                </p:oleObj>
+              </mc:Fallback>
+            </mc:AlternateContent>
+          </a:graphicData>
+        </a:graphic>
+      </p:graphicFrame>
+      <p:graphicFrame>
+        <p:nvGraphicFramePr>
+          <p:cNvPr id="23" name="对象 22">
+            <a:hlinkClick r:id="" action="ppaction://ole?verb="/>
+          </p:cNvPr>
+          <p:cNvGraphicFramePr>
+            <a:graphicFrameLocks noChangeAspect="1"/>
+          </p:cNvGraphicFramePr>
+          <p:nvPr/>
+        </p:nvGraphicFramePr>
+        <p:xfrm>
+          <a:off x="1530986" y="4286569"/>
+          <a:ext cx="5909945" cy="989965"/>
+        </p:xfrm>
+        <a:graphic>
+          <a:graphicData uri="http://schemas.openxmlformats.org/presentationml/2006/ole">
+            <mc:AlternateContent xmlns:mc="http://schemas.openxmlformats.org/markup-compatibility/2006">
+              <mc:Choice xmlns:v="urn:schemas-microsoft-com:vml" Requires="v">
+                <p:oleObj spid="_x0000_s24" name="" r:id="rId15" imgW="2730500" imgH="457200" progId="Equation.KSEE3">
+                  <p:embed/>
+                </p:oleObj>
+              </mc:Choice>
+              <mc:Fallback>
+                <p:oleObj name="" r:id="rId15" imgW="2730500" imgH="457200" progId="Equation.KSEE3">
+                  <p:embed/>
+                  <p:pic>
+                    <p:nvPicPr>
+                      <p:cNvPr id="0" name="图片 2049"/>
+                      <p:cNvPicPr/>
+                      <p:nvPr/>
+                    </p:nvPicPr>
+                    <p:blipFill>
+                      <a:blip r:embed="rId16">
+                        <a:lum bright="100000"/>
+                      </a:blip>
+                      <a:stretch>
+                        <a:fillRect/>
+                      </a:stretch>
+                    </p:blipFill>
+                    <p:spPr>
+                      <a:xfrm>
+                        <a:off x="1530986" y="4286569"/>
+                        <a:ext cx="5909945" cy="989965"/>
                       </a:xfrm>
                       <a:prstGeom prst="rect">
                         <a:avLst/>
@@ -20512,7 +20495,7 @@
       </p:graphicFrame>
     </p:spTree>
     <p:custDataLst>
-      <p:tags r:id="rId9"/>
+      <p:tags r:id="rId17"/>
     </p:custDataLst>
   </p:cSld>
   <p:clrMapOvr>
@@ -20546,10 +20529,18 @@
           <a:bodyPr/>
           <a:p>
             <a:r>
-              <a:rPr lang="zh-CN" altLang="zh-CN" sz="4000"/>
-              <a:t>莫比乌斯函数之和</a:t>
-            </a:r>
-            <a:endParaRPr lang="zh-CN" altLang="zh-CN" sz="4000"/>
+              <a:rPr lang="en-US" altLang="zh-CN">
+                <a:sym typeface="+mn-ea"/>
+              </a:rPr>
+              <a:t>AOJ#166  </a:t>
+            </a:r>
+            <a:r>
+              <a:rPr lang="zh-CN" altLang="en-US">
+                <a:sym typeface="+mn-ea"/>
+              </a:rPr>
+              <a:t>等比数列计数</a:t>
+            </a:r>
+            <a:endParaRPr lang="zh-CN" altLang="en-US"/>
           </a:p>
         </p:txBody>
       </p:sp>
@@ -20568,71 +20559,42 @@
           <a:bodyPr/>
           <a:p>
             <a:r>
-              <a:rPr lang="zh-CN" altLang="en-US" sz="2400"/>
-              <a:t>求</a:t>
-            </a:r>
-            <a:endParaRPr lang="zh-CN" altLang="en-US" sz="2400"/>
-          </a:p>
-          <a:p>
-            <a:endParaRPr lang="zh-CN" altLang="en-US" sz="2400"/>
-          </a:p>
-          <a:p>
-            <a:r>
-              <a:rPr lang="zh-CN" altLang="en-US" sz="2400"/>
-              <a:t>我们熟知</a:t>
-            </a:r>
-            <a:r>
-              <a:rPr lang="en-US" altLang="zh-CN" sz="2400"/>
-              <a:t>	         </a:t>
-            </a:r>
-            <a:r>
-              <a:rPr lang="zh-CN" altLang="en-US" sz="2400"/>
-              <a:t>，故构造</a:t>
-            </a:r>
-            <a:r>
-              <a:rPr lang="en-US" altLang="zh-CN" sz="2400"/>
-              <a:t>		    </a:t>
-            </a:r>
-            <a:r>
-              <a:rPr lang="zh-CN" altLang="en-US" sz="2400"/>
-              <a:t>，</a:t>
-            </a:r>
-            <a:r>
-              <a:rPr lang="zh-CN" altLang="zh-CN" sz="2400"/>
-              <a:t>其前缀和是</a:t>
-            </a:r>
-            <a:r>
-              <a:rPr lang="en-US" altLang="zh-CN" sz="2400"/>
-              <a:t>1</a:t>
-            </a:r>
-            <a:endParaRPr lang="en-US" altLang="zh-CN" sz="2400"/>
-          </a:p>
-          <a:p>
-            <a:r>
-              <a:rPr lang="zh-CN" altLang="en-US" sz="2400"/>
-              <a:t>完美解决</a:t>
-            </a:r>
-            <a:endParaRPr lang="zh-CN" altLang="en-US" sz="2400"/>
-          </a:p>
-          <a:p>
-            <a:endParaRPr lang="zh-CN" altLang="en-US" sz="2400"/>
-          </a:p>
-          <a:p>
-            <a:r>
-              <a:rPr lang="zh-CN" altLang="en-US" sz="2400"/>
-              <a:t>两个板子和在一起就是</a:t>
-            </a:r>
-            <a:r>
-              <a:rPr lang="en-US" altLang="zh-CN" sz="2400"/>
-              <a:t>BZOJ3944</a:t>
-            </a:r>
-            <a:endParaRPr lang="en-US" altLang="zh-CN" sz="2400"/>
+              <a:rPr lang="zh-CN" altLang="en-US"/>
+              <a:t>所以下底分块的右端点就是         ，其中</a:t>
+            </a:r>
+            <a:endParaRPr lang="zh-CN" altLang="en-US"/>
+          </a:p>
+          <a:p>
+            <a:endParaRPr lang="zh-CN" altLang="en-US"/>
+          </a:p>
+          <a:p>
+            <a:endParaRPr lang="zh-CN" altLang="en-US"/>
+          </a:p>
+          <a:p>
+            <a:r>
+              <a:rPr lang="zh-CN" altLang="en-US"/>
+              <a:t>事实上              的取值不超过     </a:t>
+            </a:r>
+            <a:endParaRPr lang="zh-CN" altLang="en-US"/>
+          </a:p>
+          <a:p>
+            <a:endParaRPr lang="zh-CN" altLang="en-US"/>
+          </a:p>
+          <a:p>
+            <a:endParaRPr lang="zh-CN" altLang="en-US"/>
+          </a:p>
+          <a:p>
+            <a:r>
+              <a:rPr lang="zh-CN" altLang="en-US"/>
+              <a:t>所以时间复杂度：</a:t>
+            </a:r>
+            <a:endParaRPr lang="zh-CN" altLang="en-US"/>
           </a:p>
         </p:txBody>
       </p:sp>
       <p:graphicFrame>
         <p:nvGraphicFramePr>
-          <p:cNvPr id="4" name="对象 3">
+          <p:cNvPr id="8" name="对象 7">
             <a:hlinkClick r:id="" action="ppaction://ole?verb="/>
           </p:cNvPr>
           <p:cNvGraphicFramePr>
@@ -20641,23 +20603,23 @@
           <p:nvPr/>
         </p:nvGraphicFramePr>
         <p:xfrm>
-          <a:off x="1405890" y="1562735"/>
-          <a:ext cx="2019300" cy="915035"/>
+          <a:off x="3469958" y="4308793"/>
+          <a:ext cx="906780" cy="715645"/>
         </p:xfrm>
         <a:graphic>
           <a:graphicData uri="http://schemas.openxmlformats.org/presentationml/2006/ole">
             <mc:AlternateContent xmlns:mc="http://schemas.openxmlformats.org/markup-compatibility/2006">
               <mc:Choice xmlns:v="urn:schemas-microsoft-com:vml" Requires="v">
-                <p:oleObj spid="_x0000_s5121" name="" r:id="rId1" imgW="952500" imgH="431800" progId="Equation.KSEE3">
+                <p:oleObj spid="_x0000_s9" name="" r:id="rId1" imgW="419100" imgH="330200" progId="Equation.KSEE3">
                   <p:embed/>
                 </p:oleObj>
               </mc:Choice>
               <mc:Fallback>
-                <p:oleObj name="" r:id="rId1" imgW="952500" imgH="431800" progId="Equation.KSEE3">
+                <p:oleObj name="" r:id="rId1" imgW="419100" imgH="330200" progId="Equation.KSEE3">
                   <p:embed/>
                   <p:pic>
                     <p:nvPicPr>
-                      <p:cNvPr id="0" name="图片 5120"/>
+                      <p:cNvPr id="0" name="图片 2049"/>
                       <p:cNvPicPr/>
                       <p:nvPr/>
                     </p:nvPicPr>
@@ -20671,8 +20633,63 @@
                     </p:blipFill>
                     <p:spPr>
                       <a:xfrm>
-                        <a:off x="1405890" y="1562735"/>
-                        <a:ext cx="2019300" cy="915035"/>
+                        <a:off x="3469958" y="4308793"/>
+                        <a:ext cx="906780" cy="715645"/>
+                      </a:xfrm>
+                      <a:prstGeom prst="rect">
+                        <a:avLst/>
+                      </a:prstGeom>
+                    </p:spPr>
+                  </p:pic>
+                </p:oleObj>
+              </mc:Fallback>
+            </mc:AlternateContent>
+          </a:graphicData>
+        </a:graphic>
+      </p:graphicFrame>
+      <p:graphicFrame>
+        <p:nvGraphicFramePr>
+          <p:cNvPr id="12" name="对象 11">
+            <a:hlinkClick r:id="" action="ppaction://ole?verb="/>
+          </p:cNvPr>
+          <p:cNvGraphicFramePr>
+            <a:graphicFrameLocks noChangeAspect="1"/>
+          </p:cNvGraphicFramePr>
+          <p:nvPr/>
+        </p:nvGraphicFramePr>
+        <p:xfrm>
+          <a:off x="4821874" y="1567498"/>
+          <a:ext cx="769620" cy="934085"/>
+        </p:xfrm>
+        <a:graphic>
+          <a:graphicData uri="http://schemas.openxmlformats.org/presentationml/2006/ole">
+            <mc:AlternateContent xmlns:mc="http://schemas.openxmlformats.org/markup-compatibility/2006">
+              <mc:Choice xmlns:v="urn:schemas-microsoft-com:vml" Requires="v">
+                <p:oleObj spid="_x0000_s13" name="" r:id="rId3" imgW="355600" imgH="431800" progId="Equation.KSEE3">
+                  <p:embed/>
+                </p:oleObj>
+              </mc:Choice>
+              <mc:Fallback>
+                <p:oleObj name="" r:id="rId3" imgW="355600" imgH="431800" progId="Equation.KSEE3">
+                  <p:embed/>
+                  <p:pic>
+                    <p:nvPicPr>
+                      <p:cNvPr id="0" name="图片 2049"/>
+                      <p:cNvPicPr/>
+                      <p:nvPr/>
+                    </p:nvPicPr>
+                    <p:blipFill>
+                      <a:blip r:embed="rId4">
+                        <a:lum bright="100000"/>
+                      </a:blip>
+                      <a:stretch>
+                        <a:fillRect/>
+                      </a:stretch>
+                    </p:blipFill>
+                    <p:spPr>
+                      <a:xfrm>
+                        <a:off x="4821874" y="1567498"/>
+                        <a:ext cx="769620" cy="934085"/>
                       </a:xfrm>
                       <a:prstGeom prst="rect">
                         <a:avLst/>
@@ -20696,78 +20713,23 @@
           <p:nvPr/>
         </p:nvGraphicFramePr>
         <p:xfrm>
-          <a:off x="2378075" y="2712085"/>
-          <a:ext cx="1120140" cy="426720"/>
+          <a:off x="6459221" y="1476375"/>
+          <a:ext cx="1674495" cy="1153160"/>
         </p:xfrm>
         <a:graphic>
           <a:graphicData uri="http://schemas.openxmlformats.org/presentationml/2006/ole">
             <mc:AlternateContent xmlns:mc="http://schemas.openxmlformats.org/markup-compatibility/2006">
               <mc:Choice xmlns:v="urn:schemas-microsoft-com:vml" Requires="v">
-                <p:oleObj spid="_x0000_s6145" name="" r:id="rId3" imgW="533400" imgH="203200" progId="Equation.KSEE3">
+                <p:oleObj spid="_x0000_s6" name="" r:id="rId5" imgW="774065" imgH="533400" progId="Equation.KSEE3">
                   <p:embed/>
                 </p:oleObj>
               </mc:Choice>
               <mc:Fallback>
-                <p:oleObj name="" r:id="rId3" imgW="533400" imgH="203200" progId="Equation.KSEE3">
+                <p:oleObj name="" r:id="rId5" imgW="774065" imgH="533400" progId="Equation.KSEE3">
                   <p:embed/>
                   <p:pic>
                     <p:nvPicPr>
-                      <p:cNvPr id="0" name="图片 6144"/>
-                      <p:cNvPicPr/>
-                      <p:nvPr/>
-                    </p:nvPicPr>
-                    <p:blipFill>
-                      <a:blip r:embed="rId4">
-                        <a:lum bright="100000"/>
-                      </a:blip>
-                      <a:stretch>
-                        <a:fillRect/>
-                      </a:stretch>
-                    </p:blipFill>
-                    <p:spPr>
-                      <a:xfrm>
-                        <a:off x="2378075" y="2712085"/>
-                        <a:ext cx="1120140" cy="426720"/>
-                      </a:xfrm>
-                      <a:prstGeom prst="rect">
-                        <a:avLst/>
-                      </a:prstGeom>
-                    </p:spPr>
-                  </p:pic>
-                </p:oleObj>
-              </mc:Fallback>
-            </mc:AlternateContent>
-          </a:graphicData>
-        </a:graphic>
-      </p:graphicFrame>
-      <p:graphicFrame>
-        <p:nvGraphicFramePr>
-          <p:cNvPr id="6" name="对象 5">
-            <a:hlinkClick r:id="" action="ppaction://ole?verb="/>
-          </p:cNvPr>
-          <p:cNvGraphicFramePr>
-            <a:graphicFrameLocks noChangeAspect="1"/>
-          </p:cNvGraphicFramePr>
-          <p:nvPr/>
-        </p:nvGraphicFramePr>
-        <p:xfrm>
-          <a:off x="4721225" y="2736215"/>
-          <a:ext cx="1919605" cy="426720"/>
-        </p:xfrm>
-        <a:graphic>
-          <a:graphicData uri="http://schemas.openxmlformats.org/presentationml/2006/ole">
-            <mc:AlternateContent xmlns:mc="http://schemas.openxmlformats.org/markup-compatibility/2006">
-              <mc:Choice xmlns:v="urn:schemas-microsoft-com:vml" Requires="v">
-                <p:oleObj spid="_x0000_s6146" name="" r:id="rId5" imgW="914400" imgH="203200" progId="Equation.KSEE3">
-                  <p:embed/>
-                </p:oleObj>
-              </mc:Choice>
-              <mc:Fallback>
-                <p:oleObj name="" r:id="rId5" imgW="914400" imgH="203200" progId="Equation.KSEE3">
-                  <p:embed/>
-                  <p:pic>
-                    <p:nvPicPr>
-                      <p:cNvPr id="0" name="图片 6145"/>
+                      <p:cNvPr id="0" name="图片 2049"/>
                       <p:cNvPicPr/>
                       <p:nvPr/>
                     </p:nvPicPr>
@@ -20781,8 +20743,118 @@
                     </p:blipFill>
                     <p:spPr>
                       <a:xfrm>
-                        <a:off x="4721225" y="2736215"/>
-                        <a:ext cx="1919605" cy="426720"/>
+                        <a:off x="6459221" y="1476375"/>
+                        <a:ext cx="1674495" cy="1153160"/>
+                      </a:xfrm>
+                      <a:prstGeom prst="rect">
+                        <a:avLst/>
+                      </a:prstGeom>
+                    </p:spPr>
+                  </p:pic>
+                </p:oleObj>
+              </mc:Fallback>
+            </mc:AlternateContent>
+          </a:graphicData>
+        </a:graphic>
+      </p:graphicFrame>
+      <p:graphicFrame>
+        <p:nvGraphicFramePr>
+          <p:cNvPr id="10" name="对象 9">
+            <a:hlinkClick r:id="" action="ppaction://ole?verb="/>
+          </p:cNvPr>
+          <p:cNvGraphicFramePr>
+            <a:graphicFrameLocks noChangeAspect="1"/>
+          </p:cNvGraphicFramePr>
+          <p:nvPr/>
+        </p:nvGraphicFramePr>
+        <p:xfrm>
+          <a:off x="2101534" y="2847975"/>
+          <a:ext cx="1181100" cy="1153160"/>
+        </p:xfrm>
+        <a:graphic>
+          <a:graphicData uri="http://schemas.openxmlformats.org/presentationml/2006/ole">
+            <mc:AlternateContent xmlns:mc="http://schemas.openxmlformats.org/markup-compatibility/2006">
+              <mc:Choice xmlns:v="urn:schemas-microsoft-com:vml" Requires="v">
+                <p:oleObj spid="_x0000_s11" name="" r:id="rId7" imgW="545465" imgH="533400" progId="Equation.KSEE3">
+                  <p:embed/>
+                </p:oleObj>
+              </mc:Choice>
+              <mc:Fallback>
+                <p:oleObj name="" r:id="rId7" imgW="545465" imgH="533400" progId="Equation.KSEE3">
+                  <p:embed/>
+                  <p:pic>
+                    <p:nvPicPr>
+                      <p:cNvPr id="0" name="图片 2049"/>
+                      <p:cNvPicPr/>
+                      <p:nvPr/>
+                    </p:nvPicPr>
+                    <p:blipFill>
+                      <a:blip r:embed="rId8">
+                        <a:lum bright="100000"/>
+                      </a:blip>
+                      <a:stretch>
+                        <a:fillRect/>
+                      </a:stretch>
+                    </p:blipFill>
+                    <p:spPr>
+                      <a:xfrm>
+                        <a:off x="2101534" y="2847975"/>
+                        <a:ext cx="1181100" cy="1153160"/>
+                      </a:xfrm>
+                      <a:prstGeom prst="rect">
+                        <a:avLst/>
+                      </a:prstGeom>
+                    </p:spPr>
+                  </p:pic>
+                </p:oleObj>
+              </mc:Fallback>
+            </mc:AlternateContent>
+          </a:graphicData>
+        </a:graphic>
+      </p:graphicFrame>
+      <p:graphicFrame>
+        <p:nvGraphicFramePr>
+          <p:cNvPr id="7" name="对象 6">
+            <a:hlinkClick r:id="" action="ppaction://ole?verb="/>
+          </p:cNvPr>
+          <p:cNvGraphicFramePr>
+            <a:graphicFrameLocks noChangeAspect="1"/>
+          </p:cNvGraphicFramePr>
+          <p:nvPr/>
+        </p:nvGraphicFramePr>
+        <p:xfrm>
+          <a:off x="5064126" y="3059748"/>
+          <a:ext cx="384175" cy="495935"/>
+        </p:xfrm>
+        <a:graphic>
+          <a:graphicData uri="http://schemas.openxmlformats.org/presentationml/2006/ole">
+            <mc:AlternateContent xmlns:mc="http://schemas.openxmlformats.org/markup-compatibility/2006">
+              <mc:Choice xmlns:v="urn:schemas-microsoft-com:vml" Requires="v">
+                <p:oleObj spid="_x0000_s14" name="" r:id="rId9" imgW="177165" imgH="228600" progId="Equation.KSEE3">
+                  <p:embed/>
+                </p:oleObj>
+              </mc:Choice>
+              <mc:Fallback>
+                <p:oleObj name="" r:id="rId9" imgW="177165" imgH="228600" progId="Equation.KSEE3">
+                  <p:embed/>
+                  <p:pic>
+                    <p:nvPicPr>
+                      <p:cNvPr id="0" name="图片 2049"/>
+                      <p:cNvPicPr/>
+                      <p:nvPr/>
+                    </p:nvPicPr>
+                    <p:blipFill>
+                      <a:blip r:embed="rId10">
+                        <a:lum bright="100000"/>
+                      </a:blip>
+                      <a:stretch>
+                        <a:fillRect/>
+                      </a:stretch>
+                    </p:blipFill>
+                    <p:spPr>
+                      <a:xfrm>
+                        <a:off x="5064126" y="3059748"/>
+                        <a:ext cx="384175" cy="495935"/>
                       </a:xfrm>
                       <a:prstGeom prst="rect">
                         <a:avLst/>
@@ -20797,7 +20869,7 @@
       </p:graphicFrame>
     </p:spTree>
     <p:custDataLst>
-      <p:tags r:id="rId7"/>
+      <p:tags r:id="rId11"/>
     </p:custDataLst>
   </p:cSld>
   <p:clrMapOvr>
@@ -20831,14 +20903,10 @@
           <a:bodyPr/>
           <a:p>
             <a:r>
-              <a:rPr lang="en-US" altLang="zh-CN" sz="4000"/>
-              <a:t>BZOJ</a:t>
-            </a:r>
-            <a:r>
-              <a:rPr lang="zh-CN" altLang="en-US" sz="4000"/>
-              <a:t>4916   神犇和蒟蒻</a:t>
-            </a:r>
-            <a:endParaRPr lang="zh-CN" altLang="en-US" sz="4000"/>
+              <a:rPr lang="zh-CN" altLang="zh-CN" sz="4000"/>
+              <a:t>杜教筛</a:t>
+            </a:r>
+            <a:endParaRPr lang="zh-CN" altLang="zh-CN" sz="4000"/>
           </a:p>
         </p:txBody>
       </p:sp>
@@ -20857,36 +20925,56 @@
           <a:bodyPr/>
           <a:p>
             <a:r>
+              <a:rPr lang="zh-CN" altLang="en-US" sz="2400"/>
+              <a:t>假设现在有一个数论函数       </a:t>
+            </a:r>
+            <a:r>
               <a:rPr lang="zh-CN" altLang="zh-CN" sz="2400"/>
-              <a:t>题目大意：</a:t>
+              <a:t>，我们要求它的前缀和</a:t>
             </a:r>
             <a:endParaRPr lang="zh-CN" altLang="zh-CN" sz="2400"/>
           </a:p>
           <a:p>
-            <a:endParaRPr lang="zh-CN" altLang="zh-CN" sz="2400"/>
-          </a:p>
-          <a:p>
             <a:r>
               <a:rPr lang="zh-CN" altLang="zh-CN" sz="2400"/>
-              <a:t>求</a:t>
+              <a:t>如果我们能构造另一个数论函数      ，且</a:t>
             </a:r>
             <a:r>
               <a:rPr lang="en-US" altLang="zh-CN" sz="2400"/>
-              <a:t>		</a:t>
+              <a:t>	    </a:t>
             </a:r>
             <a:r>
               <a:rPr lang="zh-CN" altLang="en-US" sz="2400"/>
-              <a:t>和</a:t>
-            </a:r>
-            <a:endParaRPr lang="zh-CN" altLang="en-US" sz="2400"/>
-          </a:p>
-          <a:p>
+              <a:t>的前缀和容易计算</a:t>
+            </a:r>
             <a:endParaRPr lang="zh-CN" altLang="en-US" sz="2400"/>
           </a:p>
           <a:p>
             <a:r>
               <a:rPr lang="zh-CN" altLang="en-US" sz="2400"/>
-              <a:t>数据范围：</a:t>
+              <a:t>那么我们有如下变换：</a:t>
+            </a:r>
+            <a:endParaRPr lang="zh-CN" altLang="en-US" sz="2400"/>
+          </a:p>
+          <a:p>
+            <a:endParaRPr lang="zh-CN" altLang="en-US" sz="2400"/>
+          </a:p>
+          <a:p>
+            <a:endParaRPr lang="zh-CN" altLang="en-US" sz="2400"/>
+          </a:p>
+          <a:p>
+            <a:endParaRPr lang="zh-CN" altLang="en-US" sz="2400"/>
+          </a:p>
+          <a:p>
+            <a:endParaRPr lang="zh-CN" altLang="en-US" sz="2400"/>
+          </a:p>
+          <a:p>
+            <a:endParaRPr lang="zh-CN" altLang="en-US" sz="2400"/>
+          </a:p>
+          <a:p>
+            <a:r>
+              <a:rPr lang="zh-CN" altLang="en-US" sz="2400"/>
+              <a:t>此时有</a:t>
             </a:r>
             <a:endParaRPr lang="zh-CN" altLang="en-US" sz="2400"/>
           </a:p>
@@ -20903,23 +20991,23 @@
           <p:nvPr/>
         </p:nvGraphicFramePr>
         <p:xfrm>
-          <a:off x="1478915" y="2460625"/>
-          <a:ext cx="1217930" cy="964565"/>
+          <a:off x="4467860" y="1826260"/>
+          <a:ext cx="662940" cy="393700"/>
         </p:xfrm>
         <a:graphic>
           <a:graphicData uri="http://schemas.openxmlformats.org/presentationml/2006/ole">
             <mc:AlternateContent xmlns:mc="http://schemas.openxmlformats.org/markup-compatibility/2006">
               <mc:Choice xmlns:v="urn:schemas-microsoft-com:vml" Requires="v">
-                <p:oleObj spid="_x0000_s1025" name="" r:id="rId1" imgW="545465" imgH="431800" progId="Equation.KSEE3">
+                <p:oleObj spid="_x0000_s2049" name="" r:id="rId1" imgW="342900" imgH="203200" progId="Equation.KSEE3">
                   <p:embed/>
                 </p:oleObj>
               </mc:Choice>
               <mc:Fallback>
-                <p:oleObj name="" r:id="rId1" imgW="545465" imgH="431800" progId="Equation.KSEE3">
+                <p:oleObj name="" r:id="rId1" imgW="342900" imgH="203200" progId="Equation.KSEE3">
                   <p:embed/>
                   <p:pic>
                     <p:nvPicPr>
-                      <p:cNvPr id="0" name="图片 1024"/>
+                      <p:cNvPr id="0" name="图片 2048"/>
                       <p:cNvPicPr/>
                       <p:nvPr/>
                     </p:nvPicPr>
@@ -20933,8 +21021,8 @@
                     </p:blipFill>
                     <p:spPr>
                       <a:xfrm>
-                        <a:off x="1478915" y="2460625"/>
-                        <a:ext cx="1217930" cy="964565"/>
+                        <a:off x="4467860" y="1826260"/>
+                        <a:ext cx="662940" cy="393700"/>
                       </a:xfrm>
                       <a:prstGeom prst="rect">
                         <a:avLst/>
@@ -20958,23 +21046,23 @@
           <p:nvPr/>
         </p:nvGraphicFramePr>
         <p:xfrm>
-          <a:off x="3053080" y="2448560"/>
-          <a:ext cx="1217930" cy="964565"/>
+          <a:off x="8164830" y="1826260"/>
+          <a:ext cx="664210" cy="393700"/>
         </p:xfrm>
         <a:graphic>
           <a:graphicData uri="http://schemas.openxmlformats.org/presentationml/2006/ole">
             <mc:AlternateContent xmlns:mc="http://schemas.openxmlformats.org/markup-compatibility/2006">
               <mc:Choice xmlns:v="urn:schemas-microsoft-com:vml" Requires="v">
-                <p:oleObj spid="_x0000_s6" name="" r:id="rId3" imgW="545465" imgH="431800" progId="Equation.KSEE3">
+                <p:oleObj spid="_x0000_s2050" name="" r:id="rId3" imgW="342900" imgH="203200" progId="Equation.KSEE3">
                   <p:embed/>
                 </p:oleObj>
               </mc:Choice>
               <mc:Fallback>
-                <p:oleObj name="" r:id="rId3" imgW="545465" imgH="431800" progId="Equation.KSEE3">
+                <p:oleObj name="" r:id="rId3" imgW="342900" imgH="203200" progId="Equation.KSEE3">
                   <p:embed/>
                   <p:pic>
                     <p:nvPicPr>
-                      <p:cNvPr id="0" name="图片 1024"/>
+                      <p:cNvPr id="0" name="图片 2049"/>
                       <p:cNvPicPr/>
                       <p:nvPr/>
                     </p:nvPicPr>
@@ -20988,8 +21076,63 @@
                     </p:blipFill>
                     <p:spPr>
                       <a:xfrm>
-                        <a:off x="3053080" y="2448560"/>
-                        <a:ext cx="1217930" cy="964565"/>
+                        <a:off x="8164830" y="1826260"/>
+                        <a:ext cx="664210" cy="393700"/>
+                      </a:xfrm>
+                      <a:prstGeom prst="rect">
+                        <a:avLst/>
+                      </a:prstGeom>
+                    </p:spPr>
+                  </p:pic>
+                </p:oleObj>
+              </mc:Fallback>
+            </mc:AlternateContent>
+          </a:graphicData>
+        </a:graphic>
+      </p:graphicFrame>
+      <p:graphicFrame>
+        <p:nvGraphicFramePr>
+          <p:cNvPr id="6" name="对象 5">
+            <a:hlinkClick r:id="" action="ppaction://ole?verb="/>
+          </p:cNvPr>
+          <p:cNvGraphicFramePr>
+            <a:graphicFrameLocks noChangeAspect="1"/>
+          </p:cNvGraphicFramePr>
+          <p:nvPr/>
+        </p:nvGraphicFramePr>
+        <p:xfrm>
+          <a:off x="5380355" y="2278380"/>
+          <a:ext cx="622300" cy="382905"/>
+        </p:xfrm>
+        <a:graphic>
+          <a:graphicData uri="http://schemas.openxmlformats.org/presentationml/2006/ole">
+            <mc:AlternateContent xmlns:mc="http://schemas.openxmlformats.org/markup-compatibility/2006">
+              <mc:Choice xmlns:v="urn:schemas-microsoft-com:vml" Requires="v">
+                <p:oleObj spid="_x0000_s2051" name="" r:id="rId5" imgW="330200" imgH="203200" progId="Equation.KSEE3">
+                  <p:embed/>
+                </p:oleObj>
+              </mc:Choice>
+              <mc:Fallback>
+                <p:oleObj name="" r:id="rId5" imgW="330200" imgH="203200" progId="Equation.KSEE3">
+                  <p:embed/>
+                  <p:pic>
+                    <p:nvPicPr>
+                      <p:cNvPr id="0" name="图片 2050"/>
+                      <p:cNvPicPr/>
+                      <p:nvPr/>
+                    </p:nvPicPr>
+                    <p:blipFill>
+                      <a:blip r:embed="rId6">
+                        <a:lum bright="100000"/>
+                      </a:blip>
+                      <a:stretch>
+                        <a:fillRect/>
+                      </a:stretch>
+                    </p:blipFill>
+                    <p:spPr>
+                      <a:xfrm>
+                        <a:off x="5380355" y="2278380"/>
+                        <a:ext cx="622300" cy="382905"/>
                       </a:xfrm>
                       <a:prstGeom prst="rect">
                         <a:avLst/>
@@ -21013,28 +21156,28 @@
           <p:nvPr/>
         </p:nvGraphicFramePr>
         <p:xfrm>
-          <a:off x="2522220" y="3590925"/>
-          <a:ext cx="931545" cy="414655"/>
+          <a:off x="6544945" y="2308860"/>
+          <a:ext cx="1101090" cy="374650"/>
         </p:xfrm>
         <a:graphic>
           <a:graphicData uri="http://schemas.openxmlformats.org/presentationml/2006/ole">
             <mc:AlternateContent xmlns:mc="http://schemas.openxmlformats.org/markup-compatibility/2006">
               <mc:Choice xmlns:v="urn:schemas-microsoft-com:vml" Requires="v">
-                <p:oleObj spid="_x0000_s1026" name="" r:id="rId5" imgW="457200" imgH="203200" progId="Equation.KSEE3">
+                <p:oleObj spid="_x0000_s2052" name="" r:id="rId7" imgW="596900" imgH="203200" progId="Equation.KSEE3">
                   <p:embed/>
                 </p:oleObj>
               </mc:Choice>
               <mc:Fallback>
-                <p:oleObj name="" r:id="rId5" imgW="457200" imgH="203200" progId="Equation.KSEE3">
+                <p:oleObj name="" r:id="rId7" imgW="596900" imgH="203200" progId="Equation.KSEE3">
                   <p:embed/>
                   <p:pic>
                     <p:nvPicPr>
-                      <p:cNvPr id="0" name="图片 1025"/>
+                      <p:cNvPr id="0" name="图片 2051"/>
                       <p:cNvPicPr/>
                       <p:nvPr/>
                     </p:nvPicPr>
                     <p:blipFill>
-                      <a:blip r:embed="rId6">
+                      <a:blip r:embed="rId8">
                         <a:lum bright="100000"/>
                       </a:blip>
                       <a:stretch>
@@ -21043,8 +21186,118 @@
                     </p:blipFill>
                     <p:spPr>
                       <a:xfrm>
-                        <a:off x="2522220" y="3590925"/>
-                        <a:ext cx="931545" cy="414655"/>
+                        <a:off x="6544945" y="2308860"/>
+                        <a:ext cx="1101090" cy="374650"/>
+                      </a:xfrm>
+                      <a:prstGeom prst="rect">
+                        <a:avLst/>
+                      </a:prstGeom>
+                    </p:spPr>
+                  </p:pic>
+                </p:oleObj>
+              </mc:Fallback>
+            </mc:AlternateContent>
+          </a:graphicData>
+        </a:graphic>
+      </p:graphicFrame>
+      <p:graphicFrame>
+        <p:nvGraphicFramePr>
+          <p:cNvPr id="8" name="对象 7">
+            <a:hlinkClick r:id="" action="ppaction://ole?verb="/>
+          </p:cNvPr>
+          <p:cNvGraphicFramePr>
+            <a:graphicFrameLocks noChangeAspect="1"/>
+          </p:cNvGraphicFramePr>
+          <p:nvPr/>
+        </p:nvGraphicFramePr>
+        <p:xfrm>
+          <a:off x="1658620" y="2805113"/>
+          <a:ext cx="7996555" cy="2179320"/>
+        </p:xfrm>
+        <a:graphic>
+          <a:graphicData uri="http://schemas.openxmlformats.org/presentationml/2006/ole">
+            <mc:AlternateContent xmlns:mc="http://schemas.openxmlformats.org/markup-compatibility/2006">
+              <mc:Choice xmlns:v="urn:schemas-microsoft-com:vml" Requires="v">
+                <p:oleObj spid="_x0000_s2053" name="" r:id="rId9" imgW="3822700" imgH="1041400" progId="Equation.KSEE3">
+                  <p:embed/>
+                </p:oleObj>
+              </mc:Choice>
+              <mc:Fallback>
+                <p:oleObj name="" r:id="rId9" imgW="3822700" imgH="1041400" progId="Equation.KSEE3">
+                  <p:embed/>
+                  <p:pic>
+                    <p:nvPicPr>
+                      <p:cNvPr id="0" name="图片 2052"/>
+                      <p:cNvPicPr/>
+                      <p:nvPr/>
+                    </p:nvPicPr>
+                    <p:blipFill>
+                      <a:blip r:embed="rId10">
+                        <a:lum bright="100000"/>
+                      </a:blip>
+                      <a:stretch>
+                        <a:fillRect/>
+                      </a:stretch>
+                    </p:blipFill>
+                    <p:spPr>
+                      <a:xfrm>
+                        <a:off x="1658620" y="2805113"/>
+                        <a:ext cx="7996555" cy="2179320"/>
+                      </a:xfrm>
+                      <a:prstGeom prst="rect">
+                        <a:avLst/>
+                      </a:prstGeom>
+                    </p:spPr>
+                  </p:pic>
+                </p:oleObj>
+              </mc:Fallback>
+            </mc:AlternateContent>
+          </a:graphicData>
+        </a:graphic>
+      </p:graphicFrame>
+      <p:graphicFrame>
+        <p:nvGraphicFramePr>
+          <p:cNvPr id="10" name="对象 9">
+            <a:hlinkClick r:id="" action="ppaction://ole?verb="/>
+          </p:cNvPr>
+          <p:cNvGraphicFramePr>
+            <a:graphicFrameLocks noChangeAspect="1"/>
+          </p:cNvGraphicFramePr>
+          <p:nvPr/>
+        </p:nvGraphicFramePr>
+        <p:xfrm>
+          <a:off x="2072640" y="5227003"/>
+          <a:ext cx="4702175" cy="904240"/>
+        </p:xfrm>
+        <a:graphic>
+          <a:graphicData uri="http://schemas.openxmlformats.org/presentationml/2006/ole">
+            <mc:AlternateContent xmlns:mc="http://schemas.openxmlformats.org/markup-compatibility/2006">
+              <mc:Choice xmlns:v="urn:schemas-microsoft-com:vml" Requires="v">
+                <p:oleObj spid="_x0000_s9" name="" r:id="rId11" imgW="2247900" imgH="431800" progId="Equation.KSEE3">
+                  <p:embed/>
+                </p:oleObj>
+              </mc:Choice>
+              <mc:Fallback>
+                <p:oleObj name="" r:id="rId11" imgW="2247900" imgH="431800" progId="Equation.KSEE3">
+                  <p:embed/>
+                  <p:pic>
+                    <p:nvPicPr>
+                      <p:cNvPr id="0" name="图片 2052"/>
+                      <p:cNvPicPr/>
+                      <p:nvPr/>
+                    </p:nvPicPr>
+                    <p:blipFill>
+                      <a:blip r:embed="rId12">
+                        <a:lum bright="100000"/>
+                      </a:blip>
+                      <a:stretch>
+                        <a:fillRect/>
+                      </a:stretch>
+                    </p:blipFill>
+                    <p:spPr>
+                      <a:xfrm>
+                        <a:off x="2072640" y="5227003"/>
+                        <a:ext cx="4702175" cy="904240"/>
                       </a:xfrm>
                       <a:prstGeom prst="rect">
                         <a:avLst/>
@@ -21059,7 +21312,7 @@
       </p:graphicFrame>
     </p:spTree>
     <p:custDataLst>
-      <p:tags r:id="rId7"/>
+      <p:tags r:id="rId13"/>
     </p:custDataLst>
   </p:cSld>
   <p:clrMapOvr>
@@ -21093,18 +21346,12 @@
           <a:bodyPr/>
           <a:p>
             <a:r>
-              <a:rPr lang="en-US" altLang="zh-CN" sz="4000">
+              <a:rPr lang="zh-CN" altLang="zh-CN" sz="4000">
                 <a:sym typeface="+mn-ea"/>
               </a:rPr>
-              <a:t>BZOJ</a:t>
-            </a:r>
-            <a:r>
-              <a:rPr lang="zh-CN" altLang="en-US" sz="4000">
-                <a:sym typeface="+mn-ea"/>
-              </a:rPr>
-              <a:t>4916   神犇和蒟蒻</a:t>
-            </a:r>
-            <a:endParaRPr lang="zh-CN" altLang="en-US" sz="4000">
+              <a:t>杜教筛</a:t>
+            </a:r>
+            <a:endParaRPr lang="zh-CN" altLang="zh-CN" sz="4000">
               <a:sym typeface="+mn-ea"/>
             </a:endParaRPr>
           </a:p>
@@ -21126,7 +21373,7 @@
           <a:p>
             <a:r>
               <a:rPr lang="zh-CN" altLang="en-US" sz="2400"/>
-              <a:t>第一问是逗你玩的，</a:t>
+              <a:t>这样的话我们就可以采用记忆化搜索的方法</a:t>
             </a:r>
             <a:endParaRPr lang="zh-CN" altLang="en-US" sz="2400"/>
           </a:p>
@@ -21136,11 +21383,8 @@
           <a:p>
             <a:r>
               <a:rPr lang="zh-CN" altLang="en-US" sz="2400"/>
-              <a:t>第二问：根据欧拉函数的定义</a:t>
-            </a:r>
-            <a:endParaRPr lang="zh-CN" altLang="en-US" sz="2400"/>
-          </a:p>
-          <a:p>
+              <a:t>对于每一个     的数值分块计算，一层层递归下去即可，直到当前值已经存在</a:t>
+            </a:r>
             <a:endParaRPr lang="zh-CN" altLang="en-US" sz="2400"/>
           </a:p>
           <a:p>
@@ -21149,25 +21393,63 @@
           <a:p>
             <a:r>
               <a:rPr lang="zh-CN" altLang="en-US" sz="2400"/>
-              <a:t>所以</a:t>
-            </a:r>
-            <a:endParaRPr lang="zh-CN" altLang="en-US" sz="2400"/>
-          </a:p>
-          <a:p>
-            <a:endParaRPr lang="zh-CN" altLang="en-US" sz="2400"/>
-          </a:p>
-          <a:p>
-            <a:r>
-              <a:rPr lang="zh-CN" altLang="en-US" sz="2400"/>
-              <a:t>问题解决</a:t>
-            </a:r>
-            <a:endParaRPr lang="zh-CN" altLang="en-US" sz="2400"/>
+              <a:t>如何存储已经算过的值？</a:t>
+            </a:r>
+            <a:endParaRPr lang="zh-CN" altLang="en-US" sz="2400"/>
+          </a:p>
+          <a:p>
+            <a:pPr lvl="1"/>
+            <a:r>
+              <a:rPr lang="en-US" altLang="zh-CN" sz="2055"/>
+              <a:t>map</a:t>
+            </a:r>
+            <a:r>
+              <a:rPr lang="zh-CN" altLang="en-US" sz="2055"/>
+              <a:t>大法好</a:t>
+            </a:r>
+            <a:endParaRPr lang="zh-CN" altLang="en-US" sz="2055"/>
+          </a:p>
+          <a:p>
+            <a:pPr lvl="1"/>
+            <a:r>
+              <a:rPr lang="zh-CN" altLang="en-US" sz="2000"/>
+              <a:t>存到</a:t>
+            </a:r>
+            <a:r>
+              <a:rPr lang="en-US" altLang="zh-CN" sz="2000"/>
+              <a:t>n/i</a:t>
+            </a:r>
+            <a:r>
+              <a:rPr lang="zh-CN" altLang="zh-CN" sz="2000"/>
+              <a:t>的位置</a:t>
+            </a:r>
+            <a:endParaRPr lang="zh-CN" altLang="zh-CN" sz="2000"/>
+          </a:p>
+          <a:p>
+            <a:pPr lvl="0"/>
+            <a:endParaRPr lang="zh-CN" altLang="zh-CN" sz="2330"/>
+          </a:p>
+          <a:p>
+            <a:pPr lvl="0"/>
+            <a:r>
+              <a:rPr lang="zh-CN" altLang="zh-CN" sz="2330"/>
+              <a:t>预处理出</a:t>
+            </a:r>
+            <a:r>
+              <a:rPr lang="en-US" altLang="zh-CN" sz="2330"/>
+              <a:t>	,</a:t>
+            </a:r>
+            <a:r>
+              <a:rPr lang="zh-CN" altLang="zh-CN" sz="2330"/>
+              <a:t>时间复杂度可达到</a:t>
+            </a:r>
+            <a:endParaRPr lang="zh-CN" altLang="zh-CN" sz="2330"/>
           </a:p>
         </p:txBody>
       </p:sp>
       <p:graphicFrame>
         <p:nvGraphicFramePr>
-          <p:cNvPr id="5" name="对象 4">
+          <p:cNvPr id="10" name="对象 9">
             <a:hlinkClick r:id="" action="ppaction://ole?verb="/>
           </p:cNvPr>
           <p:cNvGraphicFramePr>
@@ -21176,23 +21458,23 @@
           <p:nvPr/>
         </p:nvGraphicFramePr>
         <p:xfrm>
-          <a:off x="3731578" y="1520190"/>
-          <a:ext cx="1673225" cy="964565"/>
+          <a:off x="2600960" y="2505393"/>
+          <a:ext cx="611505" cy="904240"/>
         </p:xfrm>
         <a:graphic>
           <a:graphicData uri="http://schemas.openxmlformats.org/presentationml/2006/ole">
             <mc:AlternateContent xmlns:mc="http://schemas.openxmlformats.org/markup-compatibility/2006">
               <mc:Choice xmlns:v="urn:schemas-microsoft-com:vml" Requires="v">
-                <p:oleObj spid="_x0000_s1025" name="" r:id="rId1" imgW="749300" imgH="431800" progId="Equation.KSEE3">
+                <p:oleObj spid="_x0000_s2053" name="" r:id="rId1" imgW="292100" imgH="431800" progId="Equation.KSEE3">
                   <p:embed/>
                 </p:oleObj>
               </mc:Choice>
               <mc:Fallback>
-                <p:oleObj name="" r:id="rId1" imgW="749300" imgH="431800" progId="Equation.KSEE3">
+                <p:oleObj name="" r:id="rId1" imgW="292100" imgH="431800" progId="Equation.KSEE3">
                   <p:embed/>
                   <p:pic>
                     <p:nvPicPr>
-                      <p:cNvPr id="0" name="图片 1024"/>
+                      <p:cNvPr id="0" name="图片 2052"/>
                       <p:cNvPicPr/>
                       <p:nvPr/>
                     </p:nvPicPr>
@@ -21206,8 +21488,8 @@
                     </p:blipFill>
                     <p:spPr>
                       <a:xfrm>
-                        <a:off x="3731578" y="1520190"/>
-                        <a:ext cx="1673225" cy="964565"/>
+                        <a:off x="2600960" y="2505393"/>
+                        <a:ext cx="611505" cy="904240"/>
                       </a:xfrm>
                       <a:prstGeom prst="rect">
                         <a:avLst/>
@@ -21222,7 +21504,7 @@
       </p:graphicFrame>
       <p:graphicFrame>
         <p:nvGraphicFramePr>
-          <p:cNvPr id="6" name="对象 5">
+          <p:cNvPr id="4" name="对象 3">
             <a:hlinkClick r:id="" action="ppaction://ole?verb="/>
           </p:cNvPr>
           <p:cNvGraphicFramePr>
@@ -21231,23 +21513,23 @@
           <p:nvPr/>
         </p:nvGraphicFramePr>
         <p:xfrm>
-          <a:off x="5210810" y="2132330"/>
-          <a:ext cx="4864735" cy="1778635"/>
+          <a:off x="2335530" y="5359400"/>
+          <a:ext cx="368935" cy="590550"/>
         </p:xfrm>
         <a:graphic>
           <a:graphicData uri="http://schemas.openxmlformats.org/presentationml/2006/ole">
             <mc:AlternateContent xmlns:mc="http://schemas.openxmlformats.org/markup-compatibility/2006">
               <mc:Choice xmlns:v="urn:schemas-microsoft-com:vml" Requires="v">
-                <p:oleObj spid="_x0000_s2050" name="" r:id="rId3" imgW="2501900" imgH="914400" progId="Equation.KSEE3">
+                <p:oleObj spid="_x0000_s3073" name="" r:id="rId3" imgW="190500" imgH="304800" progId="Equation.KSEE3">
                   <p:embed/>
                 </p:oleObj>
               </mc:Choice>
               <mc:Fallback>
-                <p:oleObj name="" r:id="rId3" imgW="2501900" imgH="914400" progId="Equation.KSEE3">
+                <p:oleObj name="" r:id="rId3" imgW="190500" imgH="304800" progId="Equation.KSEE3">
                   <p:embed/>
                   <p:pic>
                     <p:nvPicPr>
-                      <p:cNvPr id="0" name="图片 2049"/>
+                      <p:cNvPr id="0" name="图片 3072"/>
                       <p:cNvPicPr/>
                       <p:nvPr/>
                     </p:nvPicPr>
@@ -21261,8 +21543,8 @@
                     </p:blipFill>
                     <p:spPr>
                       <a:xfrm>
-                        <a:off x="5210810" y="2132330"/>
-                        <a:ext cx="4864735" cy="1778635"/>
+                        <a:off x="2335530" y="5359400"/>
+                        <a:ext cx="368935" cy="590550"/>
                       </a:xfrm>
                       <a:prstGeom prst="rect">
                         <a:avLst/>
@@ -21277,7 +21559,7 @@
       </p:graphicFrame>
       <p:graphicFrame>
         <p:nvGraphicFramePr>
-          <p:cNvPr id="7" name="对象 6">
+          <p:cNvPr id="5" name="对象 4">
             <a:hlinkClick r:id="" action="ppaction://ole?verb="/>
           </p:cNvPr>
           <p:cNvGraphicFramePr>
@@ -21286,23 +21568,23 @@
           <p:nvPr/>
         </p:nvGraphicFramePr>
         <p:xfrm>
-          <a:off x="1747203" y="3898583"/>
-          <a:ext cx="4868545" cy="828040"/>
+          <a:off x="5201285" y="5311775"/>
+          <a:ext cx="858520" cy="676910"/>
         </p:xfrm>
         <a:graphic>
           <a:graphicData uri="http://schemas.openxmlformats.org/presentationml/2006/ole">
             <mc:AlternateContent xmlns:mc="http://schemas.openxmlformats.org/markup-compatibility/2006">
               <mc:Choice xmlns:v="urn:schemas-microsoft-com:vml" Requires="v">
-                <p:oleObj spid="_x0000_s2051" name="" r:id="rId5" imgW="2540000" imgH="431800" progId="Equation.KSEE3">
+                <p:oleObj spid="_x0000_s3074" name="" r:id="rId5" imgW="419100" imgH="330200" progId="Equation.KSEE3">
                   <p:embed/>
                 </p:oleObj>
               </mc:Choice>
               <mc:Fallback>
-                <p:oleObj name="" r:id="rId5" imgW="2540000" imgH="431800" progId="Equation.KSEE3">
+                <p:oleObj name="" r:id="rId5" imgW="419100" imgH="330200" progId="Equation.KSEE3">
                   <p:embed/>
                   <p:pic>
                     <p:nvPicPr>
-                      <p:cNvPr id="0" name="图片 2050"/>
+                      <p:cNvPr id="0" name="图片 3073"/>
                       <p:cNvPicPr/>
                       <p:nvPr/>
                     </p:nvPicPr>
@@ -21316,8 +21598,8 @@
                     </p:blipFill>
                     <p:spPr>
                       <a:xfrm>
-                        <a:off x="1747203" y="3898583"/>
-                        <a:ext cx="4868545" cy="828040"/>
+                        <a:off x="5201285" y="5311775"/>
+                        <a:ext cx="858520" cy="676910"/>
                       </a:xfrm>
                       <a:prstGeom prst="rect">
                         <a:avLst/>
@@ -21366,12 +21648,10 @@
           <a:bodyPr/>
           <a:p>
             <a:r>
-              <a:rPr lang="zh-CN" altLang="en-US">
-                <a:sym typeface="+mn-ea"/>
-              </a:rPr>
-              <a:t>练习题目</a:t>
-            </a:r>
-            <a:endParaRPr lang="zh-CN" altLang="en-US"/>
+              <a:rPr lang="zh-CN" altLang="zh-CN" sz="4000"/>
+              <a:t>时间复杂度分析</a:t>
+            </a:r>
+            <a:endParaRPr lang="zh-CN" altLang="zh-CN" sz="4000"/>
           </a:p>
         </p:txBody>
       </p:sp>
@@ -21390,309 +21670,321 @@
           <a:bodyPr/>
           <a:p>
             <a:r>
-              <a:rPr lang="zh-CN" altLang="zh-CN">
-                <a:solidFill>
-                  <a:srgbClr val="92D050"/>
-                </a:solidFill>
-                <a:sym typeface="+mn-ea"/>
-              </a:rPr>
-              <a:t>【</a:t>
-            </a:r>
-            <a:r>
-              <a:rPr lang="en-US" altLang="zh-CN">
-                <a:solidFill>
-                  <a:srgbClr val="92D050"/>
-                </a:solidFill>
-                <a:sym typeface="+mn-ea"/>
-              </a:rPr>
-              <a:t>BZOJ</a:t>
-            </a:r>
-            <a:r>
-              <a:rPr lang="zh-CN" altLang="zh-CN">
-                <a:solidFill>
-                  <a:srgbClr val="92D050"/>
-                </a:solidFill>
-                <a:sym typeface="+mn-ea"/>
-              </a:rPr>
-              <a:t>4804】欧拉心算</a:t>
-            </a:r>
-            <a:endParaRPr lang="zh-CN" altLang="zh-CN">
-              <a:solidFill>
-                <a:srgbClr val="92D050"/>
-              </a:solidFill>
-              <a:sym typeface="+mn-ea"/>
-            </a:endParaRPr>
-          </a:p>
-          <a:p>
-            <a:r>
-              <a:rPr lang="zh-CN" altLang="zh-CN">
-                <a:solidFill>
-                  <a:srgbClr val="00B0F0"/>
-                </a:solidFill>
-                <a:sym typeface="+mn-ea"/>
-              </a:rPr>
-              <a:t>【</a:t>
-            </a:r>
-            <a:r>
-              <a:rPr lang="en-US" altLang="zh-CN">
-                <a:solidFill>
-                  <a:srgbClr val="00B0F0"/>
-                </a:solidFill>
-                <a:sym typeface="+mn-ea"/>
-              </a:rPr>
-              <a:t>BZOJ3601</a:t>
-            </a:r>
-            <a:r>
-              <a:rPr lang="zh-CN" altLang="zh-CN">
-                <a:solidFill>
-                  <a:srgbClr val="00B0F0"/>
-                </a:solidFill>
-                <a:sym typeface="+mn-ea"/>
-              </a:rPr>
-              <a:t>】一个人的数论（配合高斯消元）</a:t>
-            </a:r>
-            <a:endParaRPr lang="zh-CN" altLang="zh-CN">
-              <a:solidFill>
-                <a:srgbClr val="00B0F0"/>
-              </a:solidFill>
-              <a:sym typeface="+mn-ea"/>
-            </a:endParaRPr>
-          </a:p>
-          <a:p>
-            <a:r>
-              <a:rPr lang="zh-CN" altLang="en-US">
-                <a:solidFill>
-                  <a:srgbClr val="00B0F0"/>
-                </a:solidFill>
-                <a:sym typeface="+mn-ea"/>
-              </a:rPr>
-              <a:t>【</a:t>
-            </a:r>
-            <a:r>
-              <a:rPr lang="en-US" altLang="zh-CN">
-                <a:solidFill>
-                  <a:srgbClr val="00B0F0"/>
-                </a:solidFill>
-                <a:sym typeface="+mn-ea"/>
-              </a:rPr>
-              <a:t>BZOJ</a:t>
-            </a:r>
-            <a:r>
-              <a:rPr lang="zh-CN" altLang="en-US">
-                <a:solidFill>
-                  <a:srgbClr val="00B0F0"/>
-                </a:solidFill>
-                <a:sym typeface="+mn-ea"/>
-              </a:rPr>
-              <a:t>4176】Lucas的数论（杜教筛）</a:t>
-            </a:r>
-            <a:endParaRPr lang="zh-CN" altLang="en-US">
-              <a:solidFill>
-                <a:srgbClr val="00B0F0"/>
-              </a:solidFill>
-              <a:sym typeface="+mn-ea"/>
-            </a:endParaRPr>
-          </a:p>
-          <a:p>
-            <a:r>
-              <a:rPr lang="zh-CN" altLang="zh-CN">
-                <a:solidFill>
-                  <a:srgbClr val="DB6CE9"/>
-                </a:solidFill>
-                <a:sym typeface="+mn-ea"/>
-              </a:rPr>
-              <a:t>【</a:t>
-            </a:r>
-            <a:r>
-              <a:rPr lang="en-US" altLang="zh-CN">
-                <a:solidFill>
-                  <a:srgbClr val="DB6CE9"/>
-                </a:solidFill>
-                <a:sym typeface="+mn-ea"/>
-              </a:rPr>
-              <a:t>BZOJ4174</a:t>
-            </a:r>
-            <a:r>
-              <a:rPr lang="zh-CN" altLang="zh-CN">
-                <a:solidFill>
-                  <a:srgbClr val="DB6CE9"/>
-                </a:solidFill>
-                <a:sym typeface="+mn-ea"/>
-              </a:rPr>
-              <a:t>】tty的求助</a:t>
-            </a:r>
-            <a:endParaRPr lang="zh-CN" altLang="zh-CN">
-              <a:solidFill>
-                <a:srgbClr val="DB6CE9"/>
-              </a:solidFill>
-              <a:sym typeface="+mn-ea"/>
-            </a:endParaRPr>
-          </a:p>
-          <a:p>
-            <a:r>
-              <a:rPr lang="zh-CN" altLang="zh-CN">
-                <a:solidFill>
-                  <a:srgbClr val="DB6CE9"/>
-                </a:solidFill>
-                <a:sym typeface="+mn-ea"/>
-              </a:rPr>
-              <a:t>【</a:t>
-            </a:r>
-            <a:r>
-              <a:rPr lang="en-US" altLang="zh-CN">
-                <a:solidFill>
-                  <a:srgbClr val="DB6CE9"/>
-                </a:solidFill>
-                <a:sym typeface="+mn-ea"/>
-              </a:rPr>
-              <a:t>BZOJ3025</a:t>
-            </a:r>
-            <a:r>
-              <a:rPr lang="zh-CN" altLang="zh-CN">
-                <a:solidFill>
-                  <a:srgbClr val="DB6CE9"/>
-                </a:solidFill>
-                <a:sym typeface="+mn-ea"/>
-              </a:rPr>
-              <a:t>】Farey数列（精度巨坑）</a:t>
-            </a:r>
-            <a:endParaRPr lang="zh-CN" altLang="zh-CN">
-              <a:solidFill>
-                <a:srgbClr val="DB6CE9"/>
-              </a:solidFill>
-              <a:sym typeface="+mn-ea"/>
-            </a:endParaRPr>
-          </a:p>
-          <a:p>
-            <a:r>
-              <a:rPr lang="zh-CN" altLang="en-US">
-                <a:solidFill>
-                  <a:srgbClr val="DB6CE9"/>
-                </a:solidFill>
-                <a:sym typeface="+mn-ea"/>
-              </a:rPr>
-              <a:t>【AOJ#166】等比数列计数（下底分块优化）</a:t>
-            </a:r>
-            <a:endParaRPr lang="zh-CN" altLang="en-US">
-              <a:solidFill>
-                <a:srgbClr val="DB6CE9"/>
-              </a:solidFill>
-              <a:sym typeface="+mn-ea"/>
-            </a:endParaRPr>
-          </a:p>
-          <a:p>
-            <a:r>
-              <a:rPr lang="en-US" altLang="zh-CN">
-                <a:solidFill>
-                  <a:srgbClr val="FFC000"/>
-                </a:solidFill>
-                <a:sym typeface="+mn-ea"/>
-              </a:rPr>
-              <a:t>【LOJ#6052】DIV</a:t>
-            </a:r>
-            <a:r>
-              <a:rPr lang="zh-CN" altLang="en-US">
-                <a:solidFill>
-                  <a:srgbClr val="FFC000"/>
-                </a:solidFill>
-                <a:sym typeface="+mn-ea"/>
-              </a:rPr>
-              <a:t>（结合</a:t>
-            </a:r>
-            <a:r>
-              <a:rPr lang="zh-CN" altLang="zh-CN">
-                <a:solidFill>
-                  <a:srgbClr val="FFC000"/>
-                </a:solidFill>
-                <a:sym typeface="+mn-ea"/>
-              </a:rPr>
-              <a:t>复数知识）</a:t>
-            </a:r>
-            <a:endParaRPr lang="zh-CN" altLang="zh-CN"/>
-          </a:p>
-          <a:p>
-            <a:pPr marL="228600" indent="-228600" algn="just">
-              <a:lnSpc>
-                <a:spcPct val="120000"/>
-              </a:lnSpc>
-              <a:spcBef>
-                <a:spcPts val="0"/>
-              </a:spcBef>
-              <a:buSzTx/>
-              <a:buFont typeface="Arial" panose="020B0604020202020204" pitchFamily="34" charset="0"/>
-              <a:buChar char="•"/>
-            </a:pPr>
-            <a:r>
-              <a:rPr lang="zh-CN" altLang="en-US">
-                <a:solidFill>
-                  <a:srgbClr val="FFC000"/>
-                </a:solidFill>
-                <a:sym typeface="+mn-ea"/>
-              </a:rPr>
-              <a:t>【LOJ#509】动态几何问题（</a:t>
-            </a:r>
-            <a:r>
-              <a:rPr lang="zh-CN" altLang="zh-CN">
-                <a:solidFill>
-                  <a:srgbClr val="FFC000"/>
-                </a:solidFill>
-                <a:sym typeface="+mn-ea"/>
-              </a:rPr>
-              <a:t>卡常毒瘤）</a:t>
-            </a:r>
-            <a:endParaRPr lang="zh-CN" altLang="zh-CN">
-              <a:solidFill>
-                <a:srgbClr val="FFC000"/>
-              </a:solidFill>
-              <a:sym typeface="+mn-ea"/>
-            </a:endParaRPr>
-          </a:p>
-          <a:p>
-            <a:pPr marL="228600" indent="-228600" algn="just">
-              <a:lnSpc>
-                <a:spcPct val="120000"/>
-              </a:lnSpc>
-              <a:spcBef>
-                <a:spcPts val="0"/>
-              </a:spcBef>
-              <a:buSzTx/>
-              <a:buFont typeface="Arial" panose="020B0604020202020204" pitchFamily="34" charset="0"/>
-              <a:buChar char="•"/>
-            </a:pPr>
-            <a:r>
-              <a:rPr lang="zh-CN" altLang="zh-CN">
-                <a:solidFill>
-                  <a:srgbClr val="FFFF00"/>
-                </a:solidFill>
-                <a:sym typeface="+mn-ea"/>
-              </a:rPr>
-              <a:t>【</a:t>
-            </a:r>
-            <a:r>
-              <a:rPr lang="en-US" altLang="zh-CN">
-                <a:solidFill>
-                  <a:srgbClr val="FFFF00"/>
-                </a:solidFill>
-                <a:sym typeface="+mn-ea"/>
-              </a:rPr>
-              <a:t>WC2014</a:t>
-            </a:r>
-            <a:r>
-              <a:rPr lang="zh-CN" altLang="zh-CN">
-                <a:solidFill>
-                  <a:srgbClr val="FFFF00"/>
-                </a:solidFill>
-                <a:sym typeface="+mn-ea"/>
-              </a:rPr>
-              <a:t>】时空穿梭（推完之后整个人都莫比乌斯反演了）</a:t>
-            </a:r>
-            <a:endParaRPr lang="zh-CN" altLang="en-US"/>
+              <a:rPr lang="zh-CN" altLang="en-US" sz="2400"/>
+              <a:t>设计算</a:t>
+            </a:r>
+            <a:r>
+              <a:rPr lang="en-US" altLang="zh-CN" sz="2400"/>
+              <a:t>F(n)</a:t>
+            </a:r>
+            <a:r>
+              <a:rPr lang="zh-CN" altLang="zh-CN" sz="2400"/>
+              <a:t>的时间消耗为</a:t>
+            </a:r>
+            <a:r>
+              <a:rPr lang="en-US" altLang="zh-CN" sz="2400"/>
+              <a:t>T(n)</a:t>
+            </a:r>
+            <a:r>
+              <a:rPr lang="zh-CN" altLang="zh-CN" sz="2400"/>
+              <a:t>，则</a:t>
+            </a:r>
+            <a:endParaRPr lang="zh-CN" altLang="zh-CN" sz="2400"/>
+          </a:p>
+          <a:p>
+            <a:endParaRPr lang="zh-CN" altLang="zh-CN" sz="2400"/>
+          </a:p>
+          <a:p>
+            <a:r>
+              <a:rPr lang="zh-CN" altLang="zh-CN" sz="2400"/>
+              <a:t>计算</a:t>
+            </a:r>
+            <a:r>
+              <a:rPr lang="en-US" altLang="zh-CN" sz="2400"/>
+              <a:t>F(i)</a:t>
+            </a:r>
+            <a:r>
+              <a:rPr lang="zh-CN" altLang="zh-CN" sz="2400"/>
+              <a:t>时如果调用的</a:t>
+            </a:r>
+            <a:r>
+              <a:rPr lang="en-US" altLang="zh-CN" sz="2400"/>
+              <a:t>F(j)</a:t>
+            </a:r>
+            <a:r>
+              <a:rPr lang="zh-CN" altLang="zh-CN" sz="2400"/>
+              <a:t>，那么计算</a:t>
+            </a:r>
+            <a:r>
+              <a:rPr lang="en-US" altLang="zh-CN" sz="2400"/>
+              <a:t>F(n)</a:t>
+            </a:r>
+            <a:r>
+              <a:rPr lang="zh-CN" altLang="zh-CN" sz="2400"/>
+              <a:t>时也调用了</a:t>
+            </a:r>
+            <a:r>
+              <a:rPr lang="en-US" altLang="zh-CN" sz="2400"/>
+              <a:t>F(j)</a:t>
+            </a:r>
+            <a:r>
+              <a:rPr lang="zh-CN" altLang="zh-CN" sz="2400"/>
+              <a:t>，把这个过程记忆化，即每个</a:t>
+            </a:r>
+            <a:r>
+              <a:rPr lang="en-US" altLang="zh-CN" sz="2400"/>
+              <a:t>F(j)</a:t>
+            </a:r>
+            <a:r>
+              <a:rPr lang="zh-CN" altLang="zh-CN" sz="2400"/>
+              <a:t>只有第一次被调用时才被计算，那么递归式只用展开一层</a:t>
+            </a:r>
+            <a:endParaRPr lang="zh-CN" altLang="zh-CN" sz="2400"/>
+          </a:p>
+          <a:p>
+            <a:endParaRPr lang="zh-CN" altLang="zh-CN" sz="2400"/>
+          </a:p>
+          <a:p>
+            <a:endParaRPr lang="zh-CN" altLang="zh-CN" sz="2400"/>
+          </a:p>
+          <a:p>
+            <a:endParaRPr lang="zh-CN" altLang="zh-CN" sz="2400"/>
+          </a:p>
+          <a:p>
+            <a:r>
+              <a:rPr lang="zh-CN" altLang="zh-CN" sz="2400"/>
+              <a:t>如果预处理了前      ，那么复杂度为</a:t>
+            </a:r>
+            <a:endParaRPr lang="zh-CN" altLang="zh-CN" sz="2400"/>
+          </a:p>
+          <a:p>
+            <a:endParaRPr lang="zh-CN" altLang="zh-CN" sz="2400"/>
           </a:p>
         </p:txBody>
       </p:sp>
+      <p:graphicFrame>
+        <p:nvGraphicFramePr>
+          <p:cNvPr id="5" name="对象 4">
+            <a:hlinkClick r:id="" action="ppaction://ole?verb="/>
+          </p:cNvPr>
+          <p:cNvGraphicFramePr>
+            <a:graphicFrameLocks noChangeAspect="1"/>
+          </p:cNvGraphicFramePr>
+          <p:nvPr/>
+        </p:nvGraphicFramePr>
+        <p:xfrm>
+          <a:off x="5666105" y="1560195"/>
+          <a:ext cx="4655185" cy="936625"/>
+        </p:xfrm>
+        <a:graphic>
+          <a:graphicData uri="http://schemas.openxmlformats.org/presentationml/2006/ole">
+            <mc:AlternateContent xmlns:mc="http://schemas.openxmlformats.org/markup-compatibility/2006">
+              <mc:Choice xmlns:v="urn:schemas-microsoft-com:vml" Requires="v">
+                <p:oleObj spid="_x0000_s4097" name="" r:id="rId1" imgW="2209800" imgH="444500" progId="Equation.KSEE3">
+                  <p:embed/>
+                </p:oleObj>
+              </mc:Choice>
+              <mc:Fallback>
+                <p:oleObj name="" r:id="rId1" imgW="2209800" imgH="444500" progId="Equation.KSEE3">
+                  <p:embed/>
+                  <p:pic>
+                    <p:nvPicPr>
+                      <p:cNvPr id="0" name="图片 4096"/>
+                      <p:cNvPicPr/>
+                      <p:nvPr/>
+                    </p:nvPicPr>
+                    <p:blipFill>
+                      <a:blip r:embed="rId2">
+                        <a:lum bright="100000"/>
+                      </a:blip>
+                      <a:stretch>
+                        <a:fillRect/>
+                      </a:stretch>
+                    </p:blipFill>
+                    <p:spPr>
+                      <a:xfrm>
+                        <a:off x="5666105" y="1560195"/>
+                        <a:ext cx="4655185" cy="936625"/>
+                      </a:xfrm>
+                      <a:prstGeom prst="rect">
+                        <a:avLst/>
+                      </a:prstGeom>
+                    </p:spPr>
+                  </p:pic>
+                </p:oleObj>
+              </mc:Fallback>
+            </mc:AlternateContent>
+          </a:graphicData>
+        </a:graphic>
+      </p:graphicFrame>
+      <p:graphicFrame>
+        <p:nvGraphicFramePr>
+          <p:cNvPr id="6" name="对象 5">
+            <a:hlinkClick r:id="" action="ppaction://ole?verb="/>
+          </p:cNvPr>
+          <p:cNvGraphicFramePr>
+            <a:graphicFrameLocks noChangeAspect="1"/>
+          </p:cNvGraphicFramePr>
+          <p:nvPr/>
+        </p:nvGraphicFramePr>
+        <p:xfrm>
+          <a:off x="1127443" y="3517583"/>
+          <a:ext cx="10462260" cy="1018540"/>
+        </p:xfrm>
+        <a:graphic>
+          <a:graphicData uri="http://schemas.openxmlformats.org/presentationml/2006/ole">
+            <mc:AlternateContent xmlns:mc="http://schemas.openxmlformats.org/markup-compatibility/2006">
+              <mc:Choice xmlns:v="urn:schemas-microsoft-com:vml" Requires="v">
+                <p:oleObj spid="_x0000_s7" name="" r:id="rId3" imgW="4965700" imgH="482600" progId="Equation.KSEE3">
+                  <p:embed/>
+                </p:oleObj>
+              </mc:Choice>
+              <mc:Fallback>
+                <p:oleObj name="" r:id="rId3" imgW="4965700" imgH="482600" progId="Equation.KSEE3">
+                  <p:embed/>
+                  <p:pic>
+                    <p:nvPicPr>
+                      <p:cNvPr id="0" name="图片 4096"/>
+                      <p:cNvPicPr/>
+                      <p:nvPr/>
+                    </p:nvPicPr>
+                    <p:blipFill>
+                      <a:blip r:embed="rId4">
+                        <a:lum bright="100000"/>
+                      </a:blip>
+                      <a:stretch>
+                        <a:fillRect/>
+                      </a:stretch>
+                    </p:blipFill>
+                    <p:spPr>
+                      <a:xfrm>
+                        <a:off x="1127443" y="3517583"/>
+                        <a:ext cx="10462260" cy="1018540"/>
+                      </a:xfrm>
+                      <a:prstGeom prst="rect">
+                        <a:avLst/>
+                      </a:prstGeom>
+                    </p:spPr>
+                  </p:pic>
+                </p:oleObj>
+              </mc:Fallback>
+            </mc:AlternateContent>
+          </a:graphicData>
+        </a:graphic>
+      </p:graphicFrame>
+      <p:graphicFrame>
+        <p:nvGraphicFramePr>
+          <p:cNvPr id="8" name="对象 7">
+            <a:hlinkClick r:id="" action="ppaction://ole?verb="/>
+          </p:cNvPr>
+          <p:cNvGraphicFramePr>
+            <a:graphicFrameLocks noChangeAspect="1"/>
+          </p:cNvGraphicFramePr>
+          <p:nvPr/>
+        </p:nvGraphicFramePr>
+        <p:xfrm>
+          <a:off x="3295650" y="4672330"/>
+          <a:ext cx="368935" cy="590550"/>
+        </p:xfrm>
+        <a:graphic>
+          <a:graphicData uri="http://schemas.openxmlformats.org/presentationml/2006/ole">
+            <mc:AlternateContent xmlns:mc="http://schemas.openxmlformats.org/markup-compatibility/2006">
+              <mc:Choice xmlns:v="urn:schemas-microsoft-com:vml" Requires="v">
+                <p:oleObj spid="_x0000_s3073" name="" r:id="rId5" imgW="190500" imgH="304800" progId="Equation.KSEE3">
+                  <p:embed/>
+                </p:oleObj>
+              </mc:Choice>
+              <mc:Fallback>
+                <p:oleObj name="" r:id="rId5" imgW="190500" imgH="304800" progId="Equation.KSEE3">
+                  <p:embed/>
+                  <p:pic>
+                    <p:nvPicPr>
+                      <p:cNvPr id="0" name="图片 3072"/>
+                      <p:cNvPicPr/>
+                      <p:nvPr/>
+                    </p:nvPicPr>
+                    <p:blipFill>
+                      <a:blip r:embed="rId6">
+                        <a:lum bright="100000"/>
+                      </a:blip>
+                      <a:stretch>
+                        <a:fillRect/>
+                      </a:stretch>
+                    </p:blipFill>
+                    <p:spPr>
+                      <a:xfrm>
+                        <a:off x="3295650" y="4672330"/>
+                        <a:ext cx="368935" cy="590550"/>
+                      </a:xfrm>
+                      <a:prstGeom prst="rect">
+                        <a:avLst/>
+                      </a:prstGeom>
+                    </p:spPr>
+                  </p:pic>
+                </p:oleObj>
+              </mc:Fallback>
+            </mc:AlternateContent>
+          </a:graphicData>
+        </a:graphic>
+      </p:graphicFrame>
+      <p:graphicFrame>
+        <p:nvGraphicFramePr>
+          <p:cNvPr id="9" name="对象 8">
+            <a:hlinkClick r:id="" action="ppaction://ole?verb="/>
+          </p:cNvPr>
+          <p:cNvGraphicFramePr>
+            <a:graphicFrameLocks noChangeAspect="1"/>
+          </p:cNvGraphicFramePr>
+          <p:nvPr/>
+        </p:nvGraphicFramePr>
+        <p:xfrm>
+          <a:off x="5930266" y="4575493"/>
+          <a:ext cx="3104515" cy="1018540"/>
+        </p:xfrm>
+        <a:graphic>
+          <a:graphicData uri="http://schemas.openxmlformats.org/presentationml/2006/ole">
+            <mc:AlternateContent xmlns:mc="http://schemas.openxmlformats.org/markup-compatibility/2006">
+              <mc:Choice xmlns:v="urn:schemas-microsoft-com:vml" Requires="v">
+                <p:oleObj spid="_x0000_s10" name="" r:id="rId7" imgW="1473200" imgH="482600" progId="Equation.KSEE3">
+                  <p:embed/>
+                </p:oleObj>
+              </mc:Choice>
+              <mc:Fallback>
+                <p:oleObj name="" r:id="rId7" imgW="1473200" imgH="482600" progId="Equation.KSEE3">
+                  <p:embed/>
+                  <p:pic>
+                    <p:nvPicPr>
+                      <p:cNvPr id="0" name="图片 4096"/>
+                      <p:cNvPicPr/>
+                      <p:nvPr/>
+                    </p:nvPicPr>
+                    <p:blipFill>
+                      <a:blip r:embed="rId8">
+                        <a:lum bright="100000"/>
+                      </a:blip>
+                      <a:stretch>
+                        <a:fillRect/>
+                      </a:stretch>
+                    </p:blipFill>
+                    <p:spPr>
+                      <a:xfrm>
+                        <a:off x="5930266" y="4575493"/>
+                        <a:ext cx="3104515" cy="1018540"/>
+                      </a:xfrm>
+                      <a:prstGeom prst="rect">
+                        <a:avLst/>
+                      </a:prstGeom>
+                    </p:spPr>
+                  </p:pic>
+                </p:oleObj>
+              </mc:Fallback>
+            </mc:AlternateContent>
+          </a:graphicData>
+        </a:graphic>
+      </p:graphicFrame>
     </p:spTree>
     <p:custDataLst>
-      <p:tags r:id="rId1"/>
+      <p:tags r:id="rId9"/>
     </p:custDataLst>
   </p:cSld>
   <p:clrMapOvr>
@@ -21915,6 +22207,1501 @@
 </file>
 
 <file path=ppt/slides/slide70.xml><?xml version="1.0" encoding="utf-8"?>
+<p:sld xmlns:a="http://schemas.openxmlformats.org/drawingml/2006/main" xmlns:r="http://schemas.openxmlformats.org/officeDocument/2006/relationships" xmlns:p="http://schemas.openxmlformats.org/presentationml/2006/main">
+  <p:cSld>
+    <p:spTree>
+      <p:nvGrpSpPr>
+        <p:cNvPr id="1" name=""/>
+        <p:cNvGrpSpPr/>
+        <p:nvPr/>
+      </p:nvGrpSpPr>
+      <p:grpSpPr/>
+      <p:sp>
+        <p:nvSpPr>
+          <p:cNvPr id="2" name="标题 1"/>
+          <p:cNvSpPr>
+            <a:spLocks noGrp="1"/>
+          </p:cNvSpPr>
+          <p:nvPr>
+            <p:ph type="title"/>
+          </p:nvPr>
+        </p:nvSpPr>
+        <p:spPr/>
+        <p:txBody>
+          <a:bodyPr/>
+          <a:p>
+            <a:r>
+              <a:rPr lang="zh-CN" altLang="en-US" sz="4000"/>
+              <a:t>欧拉函数之和</a:t>
+            </a:r>
+            <a:endParaRPr lang="zh-CN" altLang="en-US" sz="4000"/>
+          </a:p>
+        </p:txBody>
+      </p:sp>
+      <p:sp>
+        <p:nvSpPr>
+          <p:cNvPr id="3" name="内容占位符 2"/>
+          <p:cNvSpPr>
+            <a:spLocks noGrp="1"/>
+          </p:cNvSpPr>
+          <p:nvPr>
+            <p:ph idx="1"/>
+          </p:nvPr>
+        </p:nvSpPr>
+        <p:spPr/>
+        <p:txBody>
+          <a:bodyPr/>
+          <a:p>
+            <a:r>
+              <a:rPr lang="zh-CN" altLang="zh-CN" sz="2400"/>
+              <a:t>求</a:t>
+            </a:r>
+            <a:endParaRPr lang="zh-CN" altLang="zh-CN" sz="2400"/>
+          </a:p>
+          <a:p>
+            <a:endParaRPr lang="zh-CN" altLang="zh-CN" sz="2400"/>
+          </a:p>
+          <a:p>
+            <a:r>
+              <a:rPr lang="zh-CN" altLang="zh-CN" sz="2400"/>
+              <a:t>我们熟知               ，故构造</a:t>
+            </a:r>
+            <a:r>
+              <a:rPr lang="en-US" altLang="zh-CN" sz="2400"/>
+              <a:t>	       </a:t>
+            </a:r>
+            <a:endParaRPr lang="en-US" altLang="zh-CN" sz="2400"/>
+          </a:p>
+          <a:p>
+            <a:endParaRPr lang="zh-CN" altLang="zh-CN" sz="2400"/>
+          </a:p>
+          <a:p>
+            <a:r>
+              <a:rPr lang="zh-CN" altLang="zh-CN" sz="2400"/>
+              <a:t>那么其前缀和就是</a:t>
+            </a:r>
+            <a:endParaRPr lang="zh-CN" altLang="zh-CN" sz="2400"/>
+          </a:p>
+          <a:p>
+            <a:endParaRPr lang="zh-CN" altLang="zh-CN" sz="2400"/>
+          </a:p>
+          <a:p>
+            <a:endParaRPr lang="zh-CN" altLang="zh-CN" sz="2400"/>
+          </a:p>
+        </p:txBody>
+      </p:sp>
+      <p:graphicFrame>
+        <p:nvGraphicFramePr>
+          <p:cNvPr id="4" name="对象 3">
+            <a:hlinkClick r:id="" action="ppaction://ole?verb="/>
+          </p:cNvPr>
+          <p:cNvGraphicFramePr>
+            <a:graphicFrameLocks noChangeAspect="1"/>
+          </p:cNvGraphicFramePr>
+          <p:nvPr/>
+        </p:nvGraphicFramePr>
+        <p:xfrm>
+          <a:off x="1407795" y="1562735"/>
+          <a:ext cx="1991360" cy="915035"/>
+        </p:xfrm>
+        <a:graphic>
+          <a:graphicData uri="http://schemas.openxmlformats.org/presentationml/2006/ole">
+            <mc:AlternateContent xmlns:mc="http://schemas.openxmlformats.org/markup-compatibility/2006">
+              <mc:Choice xmlns:v="urn:schemas-microsoft-com:vml" Requires="v">
+                <p:oleObj spid="_x0000_s5121" name="" r:id="rId1" imgW="939800" imgH="431800" progId="Equation.KSEE3">
+                  <p:embed/>
+                </p:oleObj>
+              </mc:Choice>
+              <mc:Fallback>
+                <p:oleObj name="" r:id="rId1" imgW="939800" imgH="431800" progId="Equation.KSEE3">
+                  <p:embed/>
+                  <p:pic>
+                    <p:nvPicPr>
+                      <p:cNvPr id="0" name="图片 5120"/>
+                      <p:cNvPicPr/>
+                      <p:nvPr/>
+                    </p:nvPicPr>
+                    <p:blipFill>
+                      <a:blip r:embed="rId2">
+                        <a:lum bright="100000"/>
+                      </a:blip>
+                      <a:stretch>
+                        <a:fillRect/>
+                      </a:stretch>
+                    </p:blipFill>
+                    <p:spPr>
+                      <a:xfrm>
+                        <a:off x="1407795" y="1562735"/>
+                        <a:ext cx="1991360" cy="915035"/>
+                      </a:xfrm>
+                      <a:prstGeom prst="rect">
+                        <a:avLst/>
+                      </a:prstGeom>
+                    </p:spPr>
+                  </p:pic>
+                </p:oleObj>
+              </mc:Fallback>
+            </mc:AlternateContent>
+          </a:graphicData>
+        </a:graphic>
+      </p:graphicFrame>
+      <p:graphicFrame>
+        <p:nvGraphicFramePr>
+          <p:cNvPr id="5" name="对象 4">
+            <a:hlinkClick r:id="" action="ppaction://ole?verb="/>
+          </p:cNvPr>
+          <p:cNvGraphicFramePr>
+            <a:graphicFrameLocks noChangeAspect="1"/>
+          </p:cNvGraphicFramePr>
+          <p:nvPr/>
+        </p:nvGraphicFramePr>
+        <p:xfrm>
+          <a:off x="2358390" y="2715895"/>
+          <a:ext cx="1324610" cy="471170"/>
+        </p:xfrm>
+        <a:graphic>
+          <a:graphicData uri="http://schemas.openxmlformats.org/presentationml/2006/ole">
+            <mc:AlternateContent xmlns:mc="http://schemas.openxmlformats.org/markup-compatibility/2006">
+              <mc:Choice xmlns:v="urn:schemas-microsoft-com:vml" Requires="v">
+                <p:oleObj spid="_x0000_s5122" name="" r:id="rId3" imgW="571500" imgH="203200" progId="Equation.KSEE3">
+                  <p:embed/>
+                </p:oleObj>
+              </mc:Choice>
+              <mc:Fallback>
+                <p:oleObj name="" r:id="rId3" imgW="571500" imgH="203200" progId="Equation.KSEE3">
+                  <p:embed/>
+                  <p:pic>
+                    <p:nvPicPr>
+                      <p:cNvPr id="0" name="图片 5121"/>
+                      <p:cNvPicPr/>
+                      <p:nvPr/>
+                    </p:nvPicPr>
+                    <p:blipFill>
+                      <a:blip r:embed="rId4">
+                        <a:lum bright="100000"/>
+                      </a:blip>
+                      <a:stretch>
+                        <a:fillRect/>
+                      </a:stretch>
+                    </p:blipFill>
+                    <p:spPr>
+                      <a:xfrm>
+                        <a:off x="2358390" y="2715895"/>
+                        <a:ext cx="1324610" cy="471170"/>
+                      </a:xfrm>
+                      <a:prstGeom prst="rect">
+                        <a:avLst/>
+                      </a:prstGeom>
+                    </p:spPr>
+                  </p:pic>
+                </p:oleObj>
+              </mc:Fallback>
+            </mc:AlternateContent>
+          </a:graphicData>
+        </a:graphic>
+      </p:graphicFrame>
+      <p:graphicFrame>
+        <p:nvGraphicFramePr>
+          <p:cNvPr id="6" name="对象 5">
+            <a:hlinkClick r:id="" action="ppaction://ole?verb="/>
+          </p:cNvPr>
+          <p:cNvGraphicFramePr>
+            <a:graphicFrameLocks noChangeAspect="1"/>
+          </p:cNvGraphicFramePr>
+          <p:nvPr/>
+        </p:nvGraphicFramePr>
+        <p:xfrm>
+          <a:off x="4844415" y="2737485"/>
+          <a:ext cx="1156335" cy="430530"/>
+        </p:xfrm>
+        <a:graphic>
+          <a:graphicData uri="http://schemas.openxmlformats.org/presentationml/2006/ole">
+            <mc:AlternateContent xmlns:mc="http://schemas.openxmlformats.org/markup-compatibility/2006">
+              <mc:Choice xmlns:v="urn:schemas-microsoft-com:vml" Requires="v">
+                <p:oleObj spid="_x0000_s5123" name="" r:id="rId5" imgW="545465" imgH="203200" progId="Equation.KSEE3">
+                  <p:embed/>
+                </p:oleObj>
+              </mc:Choice>
+              <mc:Fallback>
+                <p:oleObj name="" r:id="rId5" imgW="545465" imgH="203200" progId="Equation.KSEE3">
+                  <p:embed/>
+                  <p:pic>
+                    <p:nvPicPr>
+                      <p:cNvPr id="0" name="图片 5122"/>
+                      <p:cNvPicPr/>
+                      <p:nvPr/>
+                    </p:nvPicPr>
+                    <p:blipFill>
+                      <a:blip r:embed="rId6">
+                        <a:lum bright="100000"/>
+                      </a:blip>
+                      <a:stretch>
+                        <a:fillRect/>
+                      </a:stretch>
+                    </p:blipFill>
+                    <p:spPr>
+                      <a:xfrm>
+                        <a:off x="4844415" y="2737485"/>
+                        <a:ext cx="1156335" cy="430530"/>
+                      </a:xfrm>
+                      <a:prstGeom prst="rect">
+                        <a:avLst/>
+                      </a:prstGeom>
+                    </p:spPr>
+                  </p:pic>
+                </p:oleObj>
+              </mc:Fallback>
+            </mc:AlternateContent>
+          </a:graphicData>
+        </a:graphic>
+      </p:graphicFrame>
+      <p:graphicFrame>
+        <p:nvGraphicFramePr>
+          <p:cNvPr id="7" name="对象 6">
+            <a:hlinkClick r:id="" action="ppaction://ole?verb="/>
+          </p:cNvPr>
+          <p:cNvGraphicFramePr>
+            <a:graphicFrameLocks noChangeAspect="1"/>
+          </p:cNvGraphicFramePr>
+          <p:nvPr/>
+        </p:nvGraphicFramePr>
+        <p:xfrm>
+          <a:off x="3620770" y="3498215"/>
+          <a:ext cx="943610" cy="713740"/>
+        </p:xfrm>
+        <a:graphic>
+          <a:graphicData uri="http://schemas.openxmlformats.org/presentationml/2006/ole">
+            <mc:AlternateContent xmlns:mc="http://schemas.openxmlformats.org/markup-compatibility/2006">
+              <mc:Choice xmlns:v="urn:schemas-microsoft-com:vml" Requires="v">
+                <p:oleObj spid="_x0000_s5124" name="" r:id="rId7" imgW="520700" imgH="393700" progId="Equation.KSEE3">
+                  <p:embed/>
+                </p:oleObj>
+              </mc:Choice>
+              <mc:Fallback>
+                <p:oleObj name="" r:id="rId7" imgW="520700" imgH="393700" progId="Equation.KSEE3">
+                  <p:embed/>
+                  <p:pic>
+                    <p:nvPicPr>
+                      <p:cNvPr id="0" name="图片 5123"/>
+                      <p:cNvPicPr/>
+                      <p:nvPr/>
+                    </p:nvPicPr>
+                    <p:blipFill>
+                      <a:blip r:embed="rId8">
+                        <a:lum bright="100000"/>
+                      </a:blip>
+                      <a:stretch>
+                        <a:fillRect/>
+                      </a:stretch>
+                    </p:blipFill>
+                    <p:spPr>
+                      <a:xfrm>
+                        <a:off x="3620770" y="3498215"/>
+                        <a:ext cx="943610" cy="713740"/>
+                      </a:xfrm>
+                      <a:prstGeom prst="rect">
+                        <a:avLst/>
+                      </a:prstGeom>
+                    </p:spPr>
+                  </p:pic>
+                </p:oleObj>
+              </mc:Fallback>
+            </mc:AlternateContent>
+          </a:graphicData>
+        </a:graphic>
+      </p:graphicFrame>
+    </p:spTree>
+    <p:custDataLst>
+      <p:tags r:id="rId9"/>
+    </p:custDataLst>
+  </p:cSld>
+  <p:clrMapOvr>
+    <a:masterClrMapping/>
+  </p:clrMapOvr>
+</p:sld>
+</file>
+
+<file path=ppt/slides/slide71.xml><?xml version="1.0" encoding="utf-8"?>
+<p:sld xmlns:a="http://schemas.openxmlformats.org/drawingml/2006/main" xmlns:r="http://schemas.openxmlformats.org/officeDocument/2006/relationships" xmlns:p="http://schemas.openxmlformats.org/presentationml/2006/main">
+  <p:cSld>
+    <p:spTree>
+      <p:nvGrpSpPr>
+        <p:cNvPr id="1" name=""/>
+        <p:cNvGrpSpPr/>
+        <p:nvPr/>
+      </p:nvGrpSpPr>
+      <p:grpSpPr/>
+      <p:sp>
+        <p:nvSpPr>
+          <p:cNvPr id="2" name="标题 1"/>
+          <p:cNvSpPr>
+            <a:spLocks noGrp="1"/>
+          </p:cNvSpPr>
+          <p:nvPr>
+            <p:ph type="title"/>
+          </p:nvPr>
+        </p:nvSpPr>
+        <p:spPr/>
+        <p:txBody>
+          <a:bodyPr/>
+          <a:p>
+            <a:r>
+              <a:rPr lang="zh-CN" altLang="zh-CN" sz="4000"/>
+              <a:t>莫比乌斯函数之和</a:t>
+            </a:r>
+            <a:endParaRPr lang="zh-CN" altLang="zh-CN" sz="4000"/>
+          </a:p>
+        </p:txBody>
+      </p:sp>
+      <p:sp>
+        <p:nvSpPr>
+          <p:cNvPr id="3" name="内容占位符 2"/>
+          <p:cNvSpPr>
+            <a:spLocks noGrp="1"/>
+          </p:cNvSpPr>
+          <p:nvPr>
+            <p:ph idx="1"/>
+          </p:nvPr>
+        </p:nvSpPr>
+        <p:spPr/>
+        <p:txBody>
+          <a:bodyPr/>
+          <a:p>
+            <a:r>
+              <a:rPr lang="zh-CN" altLang="en-US" sz="2400"/>
+              <a:t>求</a:t>
+            </a:r>
+            <a:endParaRPr lang="zh-CN" altLang="en-US" sz="2400"/>
+          </a:p>
+          <a:p>
+            <a:endParaRPr lang="zh-CN" altLang="en-US" sz="2400"/>
+          </a:p>
+          <a:p>
+            <a:r>
+              <a:rPr lang="zh-CN" altLang="en-US" sz="2400"/>
+              <a:t>我们熟知</a:t>
+            </a:r>
+            <a:r>
+              <a:rPr lang="en-US" altLang="zh-CN" sz="2400"/>
+              <a:t>	         </a:t>
+            </a:r>
+            <a:r>
+              <a:rPr lang="zh-CN" altLang="en-US" sz="2400"/>
+              <a:t>，故构造</a:t>
+            </a:r>
+            <a:r>
+              <a:rPr lang="en-US" altLang="zh-CN" sz="2400"/>
+              <a:t>		    </a:t>
+            </a:r>
+            <a:r>
+              <a:rPr lang="zh-CN" altLang="en-US" sz="2400"/>
+              <a:t>，</a:t>
+            </a:r>
+            <a:r>
+              <a:rPr lang="zh-CN" altLang="zh-CN" sz="2400"/>
+              <a:t>其前缀和是</a:t>
+            </a:r>
+            <a:r>
+              <a:rPr lang="en-US" altLang="zh-CN" sz="2400"/>
+              <a:t>1</a:t>
+            </a:r>
+            <a:endParaRPr lang="en-US" altLang="zh-CN" sz="2400"/>
+          </a:p>
+          <a:p>
+            <a:r>
+              <a:rPr lang="zh-CN" altLang="en-US" sz="2400"/>
+              <a:t>完美解决</a:t>
+            </a:r>
+            <a:endParaRPr lang="zh-CN" altLang="en-US" sz="2400"/>
+          </a:p>
+          <a:p>
+            <a:endParaRPr lang="zh-CN" altLang="en-US" sz="2400"/>
+          </a:p>
+          <a:p>
+            <a:r>
+              <a:rPr lang="zh-CN" altLang="en-US" sz="2400"/>
+              <a:t>两个板子和在一起就是</a:t>
+            </a:r>
+            <a:r>
+              <a:rPr lang="en-US" altLang="zh-CN" sz="2400"/>
+              <a:t>BZOJ3944</a:t>
+            </a:r>
+            <a:endParaRPr lang="en-US" altLang="zh-CN" sz="2400"/>
+          </a:p>
+        </p:txBody>
+      </p:sp>
+      <p:graphicFrame>
+        <p:nvGraphicFramePr>
+          <p:cNvPr id="4" name="对象 3">
+            <a:hlinkClick r:id="" action="ppaction://ole?verb="/>
+          </p:cNvPr>
+          <p:cNvGraphicFramePr>
+            <a:graphicFrameLocks noChangeAspect="1"/>
+          </p:cNvGraphicFramePr>
+          <p:nvPr/>
+        </p:nvGraphicFramePr>
+        <p:xfrm>
+          <a:off x="1405890" y="1562735"/>
+          <a:ext cx="2019300" cy="915035"/>
+        </p:xfrm>
+        <a:graphic>
+          <a:graphicData uri="http://schemas.openxmlformats.org/presentationml/2006/ole">
+            <mc:AlternateContent xmlns:mc="http://schemas.openxmlformats.org/markup-compatibility/2006">
+              <mc:Choice xmlns:v="urn:schemas-microsoft-com:vml" Requires="v">
+                <p:oleObj spid="_x0000_s5121" name="" r:id="rId1" imgW="952500" imgH="431800" progId="Equation.KSEE3">
+                  <p:embed/>
+                </p:oleObj>
+              </mc:Choice>
+              <mc:Fallback>
+                <p:oleObj name="" r:id="rId1" imgW="952500" imgH="431800" progId="Equation.KSEE3">
+                  <p:embed/>
+                  <p:pic>
+                    <p:nvPicPr>
+                      <p:cNvPr id="0" name="图片 5120"/>
+                      <p:cNvPicPr/>
+                      <p:nvPr/>
+                    </p:nvPicPr>
+                    <p:blipFill>
+                      <a:blip r:embed="rId2">
+                        <a:lum bright="100000"/>
+                      </a:blip>
+                      <a:stretch>
+                        <a:fillRect/>
+                      </a:stretch>
+                    </p:blipFill>
+                    <p:spPr>
+                      <a:xfrm>
+                        <a:off x="1405890" y="1562735"/>
+                        <a:ext cx="2019300" cy="915035"/>
+                      </a:xfrm>
+                      <a:prstGeom prst="rect">
+                        <a:avLst/>
+                      </a:prstGeom>
+                    </p:spPr>
+                  </p:pic>
+                </p:oleObj>
+              </mc:Fallback>
+            </mc:AlternateContent>
+          </a:graphicData>
+        </a:graphic>
+      </p:graphicFrame>
+      <p:graphicFrame>
+        <p:nvGraphicFramePr>
+          <p:cNvPr id="5" name="对象 4">
+            <a:hlinkClick r:id="" action="ppaction://ole?verb="/>
+          </p:cNvPr>
+          <p:cNvGraphicFramePr>
+            <a:graphicFrameLocks noChangeAspect="1"/>
+          </p:cNvGraphicFramePr>
+          <p:nvPr/>
+        </p:nvGraphicFramePr>
+        <p:xfrm>
+          <a:off x="2378075" y="2712085"/>
+          <a:ext cx="1120140" cy="426720"/>
+        </p:xfrm>
+        <a:graphic>
+          <a:graphicData uri="http://schemas.openxmlformats.org/presentationml/2006/ole">
+            <mc:AlternateContent xmlns:mc="http://schemas.openxmlformats.org/markup-compatibility/2006">
+              <mc:Choice xmlns:v="urn:schemas-microsoft-com:vml" Requires="v">
+                <p:oleObj spid="_x0000_s6145" name="" r:id="rId3" imgW="533400" imgH="203200" progId="Equation.KSEE3">
+                  <p:embed/>
+                </p:oleObj>
+              </mc:Choice>
+              <mc:Fallback>
+                <p:oleObj name="" r:id="rId3" imgW="533400" imgH="203200" progId="Equation.KSEE3">
+                  <p:embed/>
+                  <p:pic>
+                    <p:nvPicPr>
+                      <p:cNvPr id="0" name="图片 6144"/>
+                      <p:cNvPicPr/>
+                      <p:nvPr/>
+                    </p:nvPicPr>
+                    <p:blipFill>
+                      <a:blip r:embed="rId4">
+                        <a:lum bright="100000"/>
+                      </a:blip>
+                      <a:stretch>
+                        <a:fillRect/>
+                      </a:stretch>
+                    </p:blipFill>
+                    <p:spPr>
+                      <a:xfrm>
+                        <a:off x="2378075" y="2712085"/>
+                        <a:ext cx="1120140" cy="426720"/>
+                      </a:xfrm>
+                      <a:prstGeom prst="rect">
+                        <a:avLst/>
+                      </a:prstGeom>
+                    </p:spPr>
+                  </p:pic>
+                </p:oleObj>
+              </mc:Fallback>
+            </mc:AlternateContent>
+          </a:graphicData>
+        </a:graphic>
+      </p:graphicFrame>
+      <p:graphicFrame>
+        <p:nvGraphicFramePr>
+          <p:cNvPr id="6" name="对象 5">
+            <a:hlinkClick r:id="" action="ppaction://ole?verb="/>
+          </p:cNvPr>
+          <p:cNvGraphicFramePr>
+            <a:graphicFrameLocks noChangeAspect="1"/>
+          </p:cNvGraphicFramePr>
+          <p:nvPr/>
+        </p:nvGraphicFramePr>
+        <p:xfrm>
+          <a:off x="4721225" y="2736215"/>
+          <a:ext cx="1919605" cy="426720"/>
+        </p:xfrm>
+        <a:graphic>
+          <a:graphicData uri="http://schemas.openxmlformats.org/presentationml/2006/ole">
+            <mc:AlternateContent xmlns:mc="http://schemas.openxmlformats.org/markup-compatibility/2006">
+              <mc:Choice xmlns:v="urn:schemas-microsoft-com:vml" Requires="v">
+                <p:oleObj spid="_x0000_s6146" name="" r:id="rId5" imgW="914400" imgH="203200" progId="Equation.KSEE3">
+                  <p:embed/>
+                </p:oleObj>
+              </mc:Choice>
+              <mc:Fallback>
+                <p:oleObj name="" r:id="rId5" imgW="914400" imgH="203200" progId="Equation.KSEE3">
+                  <p:embed/>
+                  <p:pic>
+                    <p:nvPicPr>
+                      <p:cNvPr id="0" name="图片 6145"/>
+                      <p:cNvPicPr/>
+                      <p:nvPr/>
+                    </p:nvPicPr>
+                    <p:blipFill>
+                      <a:blip r:embed="rId6">
+                        <a:lum bright="100000"/>
+                      </a:blip>
+                      <a:stretch>
+                        <a:fillRect/>
+                      </a:stretch>
+                    </p:blipFill>
+                    <p:spPr>
+                      <a:xfrm>
+                        <a:off x="4721225" y="2736215"/>
+                        <a:ext cx="1919605" cy="426720"/>
+                      </a:xfrm>
+                      <a:prstGeom prst="rect">
+                        <a:avLst/>
+                      </a:prstGeom>
+                    </p:spPr>
+                  </p:pic>
+                </p:oleObj>
+              </mc:Fallback>
+            </mc:AlternateContent>
+          </a:graphicData>
+        </a:graphic>
+      </p:graphicFrame>
+    </p:spTree>
+    <p:custDataLst>
+      <p:tags r:id="rId7"/>
+    </p:custDataLst>
+  </p:cSld>
+  <p:clrMapOvr>
+    <a:masterClrMapping/>
+  </p:clrMapOvr>
+</p:sld>
+</file>
+
+<file path=ppt/slides/slide72.xml><?xml version="1.0" encoding="utf-8"?>
+<p:sld xmlns:a="http://schemas.openxmlformats.org/drawingml/2006/main" xmlns:r="http://schemas.openxmlformats.org/officeDocument/2006/relationships" xmlns:p="http://schemas.openxmlformats.org/presentationml/2006/main">
+  <p:cSld>
+    <p:spTree>
+      <p:nvGrpSpPr>
+        <p:cNvPr id="1" name=""/>
+        <p:cNvGrpSpPr/>
+        <p:nvPr/>
+      </p:nvGrpSpPr>
+      <p:grpSpPr/>
+      <p:sp>
+        <p:nvSpPr>
+          <p:cNvPr id="2" name="标题 1"/>
+          <p:cNvSpPr>
+            <a:spLocks noGrp="1"/>
+          </p:cNvSpPr>
+          <p:nvPr>
+            <p:ph type="title"/>
+          </p:nvPr>
+        </p:nvSpPr>
+        <p:spPr/>
+        <p:txBody>
+          <a:bodyPr/>
+          <a:p>
+            <a:r>
+              <a:rPr lang="en-US" altLang="zh-CN" sz="4000"/>
+              <a:t>BZOJ</a:t>
+            </a:r>
+            <a:r>
+              <a:rPr lang="zh-CN" altLang="en-US" sz="4000"/>
+              <a:t>4916   神犇和蒟蒻</a:t>
+            </a:r>
+            <a:endParaRPr lang="zh-CN" altLang="en-US" sz="4000"/>
+          </a:p>
+        </p:txBody>
+      </p:sp>
+      <p:sp>
+        <p:nvSpPr>
+          <p:cNvPr id="3" name="内容占位符 2"/>
+          <p:cNvSpPr>
+            <a:spLocks noGrp="1"/>
+          </p:cNvSpPr>
+          <p:nvPr>
+            <p:ph idx="1"/>
+          </p:nvPr>
+        </p:nvSpPr>
+        <p:spPr/>
+        <p:txBody>
+          <a:bodyPr/>
+          <a:p>
+            <a:r>
+              <a:rPr lang="zh-CN" altLang="zh-CN" sz="2400"/>
+              <a:t>题目大意：</a:t>
+            </a:r>
+            <a:endParaRPr lang="zh-CN" altLang="zh-CN" sz="2400"/>
+          </a:p>
+          <a:p>
+            <a:endParaRPr lang="zh-CN" altLang="zh-CN" sz="2400"/>
+          </a:p>
+          <a:p>
+            <a:r>
+              <a:rPr lang="zh-CN" altLang="zh-CN" sz="2400"/>
+              <a:t>求</a:t>
+            </a:r>
+            <a:r>
+              <a:rPr lang="en-US" altLang="zh-CN" sz="2400"/>
+              <a:t>		</a:t>
+            </a:r>
+            <a:r>
+              <a:rPr lang="zh-CN" altLang="en-US" sz="2400"/>
+              <a:t>和</a:t>
+            </a:r>
+            <a:endParaRPr lang="zh-CN" altLang="en-US" sz="2400"/>
+          </a:p>
+          <a:p>
+            <a:endParaRPr lang="zh-CN" altLang="en-US" sz="2400"/>
+          </a:p>
+          <a:p>
+            <a:r>
+              <a:rPr lang="zh-CN" altLang="en-US" sz="2400"/>
+              <a:t>数据范围：</a:t>
+            </a:r>
+            <a:endParaRPr lang="zh-CN" altLang="en-US" sz="2400"/>
+          </a:p>
+        </p:txBody>
+      </p:sp>
+      <p:graphicFrame>
+        <p:nvGraphicFramePr>
+          <p:cNvPr id="4" name="对象 3">
+            <a:hlinkClick r:id="" action="ppaction://ole?verb="/>
+          </p:cNvPr>
+          <p:cNvGraphicFramePr>
+            <a:graphicFrameLocks noChangeAspect="1"/>
+          </p:cNvGraphicFramePr>
+          <p:nvPr/>
+        </p:nvGraphicFramePr>
+        <p:xfrm>
+          <a:off x="1478915" y="2460625"/>
+          <a:ext cx="1217930" cy="964565"/>
+        </p:xfrm>
+        <a:graphic>
+          <a:graphicData uri="http://schemas.openxmlformats.org/presentationml/2006/ole">
+            <mc:AlternateContent xmlns:mc="http://schemas.openxmlformats.org/markup-compatibility/2006">
+              <mc:Choice xmlns:v="urn:schemas-microsoft-com:vml" Requires="v">
+                <p:oleObj spid="_x0000_s1025" name="" r:id="rId1" imgW="545465" imgH="431800" progId="Equation.KSEE3">
+                  <p:embed/>
+                </p:oleObj>
+              </mc:Choice>
+              <mc:Fallback>
+                <p:oleObj name="" r:id="rId1" imgW="545465" imgH="431800" progId="Equation.KSEE3">
+                  <p:embed/>
+                  <p:pic>
+                    <p:nvPicPr>
+                      <p:cNvPr id="0" name="图片 1024"/>
+                      <p:cNvPicPr/>
+                      <p:nvPr/>
+                    </p:nvPicPr>
+                    <p:blipFill>
+                      <a:blip r:embed="rId2">
+                        <a:lum bright="100000"/>
+                      </a:blip>
+                      <a:stretch>
+                        <a:fillRect/>
+                      </a:stretch>
+                    </p:blipFill>
+                    <p:spPr>
+                      <a:xfrm>
+                        <a:off x="1478915" y="2460625"/>
+                        <a:ext cx="1217930" cy="964565"/>
+                      </a:xfrm>
+                      <a:prstGeom prst="rect">
+                        <a:avLst/>
+                      </a:prstGeom>
+                    </p:spPr>
+                  </p:pic>
+                </p:oleObj>
+              </mc:Fallback>
+            </mc:AlternateContent>
+          </a:graphicData>
+        </a:graphic>
+      </p:graphicFrame>
+      <p:graphicFrame>
+        <p:nvGraphicFramePr>
+          <p:cNvPr id="5" name="对象 4">
+            <a:hlinkClick r:id="" action="ppaction://ole?verb="/>
+          </p:cNvPr>
+          <p:cNvGraphicFramePr>
+            <a:graphicFrameLocks noChangeAspect="1"/>
+          </p:cNvGraphicFramePr>
+          <p:nvPr/>
+        </p:nvGraphicFramePr>
+        <p:xfrm>
+          <a:off x="3053080" y="2448560"/>
+          <a:ext cx="1217930" cy="964565"/>
+        </p:xfrm>
+        <a:graphic>
+          <a:graphicData uri="http://schemas.openxmlformats.org/presentationml/2006/ole">
+            <mc:AlternateContent xmlns:mc="http://schemas.openxmlformats.org/markup-compatibility/2006">
+              <mc:Choice xmlns:v="urn:schemas-microsoft-com:vml" Requires="v">
+                <p:oleObj spid="_x0000_s6" name="" r:id="rId3" imgW="545465" imgH="431800" progId="Equation.KSEE3">
+                  <p:embed/>
+                </p:oleObj>
+              </mc:Choice>
+              <mc:Fallback>
+                <p:oleObj name="" r:id="rId3" imgW="545465" imgH="431800" progId="Equation.KSEE3">
+                  <p:embed/>
+                  <p:pic>
+                    <p:nvPicPr>
+                      <p:cNvPr id="0" name="图片 1024"/>
+                      <p:cNvPicPr/>
+                      <p:nvPr/>
+                    </p:nvPicPr>
+                    <p:blipFill>
+                      <a:blip r:embed="rId4">
+                        <a:lum bright="100000"/>
+                      </a:blip>
+                      <a:stretch>
+                        <a:fillRect/>
+                      </a:stretch>
+                    </p:blipFill>
+                    <p:spPr>
+                      <a:xfrm>
+                        <a:off x="3053080" y="2448560"/>
+                        <a:ext cx="1217930" cy="964565"/>
+                      </a:xfrm>
+                      <a:prstGeom prst="rect">
+                        <a:avLst/>
+                      </a:prstGeom>
+                    </p:spPr>
+                  </p:pic>
+                </p:oleObj>
+              </mc:Fallback>
+            </mc:AlternateContent>
+          </a:graphicData>
+        </a:graphic>
+      </p:graphicFrame>
+      <p:graphicFrame>
+        <p:nvGraphicFramePr>
+          <p:cNvPr id="7" name="对象 6">
+            <a:hlinkClick r:id="" action="ppaction://ole?verb="/>
+          </p:cNvPr>
+          <p:cNvGraphicFramePr>
+            <a:graphicFrameLocks noChangeAspect="1"/>
+          </p:cNvGraphicFramePr>
+          <p:nvPr/>
+        </p:nvGraphicFramePr>
+        <p:xfrm>
+          <a:off x="2522220" y="3590925"/>
+          <a:ext cx="931545" cy="414655"/>
+        </p:xfrm>
+        <a:graphic>
+          <a:graphicData uri="http://schemas.openxmlformats.org/presentationml/2006/ole">
+            <mc:AlternateContent xmlns:mc="http://schemas.openxmlformats.org/markup-compatibility/2006">
+              <mc:Choice xmlns:v="urn:schemas-microsoft-com:vml" Requires="v">
+                <p:oleObj spid="_x0000_s1026" name="" r:id="rId5" imgW="457200" imgH="203200" progId="Equation.KSEE3">
+                  <p:embed/>
+                </p:oleObj>
+              </mc:Choice>
+              <mc:Fallback>
+                <p:oleObj name="" r:id="rId5" imgW="457200" imgH="203200" progId="Equation.KSEE3">
+                  <p:embed/>
+                  <p:pic>
+                    <p:nvPicPr>
+                      <p:cNvPr id="0" name="图片 1025"/>
+                      <p:cNvPicPr/>
+                      <p:nvPr/>
+                    </p:nvPicPr>
+                    <p:blipFill>
+                      <a:blip r:embed="rId6">
+                        <a:lum bright="100000"/>
+                      </a:blip>
+                      <a:stretch>
+                        <a:fillRect/>
+                      </a:stretch>
+                    </p:blipFill>
+                    <p:spPr>
+                      <a:xfrm>
+                        <a:off x="2522220" y="3590925"/>
+                        <a:ext cx="931545" cy="414655"/>
+                      </a:xfrm>
+                      <a:prstGeom prst="rect">
+                        <a:avLst/>
+                      </a:prstGeom>
+                    </p:spPr>
+                  </p:pic>
+                </p:oleObj>
+              </mc:Fallback>
+            </mc:AlternateContent>
+          </a:graphicData>
+        </a:graphic>
+      </p:graphicFrame>
+    </p:spTree>
+    <p:custDataLst>
+      <p:tags r:id="rId7"/>
+    </p:custDataLst>
+  </p:cSld>
+  <p:clrMapOvr>
+    <a:masterClrMapping/>
+  </p:clrMapOvr>
+</p:sld>
+</file>
+
+<file path=ppt/slides/slide73.xml><?xml version="1.0" encoding="utf-8"?>
+<p:sld xmlns:a="http://schemas.openxmlformats.org/drawingml/2006/main" xmlns:r="http://schemas.openxmlformats.org/officeDocument/2006/relationships" xmlns:p="http://schemas.openxmlformats.org/presentationml/2006/main">
+  <p:cSld>
+    <p:spTree>
+      <p:nvGrpSpPr>
+        <p:cNvPr id="1" name=""/>
+        <p:cNvGrpSpPr/>
+        <p:nvPr/>
+      </p:nvGrpSpPr>
+      <p:grpSpPr/>
+      <p:sp>
+        <p:nvSpPr>
+          <p:cNvPr id="2" name="标题 1"/>
+          <p:cNvSpPr>
+            <a:spLocks noGrp="1"/>
+          </p:cNvSpPr>
+          <p:nvPr>
+            <p:ph type="title"/>
+          </p:nvPr>
+        </p:nvSpPr>
+        <p:spPr/>
+        <p:txBody>
+          <a:bodyPr/>
+          <a:p>
+            <a:r>
+              <a:rPr lang="en-US" altLang="zh-CN" sz="4000">
+                <a:sym typeface="+mn-ea"/>
+              </a:rPr>
+              <a:t>BZOJ</a:t>
+            </a:r>
+            <a:r>
+              <a:rPr lang="zh-CN" altLang="en-US" sz="4000">
+                <a:sym typeface="+mn-ea"/>
+              </a:rPr>
+              <a:t>4916   神犇和蒟蒻</a:t>
+            </a:r>
+            <a:endParaRPr lang="zh-CN" altLang="en-US" sz="4000">
+              <a:sym typeface="+mn-ea"/>
+            </a:endParaRPr>
+          </a:p>
+        </p:txBody>
+      </p:sp>
+      <p:sp>
+        <p:nvSpPr>
+          <p:cNvPr id="3" name="内容占位符 2"/>
+          <p:cNvSpPr>
+            <a:spLocks noGrp="1"/>
+          </p:cNvSpPr>
+          <p:nvPr>
+            <p:ph idx="1"/>
+          </p:nvPr>
+        </p:nvSpPr>
+        <p:spPr/>
+        <p:txBody>
+          <a:bodyPr/>
+          <a:p>
+            <a:r>
+              <a:rPr lang="zh-CN" altLang="en-US" sz="2400"/>
+              <a:t>第一问是逗你玩的，</a:t>
+            </a:r>
+            <a:endParaRPr lang="zh-CN" altLang="en-US" sz="2400"/>
+          </a:p>
+          <a:p>
+            <a:endParaRPr lang="zh-CN" altLang="en-US" sz="2400"/>
+          </a:p>
+          <a:p>
+            <a:r>
+              <a:rPr lang="zh-CN" altLang="en-US" sz="2400"/>
+              <a:t>第二问：根据欧拉函数的定义</a:t>
+            </a:r>
+            <a:endParaRPr lang="zh-CN" altLang="en-US" sz="2400"/>
+          </a:p>
+          <a:p>
+            <a:endParaRPr lang="zh-CN" altLang="en-US" sz="2400"/>
+          </a:p>
+          <a:p>
+            <a:endParaRPr lang="zh-CN" altLang="en-US" sz="2400"/>
+          </a:p>
+          <a:p>
+            <a:r>
+              <a:rPr lang="zh-CN" altLang="en-US" sz="2400"/>
+              <a:t>所以</a:t>
+            </a:r>
+            <a:endParaRPr lang="zh-CN" altLang="en-US" sz="2400"/>
+          </a:p>
+          <a:p>
+            <a:endParaRPr lang="zh-CN" altLang="en-US" sz="2400"/>
+          </a:p>
+          <a:p>
+            <a:r>
+              <a:rPr lang="zh-CN" altLang="en-US" sz="2400"/>
+              <a:t>问题解决</a:t>
+            </a:r>
+            <a:endParaRPr lang="zh-CN" altLang="en-US" sz="2400"/>
+          </a:p>
+        </p:txBody>
+      </p:sp>
+      <p:graphicFrame>
+        <p:nvGraphicFramePr>
+          <p:cNvPr id="5" name="对象 4">
+            <a:hlinkClick r:id="" action="ppaction://ole?verb="/>
+          </p:cNvPr>
+          <p:cNvGraphicFramePr>
+            <a:graphicFrameLocks noChangeAspect="1"/>
+          </p:cNvGraphicFramePr>
+          <p:nvPr/>
+        </p:nvGraphicFramePr>
+        <p:xfrm>
+          <a:off x="3731578" y="1520190"/>
+          <a:ext cx="1673225" cy="964565"/>
+        </p:xfrm>
+        <a:graphic>
+          <a:graphicData uri="http://schemas.openxmlformats.org/presentationml/2006/ole">
+            <mc:AlternateContent xmlns:mc="http://schemas.openxmlformats.org/markup-compatibility/2006">
+              <mc:Choice xmlns:v="urn:schemas-microsoft-com:vml" Requires="v">
+                <p:oleObj spid="_x0000_s1025" name="" r:id="rId1" imgW="749300" imgH="431800" progId="Equation.KSEE3">
+                  <p:embed/>
+                </p:oleObj>
+              </mc:Choice>
+              <mc:Fallback>
+                <p:oleObj name="" r:id="rId1" imgW="749300" imgH="431800" progId="Equation.KSEE3">
+                  <p:embed/>
+                  <p:pic>
+                    <p:nvPicPr>
+                      <p:cNvPr id="0" name="图片 1024"/>
+                      <p:cNvPicPr/>
+                      <p:nvPr/>
+                    </p:nvPicPr>
+                    <p:blipFill>
+                      <a:blip r:embed="rId2">
+                        <a:lum bright="100000"/>
+                      </a:blip>
+                      <a:stretch>
+                        <a:fillRect/>
+                      </a:stretch>
+                    </p:blipFill>
+                    <p:spPr>
+                      <a:xfrm>
+                        <a:off x="3731578" y="1520190"/>
+                        <a:ext cx="1673225" cy="964565"/>
+                      </a:xfrm>
+                      <a:prstGeom prst="rect">
+                        <a:avLst/>
+                      </a:prstGeom>
+                    </p:spPr>
+                  </p:pic>
+                </p:oleObj>
+              </mc:Fallback>
+            </mc:AlternateContent>
+          </a:graphicData>
+        </a:graphic>
+      </p:graphicFrame>
+      <p:graphicFrame>
+        <p:nvGraphicFramePr>
+          <p:cNvPr id="6" name="对象 5">
+            <a:hlinkClick r:id="" action="ppaction://ole?verb="/>
+          </p:cNvPr>
+          <p:cNvGraphicFramePr>
+            <a:graphicFrameLocks noChangeAspect="1"/>
+          </p:cNvGraphicFramePr>
+          <p:nvPr/>
+        </p:nvGraphicFramePr>
+        <p:xfrm>
+          <a:off x="5210810" y="2132330"/>
+          <a:ext cx="4864735" cy="1778635"/>
+        </p:xfrm>
+        <a:graphic>
+          <a:graphicData uri="http://schemas.openxmlformats.org/presentationml/2006/ole">
+            <mc:AlternateContent xmlns:mc="http://schemas.openxmlformats.org/markup-compatibility/2006">
+              <mc:Choice xmlns:v="urn:schemas-microsoft-com:vml" Requires="v">
+                <p:oleObj spid="_x0000_s2050" name="" r:id="rId3" imgW="2501900" imgH="914400" progId="Equation.KSEE3">
+                  <p:embed/>
+                </p:oleObj>
+              </mc:Choice>
+              <mc:Fallback>
+                <p:oleObj name="" r:id="rId3" imgW="2501900" imgH="914400" progId="Equation.KSEE3">
+                  <p:embed/>
+                  <p:pic>
+                    <p:nvPicPr>
+                      <p:cNvPr id="0" name="图片 2049"/>
+                      <p:cNvPicPr/>
+                      <p:nvPr/>
+                    </p:nvPicPr>
+                    <p:blipFill>
+                      <a:blip r:embed="rId4">
+                        <a:lum bright="100000"/>
+                      </a:blip>
+                      <a:stretch>
+                        <a:fillRect/>
+                      </a:stretch>
+                    </p:blipFill>
+                    <p:spPr>
+                      <a:xfrm>
+                        <a:off x="5210810" y="2132330"/>
+                        <a:ext cx="4864735" cy="1778635"/>
+                      </a:xfrm>
+                      <a:prstGeom prst="rect">
+                        <a:avLst/>
+                      </a:prstGeom>
+                    </p:spPr>
+                  </p:pic>
+                </p:oleObj>
+              </mc:Fallback>
+            </mc:AlternateContent>
+          </a:graphicData>
+        </a:graphic>
+      </p:graphicFrame>
+      <p:graphicFrame>
+        <p:nvGraphicFramePr>
+          <p:cNvPr id="7" name="对象 6">
+            <a:hlinkClick r:id="" action="ppaction://ole?verb="/>
+          </p:cNvPr>
+          <p:cNvGraphicFramePr>
+            <a:graphicFrameLocks noChangeAspect="1"/>
+          </p:cNvGraphicFramePr>
+          <p:nvPr/>
+        </p:nvGraphicFramePr>
+        <p:xfrm>
+          <a:off x="1747203" y="3898583"/>
+          <a:ext cx="4868545" cy="828040"/>
+        </p:xfrm>
+        <a:graphic>
+          <a:graphicData uri="http://schemas.openxmlformats.org/presentationml/2006/ole">
+            <mc:AlternateContent xmlns:mc="http://schemas.openxmlformats.org/markup-compatibility/2006">
+              <mc:Choice xmlns:v="urn:schemas-microsoft-com:vml" Requires="v">
+                <p:oleObj spid="_x0000_s2051" name="" r:id="rId5" imgW="2540000" imgH="431800" progId="Equation.KSEE3">
+                  <p:embed/>
+                </p:oleObj>
+              </mc:Choice>
+              <mc:Fallback>
+                <p:oleObj name="" r:id="rId5" imgW="2540000" imgH="431800" progId="Equation.KSEE3">
+                  <p:embed/>
+                  <p:pic>
+                    <p:nvPicPr>
+                      <p:cNvPr id="0" name="图片 2050"/>
+                      <p:cNvPicPr/>
+                      <p:nvPr/>
+                    </p:nvPicPr>
+                    <p:blipFill>
+                      <a:blip r:embed="rId6">
+                        <a:lum bright="100000"/>
+                      </a:blip>
+                      <a:stretch>
+                        <a:fillRect/>
+                      </a:stretch>
+                    </p:blipFill>
+                    <p:spPr>
+                      <a:xfrm>
+                        <a:off x="1747203" y="3898583"/>
+                        <a:ext cx="4868545" cy="828040"/>
+                      </a:xfrm>
+                      <a:prstGeom prst="rect">
+                        <a:avLst/>
+                      </a:prstGeom>
+                    </p:spPr>
+                  </p:pic>
+                </p:oleObj>
+              </mc:Fallback>
+            </mc:AlternateContent>
+          </a:graphicData>
+        </a:graphic>
+      </p:graphicFrame>
+    </p:spTree>
+    <p:custDataLst>
+      <p:tags r:id="rId7"/>
+    </p:custDataLst>
+  </p:cSld>
+  <p:clrMapOvr>
+    <a:masterClrMapping/>
+  </p:clrMapOvr>
+</p:sld>
+</file>
+
+<file path=ppt/slides/slide74.xml><?xml version="1.0" encoding="utf-8"?>
+<p:sld xmlns:a="http://schemas.openxmlformats.org/drawingml/2006/main" xmlns:r="http://schemas.openxmlformats.org/officeDocument/2006/relationships" xmlns:p="http://schemas.openxmlformats.org/presentationml/2006/main">
+  <p:cSld>
+    <p:spTree>
+      <p:nvGrpSpPr>
+        <p:cNvPr id="1" name=""/>
+        <p:cNvGrpSpPr/>
+        <p:nvPr/>
+      </p:nvGrpSpPr>
+      <p:grpSpPr/>
+      <p:sp>
+        <p:nvSpPr>
+          <p:cNvPr id="2" name="标题 1"/>
+          <p:cNvSpPr>
+            <a:spLocks noGrp="1"/>
+          </p:cNvSpPr>
+          <p:nvPr>
+            <p:ph type="title"/>
+          </p:nvPr>
+        </p:nvSpPr>
+        <p:spPr/>
+        <p:txBody>
+          <a:bodyPr/>
+          <a:p>
+            <a:r>
+              <a:rPr lang="zh-CN" altLang="en-US">
+                <a:sym typeface="+mn-ea"/>
+              </a:rPr>
+              <a:t>练习题目</a:t>
+            </a:r>
+            <a:endParaRPr lang="zh-CN" altLang="en-US"/>
+          </a:p>
+        </p:txBody>
+      </p:sp>
+      <p:sp>
+        <p:nvSpPr>
+          <p:cNvPr id="3" name="内容占位符 2"/>
+          <p:cNvSpPr>
+            <a:spLocks noGrp="1"/>
+          </p:cNvSpPr>
+          <p:nvPr>
+            <p:ph idx="1"/>
+          </p:nvPr>
+        </p:nvSpPr>
+        <p:spPr/>
+        <p:txBody>
+          <a:bodyPr/>
+          <a:p>
+            <a:r>
+              <a:rPr lang="zh-CN" altLang="zh-CN">
+                <a:solidFill>
+                  <a:srgbClr val="92D050"/>
+                </a:solidFill>
+                <a:sym typeface="+mn-ea"/>
+              </a:rPr>
+              <a:t>【</a:t>
+            </a:r>
+            <a:r>
+              <a:rPr lang="en-US" altLang="zh-CN">
+                <a:solidFill>
+                  <a:srgbClr val="92D050"/>
+                </a:solidFill>
+                <a:sym typeface="+mn-ea"/>
+              </a:rPr>
+              <a:t>BZOJ</a:t>
+            </a:r>
+            <a:r>
+              <a:rPr lang="zh-CN" altLang="zh-CN">
+                <a:solidFill>
+                  <a:srgbClr val="92D050"/>
+                </a:solidFill>
+                <a:sym typeface="+mn-ea"/>
+              </a:rPr>
+              <a:t>4804】欧拉心算</a:t>
+            </a:r>
+            <a:endParaRPr lang="zh-CN" altLang="zh-CN">
+              <a:solidFill>
+                <a:srgbClr val="92D050"/>
+              </a:solidFill>
+              <a:sym typeface="+mn-ea"/>
+            </a:endParaRPr>
+          </a:p>
+          <a:p>
+            <a:r>
+              <a:rPr lang="zh-CN" altLang="zh-CN">
+                <a:solidFill>
+                  <a:srgbClr val="00B0F0"/>
+                </a:solidFill>
+                <a:sym typeface="+mn-ea"/>
+              </a:rPr>
+              <a:t>【</a:t>
+            </a:r>
+            <a:r>
+              <a:rPr lang="en-US" altLang="zh-CN">
+                <a:solidFill>
+                  <a:srgbClr val="00B0F0"/>
+                </a:solidFill>
+                <a:sym typeface="+mn-ea"/>
+              </a:rPr>
+              <a:t>BZOJ3601</a:t>
+            </a:r>
+            <a:r>
+              <a:rPr lang="zh-CN" altLang="zh-CN">
+                <a:solidFill>
+                  <a:srgbClr val="00B0F0"/>
+                </a:solidFill>
+                <a:sym typeface="+mn-ea"/>
+              </a:rPr>
+              <a:t>】一个人的数论（配合高斯消元）</a:t>
+            </a:r>
+            <a:endParaRPr lang="zh-CN" altLang="zh-CN">
+              <a:solidFill>
+                <a:srgbClr val="00B0F0"/>
+              </a:solidFill>
+              <a:sym typeface="+mn-ea"/>
+            </a:endParaRPr>
+          </a:p>
+          <a:p>
+            <a:r>
+              <a:rPr lang="zh-CN" altLang="en-US">
+                <a:solidFill>
+                  <a:srgbClr val="00B0F0"/>
+                </a:solidFill>
+                <a:sym typeface="+mn-ea"/>
+              </a:rPr>
+              <a:t>【</a:t>
+            </a:r>
+            <a:r>
+              <a:rPr lang="en-US" altLang="zh-CN">
+                <a:solidFill>
+                  <a:srgbClr val="00B0F0"/>
+                </a:solidFill>
+                <a:sym typeface="+mn-ea"/>
+              </a:rPr>
+              <a:t>BZOJ</a:t>
+            </a:r>
+            <a:r>
+              <a:rPr lang="zh-CN" altLang="en-US">
+                <a:solidFill>
+                  <a:srgbClr val="00B0F0"/>
+                </a:solidFill>
+                <a:sym typeface="+mn-ea"/>
+              </a:rPr>
+              <a:t>4176】Lucas的数论（杜教筛）</a:t>
+            </a:r>
+            <a:endParaRPr lang="zh-CN" altLang="en-US">
+              <a:solidFill>
+                <a:srgbClr val="00B0F0"/>
+              </a:solidFill>
+              <a:sym typeface="+mn-ea"/>
+            </a:endParaRPr>
+          </a:p>
+          <a:p>
+            <a:r>
+              <a:rPr lang="zh-CN" altLang="zh-CN">
+                <a:solidFill>
+                  <a:srgbClr val="DB6CE9"/>
+                </a:solidFill>
+                <a:sym typeface="+mn-ea"/>
+              </a:rPr>
+              <a:t>【</a:t>
+            </a:r>
+            <a:r>
+              <a:rPr lang="en-US" altLang="zh-CN">
+                <a:solidFill>
+                  <a:srgbClr val="DB6CE9"/>
+                </a:solidFill>
+                <a:sym typeface="+mn-ea"/>
+              </a:rPr>
+              <a:t>BZOJ4174</a:t>
+            </a:r>
+            <a:r>
+              <a:rPr lang="zh-CN" altLang="zh-CN">
+                <a:solidFill>
+                  <a:srgbClr val="DB6CE9"/>
+                </a:solidFill>
+                <a:sym typeface="+mn-ea"/>
+              </a:rPr>
+              <a:t>】tty的求助</a:t>
+            </a:r>
+            <a:endParaRPr lang="zh-CN" altLang="zh-CN">
+              <a:solidFill>
+                <a:srgbClr val="DB6CE9"/>
+              </a:solidFill>
+              <a:sym typeface="+mn-ea"/>
+            </a:endParaRPr>
+          </a:p>
+          <a:p>
+            <a:r>
+              <a:rPr lang="zh-CN" altLang="zh-CN">
+                <a:solidFill>
+                  <a:srgbClr val="DB6CE9"/>
+                </a:solidFill>
+                <a:sym typeface="+mn-ea"/>
+              </a:rPr>
+              <a:t>【</a:t>
+            </a:r>
+            <a:r>
+              <a:rPr lang="en-US" altLang="zh-CN">
+                <a:solidFill>
+                  <a:srgbClr val="DB6CE9"/>
+                </a:solidFill>
+                <a:sym typeface="+mn-ea"/>
+              </a:rPr>
+              <a:t>BZOJ3025</a:t>
+            </a:r>
+            <a:r>
+              <a:rPr lang="zh-CN" altLang="zh-CN">
+                <a:solidFill>
+                  <a:srgbClr val="DB6CE9"/>
+                </a:solidFill>
+                <a:sym typeface="+mn-ea"/>
+              </a:rPr>
+              <a:t>】Farey数列（精度巨坑）</a:t>
+            </a:r>
+            <a:endParaRPr lang="zh-CN" altLang="zh-CN">
+              <a:solidFill>
+                <a:srgbClr val="DB6CE9"/>
+              </a:solidFill>
+              <a:sym typeface="+mn-ea"/>
+            </a:endParaRPr>
+          </a:p>
+          <a:p>
+            <a:r>
+              <a:rPr lang="zh-CN" altLang="en-US">
+                <a:solidFill>
+                  <a:srgbClr val="DB6CE9"/>
+                </a:solidFill>
+                <a:sym typeface="+mn-ea"/>
+              </a:rPr>
+              <a:t>【AOJ#166】等比数列计数（下底分块优化）</a:t>
+            </a:r>
+            <a:endParaRPr lang="zh-CN" altLang="en-US">
+              <a:solidFill>
+                <a:srgbClr val="DB6CE9"/>
+              </a:solidFill>
+              <a:sym typeface="+mn-ea"/>
+            </a:endParaRPr>
+          </a:p>
+          <a:p>
+            <a:r>
+              <a:rPr lang="en-US" altLang="zh-CN">
+                <a:solidFill>
+                  <a:srgbClr val="FFC000"/>
+                </a:solidFill>
+                <a:sym typeface="+mn-ea"/>
+              </a:rPr>
+              <a:t>【LOJ#6052】DIV</a:t>
+            </a:r>
+            <a:r>
+              <a:rPr lang="zh-CN" altLang="en-US">
+                <a:solidFill>
+                  <a:srgbClr val="FFC000"/>
+                </a:solidFill>
+                <a:sym typeface="+mn-ea"/>
+              </a:rPr>
+              <a:t>（结合</a:t>
+            </a:r>
+            <a:r>
+              <a:rPr lang="zh-CN" altLang="zh-CN">
+                <a:solidFill>
+                  <a:srgbClr val="FFC000"/>
+                </a:solidFill>
+                <a:sym typeface="+mn-ea"/>
+              </a:rPr>
+              <a:t>复数知识）</a:t>
+            </a:r>
+            <a:endParaRPr lang="zh-CN" altLang="zh-CN"/>
+          </a:p>
+          <a:p>
+            <a:pPr marL="228600" indent="-228600" algn="just">
+              <a:lnSpc>
+                <a:spcPct val="120000"/>
+              </a:lnSpc>
+              <a:spcBef>
+                <a:spcPts val="0"/>
+              </a:spcBef>
+              <a:buSzTx/>
+              <a:buFont typeface="Arial" panose="020B0604020202020204" pitchFamily="34" charset="0"/>
+              <a:buChar char="•"/>
+            </a:pPr>
+            <a:r>
+              <a:rPr lang="zh-CN" altLang="en-US">
+                <a:solidFill>
+                  <a:srgbClr val="FFC000"/>
+                </a:solidFill>
+                <a:sym typeface="+mn-ea"/>
+              </a:rPr>
+              <a:t>【LOJ#509】动态几何问题（</a:t>
+            </a:r>
+            <a:r>
+              <a:rPr lang="zh-CN" altLang="zh-CN">
+                <a:solidFill>
+                  <a:srgbClr val="FFC000"/>
+                </a:solidFill>
+                <a:sym typeface="+mn-ea"/>
+              </a:rPr>
+              <a:t>卡常毒瘤）</a:t>
+            </a:r>
+            <a:endParaRPr lang="zh-CN" altLang="zh-CN">
+              <a:solidFill>
+                <a:srgbClr val="FFC000"/>
+              </a:solidFill>
+              <a:sym typeface="+mn-ea"/>
+            </a:endParaRPr>
+          </a:p>
+          <a:p>
+            <a:pPr marL="228600" indent="-228600" algn="just">
+              <a:lnSpc>
+                <a:spcPct val="120000"/>
+              </a:lnSpc>
+              <a:spcBef>
+                <a:spcPts val="0"/>
+              </a:spcBef>
+              <a:buSzTx/>
+              <a:buFont typeface="Arial" panose="020B0604020202020204" pitchFamily="34" charset="0"/>
+              <a:buChar char="•"/>
+            </a:pPr>
+            <a:r>
+              <a:rPr lang="zh-CN" altLang="zh-CN">
+                <a:solidFill>
+                  <a:srgbClr val="FFFF00"/>
+                </a:solidFill>
+                <a:sym typeface="+mn-ea"/>
+              </a:rPr>
+              <a:t>【</a:t>
+            </a:r>
+            <a:r>
+              <a:rPr lang="en-US" altLang="zh-CN">
+                <a:solidFill>
+                  <a:srgbClr val="FFFF00"/>
+                </a:solidFill>
+                <a:sym typeface="+mn-ea"/>
+              </a:rPr>
+              <a:t>WC2014</a:t>
+            </a:r>
+            <a:r>
+              <a:rPr lang="zh-CN" altLang="zh-CN">
+                <a:solidFill>
+                  <a:srgbClr val="FFFF00"/>
+                </a:solidFill>
+                <a:sym typeface="+mn-ea"/>
+              </a:rPr>
+              <a:t>】时空穿梭（推完之后整个人都莫比乌斯反演了）</a:t>
+            </a:r>
+            <a:endParaRPr lang="zh-CN" altLang="en-US"/>
+          </a:p>
+        </p:txBody>
+      </p:sp>
+    </p:spTree>
+    <p:custDataLst>
+      <p:tags r:id="rId1"/>
+    </p:custDataLst>
+  </p:cSld>
+  <p:clrMapOvr>
+    <a:masterClrMapping/>
+  </p:clrMapOvr>
+</p:sld>
+</file>
+
+<file path=ppt/slides/slide75.xml><?xml version="1.0" encoding="utf-8"?>
 <p:sld xmlns:a="http://schemas.openxmlformats.org/drawingml/2006/main" xmlns:r="http://schemas.openxmlformats.org/officeDocument/2006/relationships" xmlns:p="http://schemas.openxmlformats.org/presentationml/2006/main">
   <p:cSld>
     <p:spTree>
@@ -22545,6 +24332,7 @@
 
 <file path=ppt/tags/tag22.xml><?xml version="1.0" encoding="utf-8"?>
 <p:tagLst xmlns:p="http://schemas.openxmlformats.org/presentationml/2006/main">
+  <p:tag name="KSO_WM_BEAUTIFY_FLAG" val="#wm#"/>
   <p:tag name="KSO_WM_TEMPLATE_CATEGORY" val="custom"/>
   <p:tag name="KSO_WM_TEMPLATE_INDEX" val="20184545"/>
 </p:tagLst>
@@ -22951,6 +24739,7 @@
 
 <file path=ppt/tags/tag68.xml><?xml version="1.0" encoding="utf-8"?>
 <p:tagLst xmlns:p="http://schemas.openxmlformats.org/presentationml/2006/main">
+  <p:tag name="KSO_WM_BEAUTIFY_FLAG" val="#wm#"/>
   <p:tag name="KSO_WM_TEMPLATE_CATEGORY" val="custom"/>
   <p:tag name="KSO_WM_TEMPLATE_INDEX" val="20184545"/>
 </p:tagLst>
@@ -22958,6 +24747,7 @@
 
 <file path=ppt/tags/tag69.xml><?xml version="1.0" encoding="utf-8"?>
 <p:tagLst xmlns:p="http://schemas.openxmlformats.org/presentationml/2006/main">
+  <p:tag name="KSO_WM_BEAUTIFY_FLAG" val="#wm#"/>
   <p:tag name="KSO_WM_TEMPLATE_CATEGORY" val="custom"/>
   <p:tag name="KSO_WM_TEMPLATE_INDEX" val="20184545"/>
 </p:tagLst>
@@ -22987,6 +24777,7 @@
 
 <file path=ppt/tags/tag70.xml><?xml version="1.0" encoding="utf-8"?>
 <p:tagLst xmlns:p="http://schemas.openxmlformats.org/presentationml/2006/main">
+  <p:tag name="KSO_WM_BEAUTIFY_FLAG" val="#wm#"/>
   <p:tag name="KSO_WM_TEMPLATE_CATEGORY" val="custom"/>
   <p:tag name="KSO_WM_TEMPLATE_INDEX" val="20184545"/>
 </p:tagLst>
@@ -22994,6 +24785,7 @@
 
 <file path=ppt/tags/tag71.xml><?xml version="1.0" encoding="utf-8"?>
 <p:tagLst xmlns:p="http://schemas.openxmlformats.org/presentationml/2006/main">
+  <p:tag name="KSO_WM_BEAUTIFY_FLAG" val="#wm#"/>
   <p:tag name="KSO_WM_TEMPLATE_CATEGORY" val="custom"/>
   <p:tag name="KSO_WM_TEMPLATE_INDEX" val="20184545"/>
 </p:tagLst>
@@ -23001,6 +24793,7 @@
 
 <file path=ppt/tags/tag72.xml><?xml version="1.0" encoding="utf-8"?>
 <p:tagLst xmlns:p="http://schemas.openxmlformats.org/presentationml/2006/main">
+  <p:tag name="KSO_WM_BEAUTIFY_FLAG" val="#wm#"/>
   <p:tag name="KSO_WM_TEMPLATE_CATEGORY" val="custom"/>
   <p:tag name="KSO_WM_TEMPLATE_INDEX" val="20184545"/>
 </p:tagLst>
@@ -23022,13 +24815,33 @@
 
 <file path=ppt/tags/tag75.xml><?xml version="1.0" encoding="utf-8"?>
 <p:tagLst xmlns:p="http://schemas.openxmlformats.org/presentationml/2006/main">
-  <p:tag name="KSO_WM_BEAUTIFY_FLAG" val="#wm#"/>
   <p:tag name="KSO_WM_TEMPLATE_CATEGORY" val="custom"/>
   <p:tag name="KSO_WM_TEMPLATE_INDEX" val="20184545"/>
 </p:tagLst>
 </file>
 
 <file path=ppt/tags/tag76.xml><?xml version="1.0" encoding="utf-8"?>
+<p:tagLst xmlns:p="http://schemas.openxmlformats.org/presentationml/2006/main">
+  <p:tag name="KSO_WM_TEMPLATE_CATEGORY" val="custom"/>
+  <p:tag name="KSO_WM_TEMPLATE_INDEX" val="20184545"/>
+</p:tagLst>
+</file>
+
+<file path=ppt/tags/tag77.xml><?xml version="1.0" encoding="utf-8"?>
+<p:tagLst xmlns:p="http://schemas.openxmlformats.org/presentationml/2006/main">
+  <p:tag name="KSO_WM_TEMPLATE_CATEGORY" val="custom"/>
+  <p:tag name="KSO_WM_TEMPLATE_INDEX" val="20184545"/>
+</p:tagLst>
+</file>
+
+<file path=ppt/tags/tag78.xml><?xml version="1.0" encoding="utf-8"?>
+<p:tagLst xmlns:p="http://schemas.openxmlformats.org/presentationml/2006/main">
+  <p:tag name="KSO_WM_TEMPLATE_CATEGORY" val="custom"/>
+  <p:tag name="KSO_WM_TEMPLATE_INDEX" val="20184545"/>
+</p:tagLst>
+</file>
+
+<file path=ppt/tags/tag79.xml><?xml version="1.0" encoding="utf-8"?>
 <p:tagLst xmlns:p="http://schemas.openxmlformats.org/presentationml/2006/main">
   <p:tag name="KSO_WM_TEMPLATE_CATEGORY" val="custom"/>
   <p:tag name="KSO_WM_TEMPLATE_INDEX" val="20184545"/>
@@ -23050,6 +24863,21 @@
   <p:tag name="KSO_WM_TEMPLATE_INDEX" val="20184545"/>
   <p:tag name="KSO_WM_TEMPLATE_CATEGORY" val="custom"/>
   <p:tag name="KSO_WM_SLIDE_SUBTYPE" val="pureTxt"/>
+</p:tagLst>
+</file>
+
+<file path=ppt/tags/tag80.xml><?xml version="1.0" encoding="utf-8"?>
+<p:tagLst xmlns:p="http://schemas.openxmlformats.org/presentationml/2006/main">
+  <p:tag name="KSO_WM_BEAUTIFY_FLAG" val="#wm#"/>
+  <p:tag name="KSO_WM_TEMPLATE_CATEGORY" val="custom"/>
+  <p:tag name="KSO_WM_TEMPLATE_INDEX" val="20184545"/>
+</p:tagLst>
+</file>
+
+<file path=ppt/tags/tag81.xml><?xml version="1.0" encoding="utf-8"?>
+<p:tagLst xmlns:p="http://schemas.openxmlformats.org/presentationml/2006/main">
+  <p:tag name="KSO_WM_TEMPLATE_CATEGORY" val="custom"/>
+  <p:tag name="KSO_WM_TEMPLATE_INDEX" val="20184545"/>
 </p:tagLst>
 </file>
 
